--- a/Slides/T7- VariableSelection.pptx
+++ b/Slides/T7- VariableSelection.pptx
@@ -5,7 +5,7 @@
     <p:sldMasterId id="2147483676" r:id="rId1"/>
   </p:sldMasterIdLst>
   <p:notesMasterIdLst>
-    <p:notesMasterId r:id="rId27"/>
+    <p:notesMasterId r:id="rId29"/>
   </p:notesMasterIdLst>
   <p:sldIdLst>
     <p:sldId id="256" r:id="rId2"/>
@@ -21,18 +21,20 @@
     <p:sldId id="264" r:id="rId12"/>
     <p:sldId id="266" r:id="rId13"/>
     <p:sldId id="267" r:id="rId14"/>
-    <p:sldId id="268" r:id="rId15"/>
-    <p:sldId id="705" r:id="rId16"/>
-    <p:sldId id="706" r:id="rId17"/>
-    <p:sldId id="521" r:id="rId18"/>
-    <p:sldId id="941" r:id="rId19"/>
-    <p:sldId id="520" r:id="rId20"/>
-    <p:sldId id="536" r:id="rId21"/>
-    <p:sldId id="537" r:id="rId22"/>
-    <p:sldId id="538" r:id="rId23"/>
+    <p:sldId id="705" r:id="rId15"/>
+    <p:sldId id="706" r:id="rId16"/>
+    <p:sldId id="521" r:id="rId17"/>
+    <p:sldId id="941" r:id="rId18"/>
+    <p:sldId id="520" r:id="rId19"/>
+    <p:sldId id="536" r:id="rId20"/>
+    <p:sldId id="537" r:id="rId21"/>
+    <p:sldId id="538" r:id="rId22"/>
+    <p:sldId id="945" r:id="rId23"/>
     <p:sldId id="703" r:id="rId24"/>
-    <p:sldId id="704" r:id="rId25"/>
-    <p:sldId id="707" r:id="rId26"/>
+    <p:sldId id="943" r:id="rId25"/>
+    <p:sldId id="942" r:id="rId26"/>
+    <p:sldId id="704" r:id="rId27"/>
+    <p:sldId id="707" r:id="rId28"/>
   </p:sldIdLst>
   <p:sldSz cx="9144000" cy="6858000" type="screen4x3"/>
   <p:notesSz cx="6858000" cy="9144000"/>
@@ -271,7 +273,7 @@
           <a:p>
             <a:fld id="{0813ED7A-E0CC-A14D-8702-3DBB30C4345D}" type="datetimeFigureOut">
               <a:rPr lang="en-US" smtClean="0"/>
-              <a:t>4/2/24</a:t>
+              <a:t>11/4/24</a:t>
             </a:fld>
             <a:endParaRPr lang="en-US"/>
           </a:p>
@@ -582,19 +584,7 @@
           <a:bodyPr/>
           <a:lstStyle/>
           <a:p>
-            <a:r>
-              <a:rPr lang="en-US" dirty="0"/>
-              <a:t>Get class to do this? Ask them to create features.  Purchases are over the last year of purchases</a:t>
-            </a:r>
-          </a:p>
-          <a:p>
-            <a:endParaRPr lang="en-US" dirty="0"/>
-          </a:p>
-          <a:p>
-            <a:r>
-              <a:rPr lang="en-US" dirty="0"/>
-              <a:t>Training set is ABC from a pilot study…going to apply it to other people</a:t>
-            </a:r>
+            <a:endParaRPr lang="en-US"/>
           </a:p>
         </p:txBody>
       </p:sp>
@@ -615,7 +605,7 @@
           <a:p>
             <a:fld id="{85312B09-6666-2149-A7EC-89A035875DEE}" type="slidenum">
               <a:rPr lang="en-US" smtClean="0"/>
-              <a:t>4</a:t>
+              <a:t>1</a:t>
             </a:fld>
             <a:endParaRPr lang="en-US"/>
           </a:p>
@@ -624,7 +614,7 @@
     </p:spTree>
     <p:extLst>
       <p:ext uri="{BB962C8B-B14F-4D97-AF65-F5344CB8AC3E}">
-        <p14:creationId xmlns:p14="http://schemas.microsoft.com/office/powerpoint/2010/main" val="250254870"/>
+        <p14:creationId xmlns:p14="http://schemas.microsoft.com/office/powerpoint/2010/main" val="3970159924"/>
       </p:ext>
     </p:extLst>
   </p:cSld>
@@ -699,7 +689,7 @@
           <a:p>
             <a:fld id="{85312B09-6666-2149-A7EC-89A035875DEE}" type="slidenum">
               <a:rPr lang="en-US" smtClean="0"/>
-              <a:t>15</a:t>
+              <a:t>11</a:t>
             </a:fld>
             <a:endParaRPr lang="en-US"/>
           </a:p>
@@ -708,7 +698,7 @@
     </p:spTree>
     <p:extLst>
       <p:ext uri="{BB962C8B-B14F-4D97-AF65-F5344CB8AC3E}">
-        <p14:creationId xmlns:p14="http://schemas.microsoft.com/office/powerpoint/2010/main" val="1040374984"/>
+        <p14:creationId xmlns:p14="http://schemas.microsoft.com/office/powerpoint/2010/main" val="2378189922"/>
       </p:ext>
     </p:extLst>
   </p:cSld>
@@ -783,7 +773,7 @@
           <a:p>
             <a:fld id="{85312B09-6666-2149-A7EC-89A035875DEE}" type="slidenum">
               <a:rPr lang="en-US" smtClean="0"/>
-              <a:t>17</a:t>
+              <a:t>13</a:t>
             </a:fld>
             <a:endParaRPr lang="en-US"/>
           </a:p>
@@ -792,7 +782,7 @@
     </p:spTree>
     <p:extLst>
       <p:ext uri="{BB962C8B-B14F-4D97-AF65-F5344CB8AC3E}">
-        <p14:creationId xmlns:p14="http://schemas.microsoft.com/office/powerpoint/2010/main" val="2758545673"/>
+        <p14:creationId xmlns:p14="http://schemas.microsoft.com/office/powerpoint/2010/main" val="2014738616"/>
       </p:ext>
     </p:extLst>
   </p:cSld>
@@ -848,102 +838,8 @@
           <a:p>
             <a:r>
               <a:rPr lang="en-US" dirty="0"/>
-              <a:t>Maybe very few (cruise) maybe zero! (cold start) </a:t>
-            </a:r>
-          </a:p>
-          <a:p>
-            <a:endParaRPr lang="en-US" dirty="0"/>
-          </a:p>
-          <a:p>
-            <a:r>
-              <a:rPr lang="en-US" dirty="0"/>
-              <a:t>problem is lack of positive examples.  Base rate is really low!  maybe very few people who </a:t>
-            </a:r>
-            <a:r>
-              <a:rPr lang="en-US" dirty="0" err="1"/>
-              <a:t>purchse</a:t>
-            </a:r>
-            <a:r>
-              <a:rPr lang="en-US" dirty="0"/>
-              <a:t>, and even less who purchased because the </a:t>
-            </a:r>
-            <a:r>
-              <a:rPr lang="en-US" dirty="0" err="1"/>
-              <a:t>boght</a:t>
-            </a:r>
-            <a:r>
-              <a:rPr lang="en-US" dirty="0"/>
-              <a:t> an ad!! </a:t>
-            </a:r>
-          </a:p>
-          <a:p>
-            <a:endParaRPr lang="en-US" dirty="0"/>
-          </a:p>
-          <a:p>
-            <a:r>
-              <a:rPr lang="en-US" dirty="0"/>
-              <a:t>Or maybe we </a:t>
-            </a:r>
-            <a:r>
-              <a:rPr lang="en-US" dirty="0" err="1"/>
-              <a:t>havent</a:t>
-            </a:r>
-            <a:r>
-              <a:rPr lang="en-US" dirty="0"/>
-              <a:t> shown the ad yet!! </a:t>
-            </a:r>
-          </a:p>
-          <a:p>
-            <a:br>
-              <a:rPr lang="en-US" dirty="0"/>
-            </a:br>
-            <a:endParaRPr lang="en-US" dirty="0"/>
-          </a:p>
-          <a:p>
-            <a:r>
-              <a:rPr lang="en-US" dirty="0"/>
-              <a:t>Proxy : don’t worry about click, or even purchase, just look at those who shopped there. </a:t>
-            </a:r>
-          </a:p>
-          <a:p>
-            <a:br>
-              <a:rPr lang="en-US" dirty="0"/>
-            </a:br>
-            <a:endParaRPr lang="en-US" dirty="0"/>
-          </a:p>
-          <a:p>
-            <a:r>
-              <a:rPr lang="en-US" dirty="0"/>
-              <a:t>we get two orders of </a:t>
-            </a:r>
-            <a:r>
-              <a:rPr lang="en-US" dirty="0" err="1"/>
-              <a:t>magnitued</a:t>
-            </a:r>
-            <a:r>
-              <a:rPr lang="en-US" dirty="0"/>
-              <a:t> more of data, can get more signal. </a:t>
-            </a:r>
-          </a:p>
-          <a:p>
-            <a:endParaRPr lang="en-US" dirty="0"/>
-          </a:p>
-          <a:p>
-            <a:r>
-              <a:rPr lang="en-US" dirty="0"/>
-              <a:t>lets just try and define </a:t>
-            </a:r>
-            <a:r>
-              <a:rPr lang="en-US" dirty="0" err="1"/>
-              <a:t>peopel</a:t>
-            </a:r>
-            <a:r>
-              <a:rPr lang="en-US" dirty="0"/>
-              <a:t> who are interested in Pottery Barn...without purchase. </a:t>
-            </a:r>
-          </a:p>
-          <a:p>
-            <a:endParaRPr lang="en-US" dirty="0"/>
+              <a:t>Removing </a:t>
+            </a:r>
           </a:p>
         </p:txBody>
       </p:sp>
@@ -964,7 +860,272 @@
           <a:p>
             <a:fld id="{85312B09-6666-2149-A7EC-89A035875DEE}" type="slidenum">
               <a:rPr lang="en-US" smtClean="0"/>
-              <a:t>18</a:t>
+              <a:t>14</a:t>
+            </a:fld>
+            <a:endParaRPr lang="en-US"/>
+          </a:p>
+        </p:txBody>
+      </p:sp>
+    </p:spTree>
+    <p:extLst>
+      <p:ext uri="{BB962C8B-B14F-4D97-AF65-F5344CB8AC3E}">
+        <p14:creationId xmlns:p14="http://schemas.microsoft.com/office/powerpoint/2010/main" val="1040374984"/>
+      </p:ext>
+    </p:extLst>
+  </p:cSld>
+  <p:clrMapOvr>
+    <a:masterClrMapping/>
+  </p:clrMapOvr>
+</p:notes>
+</file>
+
+<file path=ppt/notesSlides/notesSlide13.xml><?xml version="1.0" encoding="utf-8"?>
+<p:notes xmlns:a="http://schemas.openxmlformats.org/drawingml/2006/main" xmlns:r="http://schemas.openxmlformats.org/officeDocument/2006/relationships" xmlns:p="http://schemas.openxmlformats.org/presentationml/2006/main">
+  <p:cSld>
+    <p:spTree>
+      <p:nvGrpSpPr>
+        <p:cNvPr id="1" name=""/>
+        <p:cNvGrpSpPr/>
+        <p:nvPr/>
+      </p:nvGrpSpPr>
+      <p:grpSpPr>
+        <a:xfrm>
+          <a:off x="0" y="0"/>
+          <a:ext cx="0" cy="0"/>
+          <a:chOff x="0" y="0"/>
+          <a:chExt cx="0" cy="0"/>
+        </a:xfrm>
+      </p:grpSpPr>
+      <p:sp>
+        <p:nvSpPr>
+          <p:cNvPr id="2" name="Slide Image Placeholder 1"/>
+          <p:cNvSpPr>
+            <a:spLocks noGrp="1" noRot="1" noChangeAspect="1"/>
+          </p:cNvSpPr>
+          <p:nvPr>
+            <p:ph type="sldImg"/>
+          </p:nvPr>
+        </p:nvSpPr>
+        <p:spPr/>
+      </p:sp>
+      <p:sp>
+        <p:nvSpPr>
+          <p:cNvPr id="3" name="Notes Placeholder 2"/>
+          <p:cNvSpPr>
+            <a:spLocks noGrp="1"/>
+          </p:cNvSpPr>
+          <p:nvPr>
+            <p:ph type="body" idx="1"/>
+          </p:nvPr>
+        </p:nvSpPr>
+        <p:spPr/>
+        <p:txBody>
+          <a:bodyPr/>
+          <a:lstStyle/>
+          <a:p>
+            <a:endParaRPr lang="en-US" dirty="0"/>
+          </a:p>
+        </p:txBody>
+      </p:sp>
+      <p:sp>
+        <p:nvSpPr>
+          <p:cNvPr id="4" name="Slide Number Placeholder 3"/>
+          <p:cNvSpPr>
+            <a:spLocks noGrp="1"/>
+          </p:cNvSpPr>
+          <p:nvPr>
+            <p:ph type="sldNum" sz="quarter" idx="5"/>
+          </p:nvPr>
+        </p:nvSpPr>
+        <p:spPr/>
+        <p:txBody>
+          <a:bodyPr/>
+          <a:lstStyle/>
+          <a:p>
+            <a:fld id="{85312B09-6666-2149-A7EC-89A035875DEE}" type="slidenum">
+              <a:rPr lang="en-US" smtClean="0"/>
+              <a:t>16</a:t>
+            </a:fld>
+            <a:endParaRPr lang="en-US"/>
+          </a:p>
+        </p:txBody>
+      </p:sp>
+    </p:spTree>
+    <p:extLst>
+      <p:ext uri="{BB962C8B-B14F-4D97-AF65-F5344CB8AC3E}">
+        <p14:creationId xmlns:p14="http://schemas.microsoft.com/office/powerpoint/2010/main" val="2758545673"/>
+      </p:ext>
+    </p:extLst>
+  </p:cSld>
+  <p:clrMapOvr>
+    <a:masterClrMapping/>
+  </p:clrMapOvr>
+</p:notes>
+</file>
+
+<file path=ppt/notesSlides/notesSlide14.xml><?xml version="1.0" encoding="utf-8"?>
+<p:notes xmlns:a="http://schemas.openxmlformats.org/drawingml/2006/main" xmlns:r="http://schemas.openxmlformats.org/officeDocument/2006/relationships" xmlns:p="http://schemas.openxmlformats.org/presentationml/2006/main">
+  <p:cSld>
+    <p:spTree>
+      <p:nvGrpSpPr>
+        <p:cNvPr id="1" name=""/>
+        <p:cNvGrpSpPr/>
+        <p:nvPr/>
+      </p:nvGrpSpPr>
+      <p:grpSpPr>
+        <a:xfrm>
+          <a:off x="0" y="0"/>
+          <a:ext cx="0" cy="0"/>
+          <a:chOff x="0" y="0"/>
+          <a:chExt cx="0" cy="0"/>
+        </a:xfrm>
+      </p:grpSpPr>
+      <p:sp>
+        <p:nvSpPr>
+          <p:cNvPr id="2" name="Slide Image Placeholder 1"/>
+          <p:cNvSpPr>
+            <a:spLocks noGrp="1" noRot="1" noChangeAspect="1"/>
+          </p:cNvSpPr>
+          <p:nvPr>
+            <p:ph type="sldImg"/>
+          </p:nvPr>
+        </p:nvSpPr>
+        <p:spPr/>
+      </p:sp>
+      <p:sp>
+        <p:nvSpPr>
+          <p:cNvPr id="3" name="Notes Placeholder 2"/>
+          <p:cNvSpPr>
+            <a:spLocks noGrp="1"/>
+          </p:cNvSpPr>
+          <p:nvPr>
+            <p:ph type="body" idx="1"/>
+          </p:nvPr>
+        </p:nvSpPr>
+        <p:spPr/>
+        <p:txBody>
+          <a:bodyPr/>
+          <a:lstStyle/>
+          <a:p>
+            <a:r>
+              <a:rPr lang="en-US" dirty="0"/>
+              <a:t>Maybe very few (cruise) maybe zero! (cold start) </a:t>
+            </a:r>
+          </a:p>
+          <a:p>
+            <a:endParaRPr lang="en-US" dirty="0"/>
+          </a:p>
+          <a:p>
+            <a:r>
+              <a:rPr lang="en-US" dirty="0"/>
+              <a:t>problem is lack of positive examples.  Base rate is really low!  maybe very few people who </a:t>
+            </a:r>
+            <a:r>
+              <a:rPr lang="en-US" dirty="0" err="1"/>
+              <a:t>purchse</a:t>
+            </a:r>
+            <a:r>
+              <a:rPr lang="en-US" dirty="0"/>
+              <a:t>, and even less who purchased because the </a:t>
+            </a:r>
+            <a:r>
+              <a:rPr lang="en-US" dirty="0" err="1"/>
+              <a:t>boght</a:t>
+            </a:r>
+            <a:r>
+              <a:rPr lang="en-US" dirty="0"/>
+              <a:t> an ad!! </a:t>
+            </a:r>
+          </a:p>
+          <a:p>
+            <a:endParaRPr lang="en-US" dirty="0"/>
+          </a:p>
+          <a:p>
+            <a:r>
+              <a:rPr lang="en-US" dirty="0"/>
+              <a:t>Or maybe we </a:t>
+            </a:r>
+            <a:r>
+              <a:rPr lang="en-US" dirty="0" err="1"/>
+              <a:t>havent</a:t>
+            </a:r>
+            <a:r>
+              <a:rPr lang="en-US" dirty="0"/>
+              <a:t> shown the ad yet!! </a:t>
+            </a:r>
+          </a:p>
+          <a:p>
+            <a:br>
+              <a:rPr lang="en-US" dirty="0"/>
+            </a:br>
+            <a:endParaRPr lang="en-US" dirty="0"/>
+          </a:p>
+          <a:p>
+            <a:r>
+              <a:rPr lang="en-US" dirty="0"/>
+              <a:t>Proxy : don’t worry about click, or even purchase, just look at those who shopped there. </a:t>
+            </a:r>
+          </a:p>
+          <a:p>
+            <a:br>
+              <a:rPr lang="en-US" dirty="0"/>
+            </a:br>
+            <a:endParaRPr lang="en-US" dirty="0"/>
+          </a:p>
+          <a:p>
+            <a:r>
+              <a:rPr lang="en-US" dirty="0"/>
+              <a:t>we get two orders of </a:t>
+            </a:r>
+            <a:r>
+              <a:rPr lang="en-US" dirty="0" err="1"/>
+              <a:t>magnitued</a:t>
+            </a:r>
+            <a:r>
+              <a:rPr lang="en-US" dirty="0"/>
+              <a:t> more of data, can get more signal. </a:t>
+            </a:r>
+          </a:p>
+          <a:p>
+            <a:endParaRPr lang="en-US" dirty="0"/>
+          </a:p>
+          <a:p>
+            <a:r>
+              <a:rPr lang="en-US" dirty="0"/>
+              <a:t>lets just try and define </a:t>
+            </a:r>
+            <a:r>
+              <a:rPr lang="en-US" dirty="0" err="1"/>
+              <a:t>peopel</a:t>
+            </a:r>
+            <a:r>
+              <a:rPr lang="en-US" dirty="0"/>
+              <a:t> who are interested in Pottery Barn...without purchase. </a:t>
+            </a:r>
+          </a:p>
+          <a:p>
+            <a:endParaRPr lang="en-US" dirty="0"/>
+          </a:p>
+        </p:txBody>
+      </p:sp>
+      <p:sp>
+        <p:nvSpPr>
+          <p:cNvPr id="4" name="Slide Number Placeholder 3"/>
+          <p:cNvSpPr>
+            <a:spLocks noGrp="1"/>
+          </p:cNvSpPr>
+          <p:nvPr>
+            <p:ph type="sldNum" sz="quarter" idx="5"/>
+          </p:nvPr>
+        </p:nvSpPr>
+        <p:spPr/>
+        <p:txBody>
+          <a:bodyPr/>
+          <a:lstStyle/>
+          <a:p>
+            <a:fld id="{85312B09-6666-2149-A7EC-89A035875DEE}" type="slidenum">
+              <a:rPr lang="en-US" smtClean="0"/>
+              <a:t>17</a:t>
             </a:fld>
             <a:endParaRPr lang="en-US"/>
           </a:p>
@@ -983,7 +1144,7 @@
 </p:notes>
 </file>
 
-<file path=ppt/notesSlides/notesSlide13.xml><?xml version="1.0" encoding="utf-8"?>
+<file path=ppt/notesSlides/notesSlide15.xml><?xml version="1.0" encoding="utf-8"?>
 <p:notes xmlns:a="http://schemas.openxmlformats.org/drawingml/2006/main" xmlns:r="http://schemas.openxmlformats.org/officeDocument/2006/relationships" xmlns:p="http://schemas.openxmlformats.org/presentationml/2006/main" showMasterSp="0" showMasterPhAnim="0">
   <p:cSld>
     <p:spTree>
@@ -1093,7 +1254,7 @@
 </p:notes>
 </file>
 
-<file path=ppt/notesSlides/notesSlide14.xml><?xml version="1.0" encoding="utf-8"?>
+<file path=ppt/notesSlides/notesSlide16.xml><?xml version="1.0" encoding="utf-8"?>
 <p:notes xmlns:a="http://schemas.openxmlformats.org/drawingml/2006/main" xmlns:r="http://schemas.openxmlformats.org/officeDocument/2006/relationships" xmlns:p="http://schemas.openxmlformats.org/presentationml/2006/main">
   <p:cSld>
     <p:spTree>
@@ -1161,7 +1322,7 @@
           <a:p>
             <a:fld id="{85312B09-6666-2149-A7EC-89A035875DEE}" type="slidenum">
               <a:rPr lang="en-US" smtClean="0"/>
-              <a:t>21</a:t>
+              <a:t>20</a:t>
             </a:fld>
             <a:endParaRPr lang="en-US"/>
           </a:p>
@@ -1171,6 +1332,261 @@
     <p:extLst>
       <p:ext uri="{BB962C8B-B14F-4D97-AF65-F5344CB8AC3E}">
         <p14:creationId xmlns:p14="http://schemas.microsoft.com/office/powerpoint/2010/main" val="1678878361"/>
+      </p:ext>
+    </p:extLst>
+  </p:cSld>
+  <p:clrMapOvr>
+    <a:masterClrMapping/>
+  </p:clrMapOvr>
+</p:notes>
+</file>
+
+<file path=ppt/notesSlides/notesSlide17.xml><?xml version="1.0" encoding="utf-8"?>
+<p:notes xmlns:a="http://schemas.openxmlformats.org/drawingml/2006/main" xmlns:r="http://schemas.openxmlformats.org/officeDocument/2006/relationships" xmlns:p="http://schemas.openxmlformats.org/presentationml/2006/main">
+  <p:cSld>
+    <p:spTree>
+      <p:nvGrpSpPr>
+        <p:cNvPr id="1" name=""/>
+        <p:cNvGrpSpPr/>
+        <p:nvPr/>
+      </p:nvGrpSpPr>
+      <p:grpSpPr>
+        <a:xfrm>
+          <a:off x="0" y="0"/>
+          <a:ext cx="0" cy="0"/>
+          <a:chOff x="0" y="0"/>
+          <a:chExt cx="0" cy="0"/>
+        </a:xfrm>
+      </p:grpSpPr>
+      <p:sp>
+        <p:nvSpPr>
+          <p:cNvPr id="2" name="Slide Image Placeholder 1"/>
+          <p:cNvSpPr>
+            <a:spLocks noGrp="1" noRot="1" noChangeAspect="1"/>
+          </p:cNvSpPr>
+          <p:nvPr>
+            <p:ph type="sldImg"/>
+          </p:nvPr>
+        </p:nvSpPr>
+        <p:spPr/>
+      </p:sp>
+      <p:sp>
+        <p:nvSpPr>
+          <p:cNvPr id="3" name="Notes Placeholder 2"/>
+          <p:cNvSpPr>
+            <a:spLocks noGrp="1"/>
+          </p:cNvSpPr>
+          <p:nvPr>
+            <p:ph type="body" idx="1"/>
+          </p:nvPr>
+        </p:nvSpPr>
+        <p:spPr/>
+        <p:txBody>
+          <a:bodyPr/>
+          <a:lstStyle/>
+          <a:p>
+            <a:r>
+              <a:rPr lang="en-US" dirty="0"/>
+              <a:t>the more correlated it is, the less information there is...</a:t>
+            </a:r>
+          </a:p>
+        </p:txBody>
+      </p:sp>
+      <p:sp>
+        <p:nvSpPr>
+          <p:cNvPr id="4" name="Slide Number Placeholder 3"/>
+          <p:cNvSpPr>
+            <a:spLocks noGrp="1"/>
+          </p:cNvSpPr>
+          <p:nvPr>
+            <p:ph type="sldNum" sz="quarter" idx="5"/>
+          </p:nvPr>
+        </p:nvSpPr>
+        <p:spPr/>
+        <p:txBody>
+          <a:bodyPr/>
+          <a:lstStyle/>
+          <a:p>
+            <a:fld id="{85312B09-6666-2149-A7EC-89A035875DEE}" type="slidenum">
+              <a:rPr lang="en-US" smtClean="0"/>
+              <a:t>22</a:t>
+            </a:fld>
+            <a:endParaRPr lang="en-US"/>
+          </a:p>
+        </p:txBody>
+      </p:sp>
+    </p:spTree>
+    <p:extLst>
+      <p:ext uri="{BB962C8B-B14F-4D97-AF65-F5344CB8AC3E}">
+        <p14:creationId xmlns:p14="http://schemas.microsoft.com/office/powerpoint/2010/main" val="3159455074"/>
+      </p:ext>
+    </p:extLst>
+  </p:cSld>
+  <p:clrMapOvr>
+    <a:masterClrMapping/>
+  </p:clrMapOvr>
+</p:notes>
+</file>
+
+<file path=ppt/notesSlides/notesSlide18.xml><?xml version="1.0" encoding="utf-8"?>
+<p:notes xmlns:a="http://schemas.openxmlformats.org/drawingml/2006/main" xmlns:r="http://schemas.openxmlformats.org/officeDocument/2006/relationships" xmlns:p="http://schemas.openxmlformats.org/presentationml/2006/main">
+  <p:cSld>
+    <p:spTree>
+      <p:nvGrpSpPr>
+        <p:cNvPr id="1" name=""/>
+        <p:cNvGrpSpPr/>
+        <p:nvPr/>
+      </p:nvGrpSpPr>
+      <p:grpSpPr>
+        <a:xfrm>
+          <a:off x="0" y="0"/>
+          <a:ext cx="0" cy="0"/>
+          <a:chOff x="0" y="0"/>
+          <a:chExt cx="0" cy="0"/>
+        </a:xfrm>
+      </p:grpSpPr>
+      <p:sp>
+        <p:nvSpPr>
+          <p:cNvPr id="2" name="Slide Image Placeholder 1"/>
+          <p:cNvSpPr>
+            <a:spLocks noGrp="1" noRot="1" noChangeAspect="1"/>
+          </p:cNvSpPr>
+          <p:nvPr>
+            <p:ph type="sldImg"/>
+          </p:nvPr>
+        </p:nvSpPr>
+        <p:spPr/>
+      </p:sp>
+      <p:sp>
+        <p:nvSpPr>
+          <p:cNvPr id="3" name="Notes Placeholder 2"/>
+          <p:cNvSpPr>
+            <a:spLocks noGrp="1"/>
+          </p:cNvSpPr>
+          <p:nvPr>
+            <p:ph type="body" idx="1"/>
+          </p:nvPr>
+        </p:nvSpPr>
+        <p:spPr/>
+        <p:txBody>
+          <a:bodyPr/>
+          <a:lstStyle/>
+          <a:p>
+            <a:endParaRPr lang="en-US" dirty="0"/>
+          </a:p>
+        </p:txBody>
+      </p:sp>
+      <p:sp>
+        <p:nvSpPr>
+          <p:cNvPr id="4" name="Slide Number Placeholder 3"/>
+          <p:cNvSpPr>
+            <a:spLocks noGrp="1"/>
+          </p:cNvSpPr>
+          <p:nvPr>
+            <p:ph type="sldNum" sz="quarter" idx="5"/>
+          </p:nvPr>
+        </p:nvSpPr>
+        <p:spPr/>
+        <p:txBody>
+          <a:bodyPr/>
+          <a:lstStyle/>
+          <a:p>
+            <a:fld id="{85312B09-6666-2149-A7EC-89A035875DEE}" type="slidenum">
+              <a:rPr lang="en-US" smtClean="0"/>
+              <a:t>25</a:t>
+            </a:fld>
+            <a:endParaRPr lang="en-US"/>
+          </a:p>
+        </p:txBody>
+      </p:sp>
+    </p:spTree>
+    <p:extLst>
+      <p:ext uri="{BB962C8B-B14F-4D97-AF65-F5344CB8AC3E}">
+        <p14:creationId xmlns:p14="http://schemas.microsoft.com/office/powerpoint/2010/main" val="466943930"/>
+      </p:ext>
+    </p:extLst>
+  </p:cSld>
+  <p:clrMapOvr>
+    <a:masterClrMapping/>
+  </p:clrMapOvr>
+</p:notes>
+</file>
+
+<file path=ppt/notesSlides/notesSlide19.xml><?xml version="1.0" encoding="utf-8"?>
+<p:notes xmlns:a="http://schemas.openxmlformats.org/drawingml/2006/main" xmlns:r="http://schemas.openxmlformats.org/officeDocument/2006/relationships" xmlns:p="http://schemas.openxmlformats.org/presentationml/2006/main">
+  <p:cSld>
+    <p:spTree>
+      <p:nvGrpSpPr>
+        <p:cNvPr id="1" name=""/>
+        <p:cNvGrpSpPr/>
+        <p:nvPr/>
+      </p:nvGrpSpPr>
+      <p:grpSpPr>
+        <a:xfrm>
+          <a:off x="0" y="0"/>
+          <a:ext cx="0" cy="0"/>
+          <a:chOff x="0" y="0"/>
+          <a:chExt cx="0" cy="0"/>
+        </a:xfrm>
+      </p:grpSpPr>
+      <p:sp>
+        <p:nvSpPr>
+          <p:cNvPr id="2" name="Slide Image Placeholder 1"/>
+          <p:cNvSpPr>
+            <a:spLocks noGrp="1" noRot="1" noChangeAspect="1"/>
+          </p:cNvSpPr>
+          <p:nvPr>
+            <p:ph type="sldImg"/>
+          </p:nvPr>
+        </p:nvSpPr>
+        <p:spPr/>
+      </p:sp>
+      <p:sp>
+        <p:nvSpPr>
+          <p:cNvPr id="3" name="Notes Placeholder 2"/>
+          <p:cNvSpPr>
+            <a:spLocks noGrp="1"/>
+          </p:cNvSpPr>
+          <p:nvPr>
+            <p:ph type="body" idx="1"/>
+          </p:nvPr>
+        </p:nvSpPr>
+        <p:spPr/>
+        <p:txBody>
+          <a:bodyPr/>
+          <a:lstStyle/>
+          <a:p>
+            <a:endParaRPr lang="en-US" dirty="0"/>
+          </a:p>
+        </p:txBody>
+      </p:sp>
+      <p:sp>
+        <p:nvSpPr>
+          <p:cNvPr id="4" name="Slide Number Placeholder 3"/>
+          <p:cNvSpPr>
+            <a:spLocks noGrp="1"/>
+          </p:cNvSpPr>
+          <p:nvPr>
+            <p:ph type="sldNum" sz="quarter" idx="5"/>
+          </p:nvPr>
+        </p:nvSpPr>
+        <p:spPr/>
+        <p:txBody>
+          <a:bodyPr/>
+          <a:lstStyle/>
+          <a:p>
+            <a:fld id="{85312B09-6666-2149-A7EC-89A035875DEE}" type="slidenum">
+              <a:rPr lang="en-US" smtClean="0"/>
+              <a:t>27</a:t>
+            </a:fld>
+            <a:endParaRPr lang="en-US"/>
+          </a:p>
+        </p:txBody>
+      </p:sp>
+    </p:spTree>
+    <p:extLst>
+      <p:ext uri="{BB962C8B-B14F-4D97-AF65-F5344CB8AC3E}">
+        <p14:creationId xmlns:p14="http://schemas.microsoft.com/office/powerpoint/2010/main" val="1723679867"/>
       </p:ext>
     </p:extLst>
   </p:cSld>
@@ -1224,20 +1640,6 @@
           <a:bodyPr/>
           <a:lstStyle/>
           <a:p>
-            <a:r>
-              <a:rPr lang="en-US" dirty="0"/>
-              <a:t>There are two ways to do this!  Append demos to all purchases?  Or summarize all purchases in feature engineering…</a:t>
-            </a:r>
-            <a:r>
-              <a:rPr lang="en-US" dirty="0" err="1"/>
-              <a:t>follwoign</a:t>
-            </a:r>
-            <a:r>
-              <a:rPr lang="en-US" dirty="0"/>
-              <a:t> slides show</a:t>
-            </a:r>
-          </a:p>
-          <a:p>
             <a:endParaRPr lang="en-US" dirty="0"/>
           </a:p>
         </p:txBody>
@@ -1259,7 +1661,7 @@
           <a:p>
             <a:fld id="{85312B09-6666-2149-A7EC-89A035875DEE}" type="slidenum">
               <a:rPr lang="en-US" smtClean="0"/>
-              <a:t>5</a:t>
+              <a:t>2</a:t>
             </a:fld>
             <a:endParaRPr lang="en-US"/>
           </a:p>
@@ -1268,7 +1670,7 @@
     </p:spTree>
     <p:extLst>
       <p:ext uri="{BB962C8B-B14F-4D97-AF65-F5344CB8AC3E}">
-        <p14:creationId xmlns:p14="http://schemas.microsoft.com/office/powerpoint/2010/main" val="19023186"/>
+        <p14:creationId xmlns:p14="http://schemas.microsoft.com/office/powerpoint/2010/main" val="1603291063"/>
       </p:ext>
     </p:extLst>
   </p:cSld>
@@ -1324,7 +1726,16 @@
           <a:p>
             <a:r>
               <a:rPr lang="en-US" dirty="0"/>
-              <a:t>What other attributes can we create? Number of sales, total sales, avg. sales, type of purchase, recency, max sale..</a:t>
+              <a:t>Get class to do this? Ask them to create features.  Purchases are over the last year of purchases</a:t>
+            </a:r>
+          </a:p>
+          <a:p>
+            <a:endParaRPr lang="en-US" dirty="0"/>
+          </a:p>
+          <a:p>
+            <a:r>
+              <a:rPr lang="en-US" dirty="0"/>
+              <a:t>Training set is ABC from a pilot study…going to apply it to other people</a:t>
             </a:r>
           </a:p>
         </p:txBody>
@@ -1346,7 +1757,7 @@
           <a:p>
             <a:fld id="{85312B09-6666-2149-A7EC-89A035875DEE}" type="slidenum">
               <a:rPr lang="en-US" smtClean="0"/>
-              <a:t>6</a:t>
+              <a:t>4</a:t>
             </a:fld>
             <a:endParaRPr lang="en-US"/>
           </a:p>
@@ -1355,7 +1766,7 @@
     </p:spTree>
     <p:extLst>
       <p:ext uri="{BB962C8B-B14F-4D97-AF65-F5344CB8AC3E}">
-        <p14:creationId xmlns:p14="http://schemas.microsoft.com/office/powerpoint/2010/main" val="189271066"/>
+        <p14:creationId xmlns:p14="http://schemas.microsoft.com/office/powerpoint/2010/main" val="250254870"/>
       </p:ext>
     </p:extLst>
   </p:cSld>
@@ -1411,26 +1822,19 @@
           <a:p>
             <a:r>
               <a:rPr lang="en-US" dirty="0"/>
-              <a:t>Now you are modelling PURCHASES instead of users, someone with many transactions is much more represented in the data.  </a:t>
+              <a:t>There are two ways to do this!  Append demos to all purchases?  Or summarize all purchases in feature engineering…</a:t>
+            </a:r>
+            <a:r>
+              <a:rPr lang="en-US" dirty="0" err="1"/>
+              <a:t>follwoign</a:t>
+            </a:r>
+            <a:r>
+              <a:rPr lang="en-US" dirty="0"/>
+              <a:t> slides show</a:t>
             </a:r>
           </a:p>
           <a:p>
             <a:endParaRPr lang="en-US" dirty="0"/>
-          </a:p>
-          <a:p>
-            <a:r>
-              <a:rPr lang="en-US" dirty="0"/>
-              <a:t>Changes baseline.  Also much more data</a:t>
-            </a:r>
-          </a:p>
-          <a:p>
-            <a:endParaRPr lang="en-US" dirty="0"/>
-          </a:p>
-          <a:p>
-            <a:r>
-              <a:rPr lang="en-US" dirty="0"/>
-              <a:t>And you don’t get the advantage of adding more features…</a:t>
-            </a:r>
           </a:p>
         </p:txBody>
       </p:sp>
@@ -1451,7 +1855,7 @@
           <a:p>
             <a:fld id="{85312B09-6666-2149-A7EC-89A035875DEE}" type="slidenum">
               <a:rPr lang="en-US" smtClean="0"/>
-              <a:t>7</a:t>
+              <a:t>5</a:t>
             </a:fld>
             <a:endParaRPr lang="en-US"/>
           </a:p>
@@ -1460,7 +1864,7 @@
     </p:spTree>
     <p:extLst>
       <p:ext uri="{BB962C8B-B14F-4D97-AF65-F5344CB8AC3E}">
-        <p14:creationId xmlns:p14="http://schemas.microsoft.com/office/powerpoint/2010/main" val="2880502114"/>
+        <p14:creationId xmlns:p14="http://schemas.microsoft.com/office/powerpoint/2010/main" val="19023186"/>
       </p:ext>
     </p:extLst>
   </p:cSld>
@@ -1516,7 +1920,7 @@
           <a:p>
             <a:r>
               <a:rPr lang="en-US" dirty="0"/>
-              <a:t>This is what Netflix looked like in the early 2000s….</a:t>
+              <a:t>What other attributes can we create? Number of sales, total sales, avg. sales, type of purchase, recency, max sale..</a:t>
             </a:r>
           </a:p>
         </p:txBody>
@@ -1538,7 +1942,7 @@
           <a:p>
             <a:fld id="{85312B09-6666-2149-A7EC-89A035875DEE}" type="slidenum">
               <a:rPr lang="en-US" smtClean="0"/>
-              <a:t>8</a:t>
+              <a:t>6</a:t>
             </a:fld>
             <a:endParaRPr lang="en-US"/>
           </a:p>
@@ -1547,7 +1951,7 @@
     </p:spTree>
     <p:extLst>
       <p:ext uri="{BB962C8B-B14F-4D97-AF65-F5344CB8AC3E}">
-        <p14:creationId xmlns:p14="http://schemas.microsoft.com/office/powerpoint/2010/main" val="2679523119"/>
+        <p14:creationId xmlns:p14="http://schemas.microsoft.com/office/powerpoint/2010/main" val="189271066"/>
       </p:ext>
     </p:extLst>
   </p:cSld>
@@ -1603,7 +2007,7 @@
           <a:p>
             <a:r>
               <a:rPr lang="en-US" dirty="0"/>
-              <a:t>What are the features?  What is the target?</a:t>
+              <a:t>Now you are modelling PURCHASES instead of users, someone with many transactions is much more represented in the data.  </a:t>
             </a:r>
           </a:p>
           <a:p>
@@ -1612,7 +2016,7 @@
           <a:p>
             <a:r>
               <a:rPr lang="en-US" dirty="0"/>
-              <a:t>Build a model for each movie. </a:t>
+              <a:t>Changes baseline.  Also much more data</a:t>
             </a:r>
           </a:p>
           <a:p>
@@ -1621,186 +2025,8 @@
           <a:p>
             <a:r>
               <a:rPr lang="en-US" dirty="0"/>
-              <a:t>Want to predict if someone will like Jurassic Park</a:t>
-            </a:r>
-          </a:p>
-          <a:p>
-            <a:r>
-              <a:rPr lang="en-US" dirty="0"/>
-              <a:t>Need a matrix – training data of all the people who watched Jurassic Park</a:t>
-            </a:r>
-          </a:p>
-          <a:p>
-            <a:r>
-              <a:rPr lang="en-US" dirty="0"/>
-              <a:t>Target is rating of JP</a:t>
-            </a:r>
-          </a:p>
-          <a:p>
-            <a:r>
-              <a:rPr lang="en-US" dirty="0"/>
-              <a:t>What are the features? </a:t>
-            </a:r>
-          </a:p>
-          <a:p>
-            <a:endParaRPr lang="en-US" dirty="0"/>
-          </a:p>
-          <a:p>
-            <a:r>
-              <a:rPr lang="en-US" dirty="0"/>
-              <a:t>What is the average number of movies rated per user? </a:t>
-            </a:r>
-          </a:p>
-          <a:p>
-            <a:r>
-              <a:rPr lang="en-US" dirty="0"/>
-              <a:t>What is the average number of users that rate a movie? </a:t>
-            </a:r>
-          </a:p>
-          <a:p>
-            <a:r>
-              <a:rPr lang="en-US" dirty="0"/>
-              <a:t>Want to create features for the users, how can we do that?  Create 10 for users and 10 for movies…</a:t>
-            </a:r>
-          </a:p>
-          <a:p>
-            <a:r>
-              <a:rPr lang="en-US" dirty="0"/>
-              <a:t>Max rating user”. 17659 (is that real?) average is just over 200…</a:t>
-            </a:r>
-          </a:p>
-          <a:p>
-            <a:r>
-              <a:rPr lang="en-US" dirty="0"/>
-              <a:t>Max number of ratings movie? 240k – Miss Congeniality. </a:t>
-            </a:r>
-          </a:p>
-          <a:p>
-            <a:endParaRPr lang="en-US" dirty="0"/>
-          </a:p>
-          <a:p>
-            <a:r>
-              <a:rPr lang="en-US" dirty="0"/>
-              <a:t>Number of movies rated</a:t>
-            </a:r>
-          </a:p>
-          <a:p>
-            <a:r>
-              <a:rPr lang="en-US" dirty="0"/>
-              <a:t>Average of movies rated</a:t>
-            </a:r>
-          </a:p>
-          <a:p>
-            <a:r>
-              <a:rPr lang="en-US" dirty="0"/>
-              <a:t>Max score</a:t>
-            </a:r>
-          </a:p>
-          <a:p>
-            <a:r>
-              <a:rPr lang="en-US" dirty="0"/>
-              <a:t>Min score</a:t>
-            </a:r>
-          </a:p>
-          <a:p>
-            <a:r>
-              <a:rPr lang="en-US" dirty="0"/>
-              <a:t>Average score</a:t>
-            </a:r>
-          </a:p>
-          <a:p>
-            <a:r>
-              <a:rPr lang="en-US" dirty="0"/>
-              <a:t>SD score</a:t>
-            </a:r>
-          </a:p>
-          <a:p>
-            <a:r>
-              <a:rPr lang="en-US" dirty="0"/>
-              <a:t>How did they rate similar movies to Jurassic park</a:t>
-            </a:r>
-            <a:br>
-              <a:rPr lang="en-US" dirty="0"/>
-            </a:br>
-            <a:r>
-              <a:rPr lang="en-US" dirty="0"/>
-              <a:t>how did they rate movies with same director (if any) </a:t>
-            </a:r>
-          </a:p>
-          <a:p>
-            <a:r>
-              <a:rPr lang="en-US" dirty="0"/>
-              <a:t>% of ratings that are 5</a:t>
-            </a:r>
-          </a:p>
-          <a:p>
-            <a:r>
-              <a:rPr lang="en-US" dirty="0"/>
-              <a:t>Day span of ratings</a:t>
-            </a:r>
-          </a:p>
-          <a:p>
-            <a:r>
-              <a:rPr lang="en-US" dirty="0"/>
-              <a:t>Max ratings on a single day</a:t>
-            </a:r>
-          </a:p>
-          <a:p>
-            <a:r>
-              <a:rPr lang="en-US" dirty="0"/>
-              <a:t>Most recent rating (how many days ago)</a:t>
-            </a:r>
-          </a:p>
-          <a:p>
-            <a:r>
-              <a:rPr lang="en-US" dirty="0"/>
-              <a:t>DATE ISNT USEFUL!</a:t>
-            </a:r>
-          </a:p>
-          <a:p>
-            <a:endParaRPr lang="en-US" dirty="0"/>
-          </a:p>
-          <a:p>
-            <a:endParaRPr lang="en-US" dirty="0"/>
-          </a:p>
-          <a:p>
-            <a:r>
-              <a:rPr lang="en-US" dirty="0"/>
-              <a:t>Movies</a:t>
-            </a:r>
-          </a:p>
-          <a:p>
-            <a:r>
-              <a:rPr lang="en-US" dirty="0"/>
-              <a:t>How many people rated it? </a:t>
-            </a:r>
-          </a:p>
-          <a:p>
-            <a:r>
-              <a:rPr lang="en-US" dirty="0"/>
-              <a:t>What is the span of time? </a:t>
-            </a:r>
-          </a:p>
-          <a:p>
-            <a:r>
-              <a:rPr lang="en-US" dirty="0"/>
-              <a:t>Genre</a:t>
-            </a:r>
-          </a:p>
-          <a:p>
-            <a:r>
-              <a:rPr lang="en-US" dirty="0"/>
-              <a:t>Sub-genre</a:t>
-            </a:r>
-          </a:p>
-          <a:p>
-            <a:r>
-              <a:rPr lang="en-US" dirty="0"/>
-              <a:t>director</a:t>
-            </a:r>
-          </a:p>
-          <a:p>
-            <a:endParaRPr lang="en-US" dirty="0"/>
+              <a:t>And you don’t get the advantage of adding more features…</a:t>
+            </a:r>
           </a:p>
         </p:txBody>
       </p:sp>
@@ -1821,7 +2047,7 @@
           <a:p>
             <a:fld id="{85312B09-6666-2149-A7EC-89A035875DEE}" type="slidenum">
               <a:rPr lang="en-US" smtClean="0"/>
-              <a:t>9</a:t>
+              <a:t>7</a:t>
             </a:fld>
             <a:endParaRPr lang="en-US"/>
           </a:p>
@@ -1830,7 +2056,7 @@
     </p:spTree>
     <p:extLst>
       <p:ext uri="{BB962C8B-B14F-4D97-AF65-F5344CB8AC3E}">
-        <p14:creationId xmlns:p14="http://schemas.microsoft.com/office/powerpoint/2010/main" val="1598171044"/>
+        <p14:creationId xmlns:p14="http://schemas.microsoft.com/office/powerpoint/2010/main" val="2880502114"/>
       </p:ext>
     </p:extLst>
   </p:cSld>
@@ -1884,7 +2110,10 @@
           <a:bodyPr/>
           <a:lstStyle/>
           <a:p>
-            <a:endParaRPr lang="en-US" dirty="0"/>
+            <a:r>
+              <a:rPr lang="en-US" dirty="0"/>
+              <a:t>This is what Netflix looked like in the early 2000s….</a:t>
+            </a:r>
           </a:p>
         </p:txBody>
       </p:sp>
@@ -1905,7 +2134,7 @@
           <a:p>
             <a:fld id="{85312B09-6666-2149-A7EC-89A035875DEE}" type="slidenum">
               <a:rPr lang="en-US" smtClean="0"/>
-              <a:t>10</a:t>
+              <a:t>8</a:t>
             </a:fld>
             <a:endParaRPr lang="en-US"/>
           </a:p>
@@ -1914,7 +2143,7 @@
     </p:spTree>
     <p:extLst>
       <p:ext uri="{BB962C8B-B14F-4D97-AF65-F5344CB8AC3E}">
-        <p14:creationId xmlns:p14="http://schemas.microsoft.com/office/powerpoint/2010/main" val="1004591972"/>
+        <p14:creationId xmlns:p14="http://schemas.microsoft.com/office/powerpoint/2010/main" val="2679523119"/>
       </p:ext>
     </p:extLst>
   </p:cSld>
@@ -1968,6 +2197,205 @@
           <a:bodyPr/>
           <a:lstStyle/>
           <a:p>
+            <a:r>
+              <a:rPr lang="en-US" dirty="0"/>
+              <a:t>What are the features?  What is the target?</a:t>
+            </a:r>
+          </a:p>
+          <a:p>
+            <a:endParaRPr lang="en-US" dirty="0"/>
+          </a:p>
+          <a:p>
+            <a:r>
+              <a:rPr lang="en-US" dirty="0"/>
+              <a:t>Build a model for each movie. </a:t>
+            </a:r>
+          </a:p>
+          <a:p>
+            <a:endParaRPr lang="en-US" dirty="0"/>
+          </a:p>
+          <a:p>
+            <a:r>
+              <a:rPr lang="en-US" dirty="0"/>
+              <a:t>Want to predict if someone will like Jurassic Park</a:t>
+            </a:r>
+          </a:p>
+          <a:p>
+            <a:r>
+              <a:rPr lang="en-US" dirty="0"/>
+              <a:t>Need a matrix – training data of all the people who watched Jurassic Park</a:t>
+            </a:r>
+          </a:p>
+          <a:p>
+            <a:r>
+              <a:rPr lang="en-US" dirty="0"/>
+              <a:t>Target is rating of JP</a:t>
+            </a:r>
+          </a:p>
+          <a:p>
+            <a:r>
+              <a:rPr lang="en-US" dirty="0"/>
+              <a:t>What are the features? </a:t>
+            </a:r>
+          </a:p>
+          <a:p>
+            <a:endParaRPr lang="en-US" dirty="0"/>
+          </a:p>
+          <a:p>
+            <a:r>
+              <a:rPr lang="en-US" dirty="0"/>
+              <a:t>What is the average number of movies rated per user? </a:t>
+            </a:r>
+          </a:p>
+          <a:p>
+            <a:r>
+              <a:rPr lang="en-US" dirty="0"/>
+              <a:t>What is the average number of users that rate a movie? </a:t>
+            </a:r>
+          </a:p>
+          <a:p>
+            <a:r>
+              <a:rPr lang="en-US" dirty="0"/>
+              <a:t>Want to create features for the users, how can we do that?  Create 10 for users and 10 for movies…</a:t>
+            </a:r>
+          </a:p>
+          <a:p>
+            <a:r>
+              <a:rPr lang="en-US" dirty="0"/>
+              <a:t>Max rating user”. 17659 (is that real?) average is just over 200…</a:t>
+            </a:r>
+          </a:p>
+          <a:p>
+            <a:r>
+              <a:rPr lang="en-US" dirty="0"/>
+              <a:t>Max number of ratings movie? 240k – Miss Congeniality. </a:t>
+            </a:r>
+          </a:p>
+          <a:p>
+            <a:endParaRPr lang="en-US" dirty="0"/>
+          </a:p>
+          <a:p>
+            <a:r>
+              <a:rPr lang="en-US" dirty="0"/>
+              <a:t>Number of movies rated</a:t>
+            </a:r>
+          </a:p>
+          <a:p>
+            <a:r>
+              <a:rPr lang="en-US" dirty="0"/>
+              <a:t>Average of movies rated</a:t>
+            </a:r>
+          </a:p>
+          <a:p>
+            <a:r>
+              <a:rPr lang="en-US" dirty="0"/>
+              <a:t>Max score</a:t>
+            </a:r>
+          </a:p>
+          <a:p>
+            <a:r>
+              <a:rPr lang="en-US" dirty="0"/>
+              <a:t>Min score</a:t>
+            </a:r>
+          </a:p>
+          <a:p>
+            <a:r>
+              <a:rPr lang="en-US" dirty="0"/>
+              <a:t>Average score</a:t>
+            </a:r>
+          </a:p>
+          <a:p>
+            <a:r>
+              <a:rPr lang="en-US" dirty="0"/>
+              <a:t>SD score</a:t>
+            </a:r>
+          </a:p>
+          <a:p>
+            <a:r>
+              <a:rPr lang="en-US" dirty="0"/>
+              <a:t>How did they rate similar movies to Jurassic park</a:t>
+            </a:r>
+            <a:br>
+              <a:rPr lang="en-US" dirty="0"/>
+            </a:br>
+            <a:r>
+              <a:rPr lang="en-US" dirty="0"/>
+              <a:t>how did they rate movies with same director (if any) </a:t>
+            </a:r>
+          </a:p>
+          <a:p>
+            <a:r>
+              <a:rPr lang="en-US" dirty="0"/>
+              <a:t>% of ratings that are 5</a:t>
+            </a:r>
+          </a:p>
+          <a:p>
+            <a:r>
+              <a:rPr lang="en-US" dirty="0"/>
+              <a:t>Day span of ratings</a:t>
+            </a:r>
+          </a:p>
+          <a:p>
+            <a:r>
+              <a:rPr lang="en-US" dirty="0"/>
+              <a:t>Max ratings on a single day</a:t>
+            </a:r>
+          </a:p>
+          <a:p>
+            <a:r>
+              <a:rPr lang="en-US" dirty="0"/>
+              <a:t>Most recent rating (how many days ago)</a:t>
+            </a:r>
+          </a:p>
+          <a:p>
+            <a:r>
+              <a:rPr lang="en-US" dirty="0"/>
+              <a:t>DATE ISNT USEFUL!</a:t>
+            </a:r>
+          </a:p>
+          <a:p>
+            <a:endParaRPr lang="en-US" dirty="0"/>
+          </a:p>
+          <a:p>
+            <a:endParaRPr lang="en-US" dirty="0"/>
+          </a:p>
+          <a:p>
+            <a:r>
+              <a:rPr lang="en-US" dirty="0"/>
+              <a:t>Movies</a:t>
+            </a:r>
+          </a:p>
+          <a:p>
+            <a:r>
+              <a:rPr lang="en-US" dirty="0"/>
+              <a:t>How many people rated it? </a:t>
+            </a:r>
+          </a:p>
+          <a:p>
+            <a:r>
+              <a:rPr lang="en-US" dirty="0"/>
+              <a:t>What is the span of time? </a:t>
+            </a:r>
+          </a:p>
+          <a:p>
+            <a:r>
+              <a:rPr lang="en-US" dirty="0"/>
+              <a:t>Genre</a:t>
+            </a:r>
+          </a:p>
+          <a:p>
+            <a:r>
+              <a:rPr lang="en-US" dirty="0"/>
+              <a:t>Sub-genre</a:t>
+            </a:r>
+          </a:p>
+          <a:p>
+            <a:r>
+              <a:rPr lang="en-US" dirty="0"/>
+              <a:t>director</a:t>
+            </a:r>
+          </a:p>
+          <a:p>
             <a:endParaRPr lang="en-US" dirty="0"/>
           </a:p>
         </p:txBody>
@@ -1989,7 +2417,7 @@
           <a:p>
             <a:fld id="{85312B09-6666-2149-A7EC-89A035875DEE}" type="slidenum">
               <a:rPr lang="en-US" smtClean="0"/>
-              <a:t>11</a:t>
+              <a:t>9</a:t>
             </a:fld>
             <a:endParaRPr lang="en-US"/>
           </a:p>
@@ -1998,7 +2426,7 @@
     </p:spTree>
     <p:extLst>
       <p:ext uri="{BB962C8B-B14F-4D97-AF65-F5344CB8AC3E}">
-        <p14:creationId xmlns:p14="http://schemas.microsoft.com/office/powerpoint/2010/main" val="2378189922"/>
+        <p14:creationId xmlns:p14="http://schemas.microsoft.com/office/powerpoint/2010/main" val="1598171044"/>
       </p:ext>
     </p:extLst>
   </p:cSld>
@@ -2052,18 +2480,7 @@
           <a:bodyPr/>
           <a:lstStyle/>
           <a:p>
-            <a:r>
-              <a:rPr lang="en-US" dirty="0"/>
-              <a:t>https://</a:t>
-            </a:r>
-            <a:r>
-              <a:rPr lang="en-US" dirty="0" err="1"/>
-              <a:t>chat.openai.com</a:t>
-            </a:r>
-            <a:r>
-              <a:rPr lang="en-US" dirty="0"/>
-              <a:t>/c/1e721818-b012-4c35-985c-4cd07b939992</a:t>
-            </a:r>
+            <a:endParaRPr lang="en-US" dirty="0"/>
           </a:p>
         </p:txBody>
       </p:sp>
@@ -2084,7 +2501,7 @@
           <a:p>
             <a:fld id="{85312B09-6666-2149-A7EC-89A035875DEE}" type="slidenum">
               <a:rPr lang="en-US" smtClean="0"/>
-              <a:t>13</a:t>
+              <a:t>10</a:t>
             </a:fld>
             <a:endParaRPr lang="en-US"/>
           </a:p>
@@ -2093,7 +2510,7 @@
     </p:spTree>
     <p:extLst>
       <p:ext uri="{BB962C8B-B14F-4D97-AF65-F5344CB8AC3E}">
-        <p14:creationId xmlns:p14="http://schemas.microsoft.com/office/powerpoint/2010/main" val="2014738616"/>
+        <p14:creationId xmlns:p14="http://schemas.microsoft.com/office/powerpoint/2010/main" val="1004591972"/>
       </p:ext>
     </p:extLst>
   </p:cSld>
@@ -2257,7 +2674,7 @@
           <a:p>
             <a:fld id="{59F43C82-9B9B-AC4F-98CD-0ADC587116F3}" type="datetime1">
               <a:rPr lang="en-US" smtClean="0"/>
-              <a:t>4/2/24</a:t>
+              <a:t>11/4/24</a:t>
             </a:fld>
             <a:endParaRPr lang="en-US"/>
           </a:p>
@@ -2503,7 +2920,7 @@
           <a:p>
             <a:fld id="{F1178AE4-2A10-5F42-AC8C-4BD01A79A0D1}" type="datetime1">
               <a:rPr lang="en-US" smtClean="0"/>
-              <a:t>4/2/24</a:t>
+              <a:t>11/4/24</a:t>
             </a:fld>
             <a:endParaRPr lang="en-US"/>
           </a:p>
@@ -2699,7 +3116,7 @@
           <a:p>
             <a:fld id="{E675C519-8308-2748-8B0B-F7B055AE4297}" type="datetime1">
               <a:rPr lang="en-US" smtClean="0"/>
-              <a:t>4/2/24</a:t>
+              <a:t>11/4/24</a:t>
             </a:fld>
             <a:endParaRPr lang="en-US"/>
           </a:p>
@@ -2951,7 +3368,7 @@
           <a:p>
             <a:fld id="{ACD0997E-0CDD-7541-9D88-20A562751868}" type="datetime1">
               <a:rPr lang="en-US" smtClean="0"/>
-              <a:t>4/2/24</a:t>
+              <a:t>11/4/24</a:t>
             </a:fld>
             <a:endParaRPr lang="en-US"/>
           </a:p>
@@ -3203,7 +3620,7 @@
           <a:p>
             <a:fld id="{AC053AD8-5CA7-3F49-B495-B884AFEE8A16}" type="datetime1">
               <a:rPr lang="en-US" smtClean="0"/>
-              <a:t>4/2/24</a:t>
+              <a:t>11/4/24</a:t>
             </a:fld>
             <a:endParaRPr lang="en-US"/>
           </a:p>
@@ -3372,7 +3789,7 @@
           <a:p>
             <a:fld id="{6C751CFE-5FBC-BA47-8777-CE847435DFFA}" type="datetime1">
               <a:rPr lang="en-US" smtClean="0"/>
-              <a:t>4/2/24</a:t>
+              <a:t>11/4/24</a:t>
             </a:fld>
             <a:endParaRPr lang="en-US"/>
           </a:p>
@@ -3597,7 +4014,7 @@
           <a:p>
             <a:fld id="{7A75583E-7D50-3C4A-8A37-9B3FE7B04D6C}" type="datetime1">
               <a:rPr lang="en-US" smtClean="0"/>
-              <a:t>4/2/24</a:t>
+              <a:t>11/4/24</a:t>
             </a:fld>
             <a:endParaRPr lang="en-US"/>
           </a:p>
@@ -7259,7 +7676,7 @@
           <a:p>
             <a:fld id="{C3BC7800-B276-A64A-8AB0-19972C98F17B}" type="datetime1">
               <a:rPr lang="en-US" smtClean="0"/>
-              <a:t>4/2/24</a:t>
+              <a:t>11/4/24</a:t>
             </a:fld>
             <a:endParaRPr lang="en-US"/>
           </a:p>
@@ -7834,7 +8251,7 @@
           <a:p>
             <a:fld id="{8D5B1BC2-7DC9-274F-9AA5-41AD410B73E8}" type="datetime1">
               <a:rPr lang="en-US" smtClean="0"/>
-              <a:t>4/2/24</a:t>
+              <a:t>11/4/24</a:t>
             </a:fld>
             <a:endParaRPr lang="en-US"/>
           </a:p>
@@ -8301,7 +8718,7 @@
           <a:p>
             <a:fld id="{B7F9541A-B732-0842-A74F-0C72DB237063}" type="datetime1">
               <a:rPr lang="en-US" smtClean="0"/>
-              <a:t>4/2/24</a:t>
+              <a:t>11/4/24</a:t>
             </a:fld>
             <a:endParaRPr lang="en-US"/>
           </a:p>
@@ -8436,7 +8853,7 @@
           <a:p>
             <a:fld id="{F397BA72-28C9-9A46-8637-8A409BF0CACF}" type="datetime1">
               <a:rPr lang="en-US" smtClean="0"/>
-              <a:t>4/2/24</a:t>
+              <a:t>11/4/24</a:t>
             </a:fld>
             <a:endParaRPr lang="en-US"/>
           </a:p>
@@ -8579,7 +8996,7 @@
           <a:p>
             <a:fld id="{C54BA4BC-FC40-B844-8CA3-66DD08AD127A}" type="datetime1">
               <a:rPr lang="en-US" smtClean="0"/>
-              <a:t>4/2/24</a:t>
+              <a:t>11/4/24</a:t>
             </a:fld>
             <a:endParaRPr lang="en-US"/>
           </a:p>
@@ -8872,7 +9289,7 @@
           <a:p>
             <a:fld id="{A0381634-E977-7043-B341-F77FCA8D6817}" type="datetime1">
               <a:rPr lang="en-US" smtClean="0"/>
-              <a:t>4/2/24</a:t>
+              <a:t>11/4/24</a:t>
             </a:fld>
             <a:endParaRPr lang="en-US"/>
           </a:p>
@@ -9147,7 +9564,7 @@
           <a:p>
             <a:fld id="{C242C96D-D083-B04B-BE8C-D38697A2B148}" type="datetime1">
               <a:rPr lang="en-US" smtClean="0"/>
-              <a:t>4/2/24</a:t>
+              <a:t>11/4/24</a:t>
             </a:fld>
             <a:endParaRPr lang="en-US"/>
           </a:p>
@@ -9437,7 +9854,7 @@
           <a:p>
             <a:fld id="{C3BC7800-B276-A64A-8AB0-19972C98F17B}" type="datetime1">
               <a:rPr lang="en-US" smtClean="0"/>
-              <a:t>4/2/24</a:t>
+              <a:t>11/4/24</a:t>
             </a:fld>
             <a:endParaRPr lang="en-US"/>
           </a:p>
@@ -10039,14 +10456,9 @@
           <a:p>
             <a:r>
               <a:rPr lang="en-US" dirty="0"/>
-              <a:t>Statistics and Data Analysis</a:t>
-            </a:r>
-          </a:p>
-          <a:p>
-            <a:r>
-              <a:rPr lang="en-US" sz="1800" dirty="0"/>
-              <a:t>COR1-GB.1305</a:t>
-            </a:r>
+              <a:t>Data Science for Business</a:t>
+            </a:r>
+            <a:endParaRPr lang="en-US" sz="1800" dirty="0"/>
           </a:p>
           <a:p>
             <a:r>
@@ -10062,7 +10474,7 @@
           <a:p>
             <a:r>
               <a:rPr lang="en-US" dirty="0"/>
-              <a:t>NYU Stern:  Spring 2024</a:t>
+              <a:t>NYU Stern:  Fall 2024</a:t>
             </a:r>
           </a:p>
         </p:txBody>
@@ -10224,7 +10636,13 @@
           <a:p>
             <a:r>
               <a:rPr lang="en-US" dirty="0"/>
-              <a:t>Extract year/month/hour from date</a:t>
+              <a:t>Extract year/month/hour from date as separate features</a:t>
+            </a:r>
+          </a:p>
+          <a:p>
+            <a:r>
+              <a:rPr lang="en-US" dirty="0"/>
+              <a:t>Calculate useful features from dates (tenure, duration, last seen)</a:t>
             </a:r>
           </a:p>
           <a:p>
@@ -10243,29 +10661,7 @@
           <a:p>
             <a:r>
               <a:rPr lang="en-US" dirty="0"/>
-              <a:t>Standardize features</a:t>
-            </a:r>
-          </a:p>
-          <a:p>
-            <a:pPr lvl="1"/>
-            <a:r>
-              <a:rPr lang="en-US" dirty="0" err="1"/>
-              <a:t>StandardScaler</a:t>
-            </a:r>
-            <a:r>
-              <a:rPr lang="en-US" dirty="0"/>
-              <a:t> – converts to Z-score</a:t>
-            </a:r>
-          </a:p>
-          <a:p>
-            <a:pPr lvl="1"/>
-            <a:r>
-              <a:rPr lang="en-US" dirty="0" err="1"/>
-              <a:t>MinMaxScaler</a:t>
-            </a:r>
-            <a:r>
-              <a:rPr lang="en-US" dirty="0"/>
-              <a:t> – converts to [0,1]</a:t>
+              <a:t>Create polynomial versions</a:t>
             </a:r>
           </a:p>
           <a:p>
@@ -10717,15 +11113,33 @@
                                   </p:childTnLst>
                                 </p:cTn>
                               </p:par>
+                            </p:childTnLst>
+                          </p:cTn>
+                        </p:par>
+                      </p:childTnLst>
+                    </p:cTn>
+                  </p:par>
+                  <p:par>
+                    <p:cTn id="31" fill="hold">
+                      <p:stCondLst>
+                        <p:cond delay="indefinite"/>
+                      </p:stCondLst>
+                      <p:childTnLst>
+                        <p:par>
+                          <p:cTn id="32" fill="hold">
+                            <p:stCondLst>
+                              <p:cond delay="0"/>
+                            </p:stCondLst>
+                            <p:childTnLst>
                               <p:par>
-                                <p:cTn id="31" presetID="1" presetClass="entr" presetSubtype="0" fill="hold" grpId="0" nodeType="withEffect">
+                                <p:cTn id="33" presetID="1" presetClass="entr" presetSubtype="0" fill="hold" grpId="0" nodeType="clickEffect">
                                   <p:stCondLst>
                                     <p:cond delay="0"/>
                                   </p:stCondLst>
                                   <p:childTnLst>
                                     <p:set>
                                       <p:cBhvr>
-                                        <p:cTn id="32" dur="1" fill="hold">
+                                        <p:cTn id="34" dur="1" fill="hold">
                                           <p:stCondLst>
                                             <p:cond delay="0"/>
                                           </p:stCondLst>
@@ -10748,26 +11162,8 @@
                                   </p:childTnLst>
                                 </p:cTn>
                               </p:par>
-                            </p:childTnLst>
-                          </p:cTn>
-                        </p:par>
-                      </p:childTnLst>
-                    </p:cTn>
-                  </p:par>
-                  <p:par>
-                    <p:cTn id="33" fill="hold">
-                      <p:stCondLst>
-                        <p:cond delay="indefinite"/>
-                      </p:stCondLst>
-                      <p:childTnLst>
-                        <p:par>
-                          <p:cTn id="34" fill="hold">
-                            <p:stCondLst>
-                              <p:cond delay="0"/>
-                            </p:stCondLst>
-                            <p:childTnLst>
                               <p:par>
-                                <p:cTn id="35" presetID="1" presetClass="entr" presetSubtype="0" fill="hold" grpId="0" nodeType="clickEffect">
+                                <p:cTn id="35" presetID="1" presetClass="entr" presetSubtype="0" fill="hold" grpId="0" nodeType="withEffect">
                                   <p:stCondLst>
                                     <p:cond delay="0"/>
                                   </p:stCondLst>
@@ -10828,37 +11224,6 @@
                                   </p:childTnLst>
                                 </p:cTn>
                               </p:par>
-                              <p:par>
-                                <p:cTn id="39" presetID="1" presetClass="entr" presetSubtype="0" fill="hold" grpId="0" nodeType="withEffect">
-                                  <p:stCondLst>
-                                    <p:cond delay="0"/>
-                                  </p:stCondLst>
-                                  <p:childTnLst>
-                                    <p:set>
-                                      <p:cBhvr>
-                                        <p:cTn id="40" dur="1" fill="hold">
-                                          <p:stCondLst>
-                                            <p:cond delay="0"/>
-                                          </p:stCondLst>
-                                        </p:cTn>
-                                        <p:tgtEl>
-                                          <p:spTgt spid="3">
-                                            <p:txEl>
-                                              <p:pRg st="12" end="12"/>
-                                            </p:txEl>
-                                          </p:spTgt>
-                                        </p:tgtEl>
-                                        <p:attrNameLst>
-                                          <p:attrName>style.visibility</p:attrName>
-                                        </p:attrNameLst>
-                                      </p:cBhvr>
-                                      <p:to>
-                                        <p:strVal val="visible"/>
-                                      </p:to>
-                                    </p:set>
-                                  </p:childTnLst>
-                                </p:cTn>
-                              </p:par>
                             </p:childTnLst>
                           </p:cTn>
                         </p:par>
@@ -10866,26 +11231,26 @@
                     </p:cTn>
                   </p:par>
                   <p:par>
-                    <p:cTn id="41" fill="hold">
+                    <p:cTn id="39" fill="hold">
                       <p:stCondLst>
                         <p:cond delay="indefinite"/>
                       </p:stCondLst>
                       <p:childTnLst>
                         <p:par>
-                          <p:cTn id="42" fill="hold">
+                          <p:cTn id="40" fill="hold">
                             <p:stCondLst>
                               <p:cond delay="0"/>
                             </p:stCondLst>
                             <p:childTnLst>
                               <p:par>
-                                <p:cTn id="43" presetID="1" presetClass="entr" presetSubtype="0" fill="hold" grpId="0" nodeType="clickEffect">
+                                <p:cTn id="41" presetID="1" presetClass="entr" presetSubtype="0" fill="hold" grpId="0" nodeType="clickEffect">
                                   <p:stCondLst>
                                     <p:cond delay="0"/>
                                   </p:stCondLst>
                                   <p:childTnLst>
                                     <p:set>
                                       <p:cBhvr>
-                                        <p:cTn id="44" dur="1" fill="hold">
+                                        <p:cTn id="42" dur="1" fill="hold">
                                           <p:stCondLst>
                                             <p:cond delay="0"/>
                                           </p:stCondLst>
@@ -10940,7 +11305,7 @@
 </file>
 
 <file path=ppt/slides/slide11.xml><?xml version="1.0" encoding="utf-8"?>
-<p:sld xmlns:a="http://schemas.openxmlformats.org/drawingml/2006/main" xmlns:r="http://schemas.openxmlformats.org/officeDocument/2006/relationships" xmlns:p="http://schemas.openxmlformats.org/presentationml/2006/main">
+<p:sld xmlns:a="http://schemas.openxmlformats.org/drawingml/2006/main" xmlns:r="http://schemas.openxmlformats.org/officeDocument/2006/relationships" xmlns:p="http://schemas.openxmlformats.org/presentationml/2006/main" show="0">
   <p:cSld>
     <p:spTree>
       <p:nvGrpSpPr>
@@ -11797,7 +12162,7 @@
           <a:p>
             <a:r>
               <a:rPr lang="en-US" dirty="0"/>
-              <a:t>It is helpful to remove unimportant attributes from your modelling. </a:t>
+              <a:t>It is helpful to remove unimportant features from your modelling. </a:t>
             </a:r>
           </a:p>
           <a:p>
@@ -11845,17 +12210,6 @@
               <a:rPr lang="en-US" dirty="0"/>
               <a:t>Interpretability</a:t>
             </a:r>
-          </a:p>
-          <a:p>
-            <a:pPr lvl="1"/>
-            <a:r>
-              <a:rPr lang="en-US" dirty="0"/>
-              <a:t>Unintended data leakage</a:t>
-            </a:r>
-          </a:p>
-          <a:p>
-            <a:pPr lvl="1"/>
-            <a:endParaRPr lang="en-US" dirty="0"/>
           </a:p>
         </p:txBody>
       </p:sp>
@@ -11928,80 +12282,6 @@
                 <a:cs typeface="Tahoma" panose="020B0604030504040204" pitchFamily="34" charset="0"/>
               </a:rPr>
               <a:t>In some examples you might be handed (or can engineer) thousands, or even millions of attributes!</a:t>
-            </a:r>
-          </a:p>
-        </p:txBody>
-      </p:sp>
-      <p:sp>
-        <p:nvSpPr>
-          <p:cNvPr id="6" name="TextBox 5">
-            <a:extLst>
-              <a:ext uri="{FF2B5EF4-FFF2-40B4-BE49-F238E27FC236}">
-                <a16:creationId xmlns:a16="http://schemas.microsoft.com/office/drawing/2014/main" id="{7832251D-60A0-2671-85F4-9FDF84534508}"/>
-              </a:ext>
-            </a:extLst>
-          </p:cNvPr>
-          <p:cNvSpPr txBox="1"/>
-          <p:nvPr/>
-        </p:nvSpPr>
-        <p:spPr>
-          <a:xfrm>
-            <a:off x="1391919" y="6045170"/>
-            <a:ext cx="7010399" cy="400110"/>
-          </a:xfrm>
-          <a:prstGeom prst="rect">
-            <a:avLst/>
-          </a:prstGeom>
-          <a:solidFill>
-            <a:schemeClr val="accent1"/>
-          </a:solidFill>
-        </p:spPr>
-        <p:txBody>
-          <a:bodyPr wrap="square" rtlCol="0">
-            <a:spAutoFit/>
-          </a:bodyPr>
-          <a:lstStyle/>
-          <a:p>
-            <a:pPr marL="0" indent="0" algn="ctr">
-              <a:buNone/>
-            </a:pPr>
-            <a:r>
-              <a:rPr lang="en-US" sz="2000" dirty="0">
-                <a:latin typeface="Tahoma" panose="020B0604030504040204" pitchFamily="34" charset="0"/>
-                <a:ea typeface="Tahoma" panose="020B0604030504040204" pitchFamily="34" charset="0"/>
-                <a:cs typeface="Tahoma" panose="020B0604030504040204" pitchFamily="34" charset="0"/>
-              </a:rPr>
-              <a:t>Feature selection can be done by </a:t>
-            </a:r>
-            <a:r>
-              <a:rPr lang="en-US" sz="2000" b="1" dirty="0">
-                <a:solidFill>
-                  <a:srgbClr val="C00000"/>
-                </a:solidFill>
-                <a:latin typeface="Tahoma" panose="020B0604030504040204" pitchFamily="34" charset="0"/>
-                <a:ea typeface="Tahoma" panose="020B0604030504040204" pitchFamily="34" charset="0"/>
-                <a:cs typeface="Tahoma" panose="020B0604030504040204" pitchFamily="34" charset="0"/>
-              </a:rPr>
-              <a:t>addition</a:t>
-            </a:r>
-            <a:r>
-              <a:rPr lang="en-US" sz="2000" dirty="0">
-                <a:latin typeface="Tahoma" panose="020B0604030504040204" pitchFamily="34" charset="0"/>
-                <a:ea typeface="Tahoma" panose="020B0604030504040204" pitchFamily="34" charset="0"/>
-                <a:cs typeface="Tahoma" panose="020B0604030504040204" pitchFamily="34" charset="0"/>
-              </a:rPr>
-              <a:t> or </a:t>
-            </a:r>
-            <a:r>
-              <a:rPr lang="en-US" sz="2000" b="1" dirty="0">
-                <a:solidFill>
-                  <a:srgbClr val="C00000"/>
-                </a:solidFill>
-                <a:latin typeface="Tahoma" panose="020B0604030504040204" pitchFamily="34" charset="0"/>
-                <a:ea typeface="Tahoma" panose="020B0604030504040204" pitchFamily="34" charset="0"/>
-                <a:cs typeface="Tahoma" panose="020B0604030504040204" pitchFamily="34" charset="0"/>
-              </a:rPr>
-              <a:t>subtraction</a:t>
             </a:r>
           </a:p>
         </p:txBody>
@@ -12380,37 +12660,6 @@
                                   </p:childTnLst>
                                 </p:cTn>
                               </p:par>
-                              <p:par>
-                                <p:cTn id="23" presetID="1" presetClass="entr" presetSubtype="0" fill="hold" grpId="0" nodeType="withEffect">
-                                  <p:stCondLst>
-                                    <p:cond delay="0"/>
-                                  </p:stCondLst>
-                                  <p:childTnLst>
-                                    <p:set>
-                                      <p:cBhvr>
-                                        <p:cTn id="24" dur="1" fill="hold">
-                                          <p:stCondLst>
-                                            <p:cond delay="0"/>
-                                          </p:stCondLst>
-                                        </p:cTn>
-                                        <p:tgtEl>
-                                          <p:spTgt spid="3">
-                                            <p:txEl>
-                                              <p:pRg st="9" end="9"/>
-                                            </p:txEl>
-                                          </p:spTgt>
-                                        </p:tgtEl>
-                                        <p:attrNameLst>
-                                          <p:attrName>style.visibility</p:attrName>
-                                        </p:attrNameLst>
-                                      </p:cBhvr>
-                                      <p:to>
-                                        <p:strVal val="visible"/>
-                                      </p:to>
-                                    </p:set>
-                                  </p:childTnLst>
-                                </p:cTn>
-                              </p:par>
                             </p:childTnLst>
                           </p:cTn>
                         </p:par>
@@ -12418,26 +12667,26 @@
                     </p:cTn>
                   </p:par>
                   <p:par>
-                    <p:cTn id="25" fill="hold">
+                    <p:cTn id="23" fill="hold">
                       <p:stCondLst>
                         <p:cond delay="indefinite"/>
                       </p:stCondLst>
                       <p:childTnLst>
                         <p:par>
-                          <p:cTn id="26" fill="hold">
+                          <p:cTn id="24" fill="hold">
                             <p:stCondLst>
                               <p:cond delay="0"/>
                             </p:stCondLst>
                             <p:childTnLst>
                               <p:par>
-                                <p:cTn id="27" presetID="1" presetClass="entr" presetSubtype="0" fill="hold" nodeType="clickEffect">
+                                <p:cTn id="25" presetID="1" presetClass="entr" presetSubtype="0" fill="hold" nodeType="clickEffect">
                                   <p:stCondLst>
                                     <p:cond delay="0"/>
                                   </p:stCondLst>
                                   <p:childTnLst>
                                     <p:set>
                                       <p:cBhvr>
-                                        <p:cTn id="28" dur="1" fill="hold">
+                                        <p:cTn id="26" dur="1" fill="hold">
                                           <p:stCondLst>
                                             <p:cond delay="0"/>
                                           </p:stCondLst>
@@ -12463,26 +12712,26 @@
                     </p:cTn>
                   </p:par>
                   <p:par>
-                    <p:cTn id="29" fill="hold">
+                    <p:cTn id="27" fill="hold">
                       <p:stCondLst>
                         <p:cond delay="indefinite"/>
                       </p:stCondLst>
                       <p:childTnLst>
                         <p:par>
-                          <p:cTn id="30" fill="hold">
+                          <p:cTn id="28" fill="hold">
                             <p:stCondLst>
                               <p:cond delay="0"/>
                             </p:stCondLst>
                             <p:childTnLst>
                               <p:par>
-                                <p:cTn id="31" presetID="1" presetClass="entr" presetSubtype="0" fill="hold" grpId="0" nodeType="clickEffect">
+                                <p:cTn id="29" presetID="1" presetClass="entr" presetSubtype="0" fill="hold" grpId="0" nodeType="clickEffect">
                                   <p:stCondLst>
                                     <p:cond delay="0"/>
                                   </p:stCondLst>
                                   <p:childTnLst>
                                     <p:set>
                                       <p:cBhvr>
-                                        <p:cTn id="32" dur="1" fill="hold">
+                                        <p:cTn id="30" dur="1" fill="hold">
                                           <p:stCondLst>
                                             <p:cond delay="0"/>
                                           </p:stCondLst>
@@ -12508,77 +12757,32 @@
                     </p:cTn>
                   </p:par>
                   <p:par>
-                    <p:cTn id="33" fill="hold">
+                    <p:cTn id="31" fill="hold">
                       <p:stCondLst>
                         <p:cond delay="indefinite"/>
                       </p:stCondLst>
                       <p:childTnLst>
                         <p:par>
-                          <p:cTn id="34" fill="hold">
+                          <p:cTn id="32" fill="hold">
                             <p:stCondLst>
                               <p:cond delay="0"/>
                             </p:stCondLst>
                             <p:childTnLst>
                               <p:par>
-                                <p:cTn id="35" presetID="1" presetClass="entr" presetSubtype="0" fill="hold" grpId="0" nodeType="clickEffect">
+                                <p:cTn id="33" presetID="1" presetClass="entr" presetSubtype="0" fill="hold" grpId="0" nodeType="clickEffect">
                                   <p:stCondLst>
                                     <p:cond delay="0"/>
                                   </p:stCondLst>
                                   <p:childTnLst>
                                     <p:set>
                                       <p:cBhvr>
-                                        <p:cTn id="36" dur="1" fill="hold">
+                                        <p:cTn id="34" dur="1" fill="hold">
                                           <p:stCondLst>
                                             <p:cond delay="0"/>
                                           </p:stCondLst>
                                         </p:cTn>
                                         <p:tgtEl>
                                           <p:spTgt spid="5"/>
-                                        </p:tgtEl>
-                                        <p:attrNameLst>
-                                          <p:attrName>style.visibility</p:attrName>
-                                        </p:attrNameLst>
-                                      </p:cBhvr>
-                                      <p:to>
-                                        <p:strVal val="visible"/>
-                                      </p:to>
-                                    </p:set>
-                                  </p:childTnLst>
-                                </p:cTn>
-                              </p:par>
-                            </p:childTnLst>
-                          </p:cTn>
-                        </p:par>
-                      </p:childTnLst>
-                    </p:cTn>
-                  </p:par>
-                  <p:par>
-                    <p:cTn id="37" fill="hold">
-                      <p:stCondLst>
-                        <p:cond delay="indefinite"/>
-                      </p:stCondLst>
-                      <p:childTnLst>
-                        <p:par>
-                          <p:cTn id="38" fill="hold">
-                            <p:stCondLst>
-                              <p:cond delay="0"/>
-                            </p:stCondLst>
-                            <p:childTnLst>
-                              <p:par>
-                                <p:cTn id="39" presetID="1" presetClass="entr" presetSubtype="0" fill="hold" grpId="0" nodeType="clickEffect">
-                                  <p:stCondLst>
-                                    <p:cond delay="0"/>
-                                  </p:stCondLst>
-                                  <p:childTnLst>
-                                    <p:set>
-                                      <p:cBhvr>
-                                        <p:cTn id="40" dur="1" fill="hold">
-                                          <p:stCondLst>
-                                            <p:cond delay="0"/>
-                                          </p:stCondLst>
-                                        </p:cTn>
-                                        <p:tgtEl>
-                                          <p:spTgt spid="6"/>
                                         </p:tgtEl>
                                         <p:attrNameLst>
                                           <p:attrName>style.visibility</p:attrName>
@@ -12621,7 +12825,6 @@
     <p:bldLst>
       <p:bldP spid="3" grpId="0" build="p"/>
       <p:bldP spid="5" grpId="0" animBg="1"/>
-      <p:bldP spid="6" grpId="0" animBg="1"/>
       <p:bldP spid="8" grpId="0" animBg="1"/>
     </p:bldLst>
   </p:timing>
@@ -12650,7 +12853,7 @@
           <p:cNvPr id="2" name="Title 1">
             <a:extLst>
               <a:ext uri="{FF2B5EF4-FFF2-40B4-BE49-F238E27FC236}">
-                <a16:creationId xmlns:a16="http://schemas.microsoft.com/office/drawing/2014/main" id="{A0F304C7-E8A8-24DE-2F4D-EAA4AF8A6CF0}"/>
+                <a16:creationId xmlns:a16="http://schemas.microsoft.com/office/drawing/2014/main" id="{CC014158-2EC3-31AC-17DD-5A8D276D7D37}"/>
               </a:ext>
             </a:extLst>
           </p:cNvPr>
@@ -12661,115 +12864,20 @@
             <p:ph type="title"/>
           </p:nvPr>
         </p:nvSpPr>
-        <p:spPr/>
-        <p:txBody>
-          <a:bodyPr/>
-          <a:lstStyle/>
-          <a:p>
-            <a:r>
-              <a:rPr lang="en-US" dirty="0"/>
-              <a:t>Feature Selection by Addition</a:t>
-            </a:r>
-          </a:p>
-        </p:txBody>
-      </p:sp>
-      <p:sp>
-        <p:nvSpPr>
-          <p:cNvPr id="3" name="Content Placeholder 2">
-            <a:extLst>
-              <a:ext uri="{FF2B5EF4-FFF2-40B4-BE49-F238E27FC236}">
-                <a16:creationId xmlns:a16="http://schemas.microsoft.com/office/drawing/2014/main" id="{03F06D95-1DA4-F729-44E4-23F6098931C5}"/>
-              </a:ext>
-            </a:extLst>
-          </p:cNvPr>
-          <p:cNvSpPr>
-            <a:spLocks noGrp="1"/>
-          </p:cNvSpPr>
-          <p:nvPr>
-            <p:ph idx="1"/>
-          </p:nvPr>
-        </p:nvSpPr>
         <p:spPr>
           <a:xfrm>
-            <a:off x="396240" y="1247959"/>
-            <a:ext cx="8351520" cy="4814202"/>
+            <a:off x="464061" y="80048"/>
+            <a:ext cx="7943850" cy="729214"/>
           </a:xfrm>
         </p:spPr>
         <p:txBody>
           <a:bodyPr/>
           <a:lstStyle/>
           <a:p>
-            <a:pPr marL="0" indent="0">
-              <a:buNone/>
-            </a:pPr>
             <a:r>
               <a:rPr lang="en-US" dirty="0"/>
-              <a:t>Individual Feature Selection: identify each feature’s impact on the target: </a:t>
-            </a:r>
-          </a:p>
-          <a:p>
-            <a:r>
-              <a:rPr lang="en-US" dirty="0"/>
-              <a:t>Correlation</a:t>
-            </a:r>
-          </a:p>
-          <a:p>
-            <a:r>
-              <a:rPr lang="en-US" dirty="0"/>
-              <a:t>ROC curve</a:t>
-            </a:r>
-          </a:p>
-          <a:p>
-            <a:r>
-              <a:rPr lang="en-US" dirty="0"/>
-              <a:t>Information gain</a:t>
-            </a:r>
-          </a:p>
-          <a:p>
-            <a:r>
-              <a:rPr lang="en-US" dirty="0"/>
-              <a:t>Regression table – find all of the significant features and remove non-sigs</a:t>
-            </a:r>
-          </a:p>
-          <a:p>
-            <a:pPr marL="0" indent="0">
-              <a:buNone/>
-            </a:pPr>
-            <a:endParaRPr lang="en-US" dirty="0"/>
-          </a:p>
-          <a:p>
-            <a:pPr marL="0" indent="0">
-              <a:buNone/>
-            </a:pPr>
-            <a:r>
-              <a:rPr lang="en-US" dirty="0"/>
-              <a:t>(method used depends on classification v. regression; type of attribute) </a:t>
-            </a:r>
-          </a:p>
-          <a:p>
-            <a:pPr marL="0" indent="0">
-              <a:buNone/>
-            </a:pPr>
-            <a:endParaRPr lang="en-US" dirty="0"/>
-          </a:p>
-          <a:p>
-            <a:pPr marL="0" indent="0">
-              <a:buNone/>
-            </a:pPr>
-            <a:endParaRPr lang="en-US" dirty="0"/>
-          </a:p>
-          <a:p>
-            <a:pPr marL="0" indent="0">
-              <a:buNone/>
-            </a:pPr>
-            <a:r>
-              <a:rPr lang="en-US" dirty="0"/>
-              <a:t>Can also do this iteratively, if there is collinearity. </a:t>
-            </a:r>
-          </a:p>
-          <a:p>
-            <a:pPr lvl="1"/>
-            <a:endParaRPr lang="en-US" dirty="0"/>
+              <a:t>Iterative Feature Selection by Subtraction</a:t>
+            </a:r>
           </a:p>
         </p:txBody>
       </p:sp>
@@ -12778,7 +12886,7 @@
           <p:cNvPr id="4" name="Slide Number Placeholder 3">
             <a:extLst>
               <a:ext uri="{FF2B5EF4-FFF2-40B4-BE49-F238E27FC236}">
-                <a16:creationId xmlns:a16="http://schemas.microsoft.com/office/drawing/2014/main" id="{94140F80-81C6-6B4A-3D42-C097AAC9EEB4}"/>
+                <a16:creationId xmlns:a16="http://schemas.microsoft.com/office/drawing/2014/main" id="{EED1363C-C614-08A9-E4D8-3260AE702A2D}"/>
               </a:ext>
             </a:extLst>
           </p:cNvPr>
@@ -12802,10 +12910,315 @@
           </a:p>
         </p:txBody>
       </p:sp>
+      <p:sp>
+        <p:nvSpPr>
+          <p:cNvPr id="5" name="Content Placeholder 4">
+            <a:extLst>
+              <a:ext uri="{FF2B5EF4-FFF2-40B4-BE49-F238E27FC236}">
+                <a16:creationId xmlns:a16="http://schemas.microsoft.com/office/drawing/2014/main" id="{F1B93E3C-A660-38D3-ABE6-B754AC66AC4E}"/>
+              </a:ext>
+            </a:extLst>
+          </p:cNvPr>
+          <p:cNvSpPr txBox="1">
+            <a:spLocks noGrp="1"/>
+          </p:cNvSpPr>
+          <p:nvPr>
+            <p:ph idx="1"/>
+          </p:nvPr>
+        </p:nvSpPr>
+        <p:spPr>
+          <a:xfrm>
+            <a:off x="4944139" y="3305483"/>
+            <a:ext cx="4199861" cy="1834348"/>
+          </a:xfrm>
+          <a:prstGeom prst="rect">
+            <a:avLst/>
+          </a:prstGeom>
+          <a:noFill/>
+        </p:spPr>
+        <p:txBody>
+          <a:bodyPr wrap="square" rtlCol="0">
+            <a:spAutoFit/>
+          </a:bodyPr>
+          <a:lstStyle/>
+          <a:p>
+            <a:pPr marL="0" indent="0" algn="l">
+              <a:buNone/>
+            </a:pPr>
+            <a:r>
+              <a:rPr lang="en-US" sz="1800" i="1" dirty="0">
+                <a:latin typeface="Tahoma" panose="020B0604030504040204" pitchFamily="34" charset="0"/>
+                <a:ea typeface="Tahoma" panose="020B0604030504040204" pitchFamily="34" charset="0"/>
+                <a:cs typeface="Tahoma" panose="020B0604030504040204" pitchFamily="34" charset="0"/>
+              </a:rPr>
+              <a:t>Backward elimination </a:t>
+            </a:r>
+            <a:r>
+              <a:rPr lang="en-US" sz="1800" dirty="0">
+                <a:latin typeface="Tahoma" panose="020B0604030504040204" pitchFamily="34" charset="0"/>
+                <a:ea typeface="Tahoma" panose="020B0604030504040204" pitchFamily="34" charset="0"/>
+                <a:cs typeface="Tahoma" panose="020B0604030504040204" pitchFamily="34" charset="0"/>
+              </a:rPr>
+              <a:t>:</a:t>
+            </a:r>
+            <a:endParaRPr lang="en-US" sz="1800" baseline="30000" dirty="0">
+              <a:latin typeface="Tahoma" panose="020B0604030504040204" pitchFamily="34" charset="0"/>
+              <a:ea typeface="Tahoma" panose="020B0604030504040204" pitchFamily="34" charset="0"/>
+              <a:cs typeface="Tahoma" panose="020B0604030504040204" pitchFamily="34" charset="0"/>
+            </a:endParaRPr>
+          </a:p>
+          <a:p>
+            <a:pPr marL="342900" indent="-342900"/>
+            <a:r>
+              <a:rPr lang="en-US" sz="1800" dirty="0"/>
+              <a:t>Stepwise, at each step</a:t>
+            </a:r>
+          </a:p>
+          <a:p>
+            <a:pPr marL="642938" lvl="1" indent="-342900"/>
+            <a:r>
+              <a:rPr lang="en-US" sz="1600" dirty="0">
+                <a:latin typeface="Tahoma" panose="020B0604030504040204" pitchFamily="34" charset="0"/>
+                <a:ea typeface="Tahoma" panose="020B0604030504040204" pitchFamily="34" charset="0"/>
+                <a:cs typeface="Tahoma" panose="020B0604030504040204" pitchFamily="34" charset="0"/>
+              </a:rPr>
+              <a:t>eliminate one variable at a time</a:t>
+            </a:r>
+          </a:p>
+          <a:p>
+            <a:pPr marL="642938" lvl="1" indent="-342900"/>
+            <a:r>
+              <a:rPr lang="en-US" sz="1600" dirty="0"/>
+              <a:t>Re-fit model and assess RMSE/R</a:t>
+            </a:r>
+            <a:r>
+              <a:rPr lang="en-US" sz="1600" baseline="30000" dirty="0"/>
+              <a:t>2</a:t>
+            </a:r>
+          </a:p>
+          <a:p>
+            <a:pPr marL="642938" lvl="1" indent="-342900"/>
+            <a:r>
+              <a:rPr lang="en-US" sz="1600" dirty="0"/>
+              <a:t>Stop when  model performance degrades</a:t>
+            </a:r>
+          </a:p>
+        </p:txBody>
+      </p:sp>
+      <p:sp>
+        <p:nvSpPr>
+          <p:cNvPr id="3" name="TextBox 2">
+            <a:extLst>
+              <a:ext uri="{FF2B5EF4-FFF2-40B4-BE49-F238E27FC236}">
+                <a16:creationId xmlns:a16="http://schemas.microsoft.com/office/drawing/2014/main" id="{387372F7-4046-D3A9-910C-15DB5A8AA531}"/>
+              </a:ext>
+            </a:extLst>
+          </p:cNvPr>
+          <p:cNvSpPr txBox="1"/>
+          <p:nvPr/>
+        </p:nvSpPr>
+        <p:spPr>
+          <a:xfrm>
+            <a:off x="1405859" y="1092262"/>
+            <a:ext cx="6060255" cy="1698927"/>
+          </a:xfrm>
+          <a:prstGeom prst="rect">
+            <a:avLst/>
+          </a:prstGeom>
+          <a:solidFill>
+            <a:schemeClr val="accent5"/>
+          </a:solidFill>
+        </p:spPr>
+        <p:txBody>
+          <a:bodyPr wrap="square" rtlCol="0">
+            <a:spAutoFit/>
+          </a:bodyPr>
+          <a:lstStyle/>
+          <a:p>
+            <a:pPr marL="0" indent="0" algn="l">
+              <a:buNone/>
+            </a:pPr>
+            <a:r>
+              <a:rPr lang="en-US" sz="1800" dirty="0">
+                <a:latin typeface="Tahoma" panose="020B0604030504040204" pitchFamily="34" charset="0"/>
+                <a:ea typeface="Tahoma" panose="020B0604030504040204" pitchFamily="34" charset="0"/>
+                <a:cs typeface="Tahoma" panose="020B0604030504040204" pitchFamily="34" charset="0"/>
+              </a:rPr>
+              <a:t>Steps:</a:t>
+            </a:r>
+          </a:p>
+          <a:p>
+            <a:pPr marL="457200" indent="-457200" algn="l">
+              <a:buAutoNum type="arabicParenR"/>
+            </a:pPr>
+            <a:r>
+              <a:rPr lang="en-US" sz="1800" dirty="0">
+                <a:latin typeface="Tahoma" panose="020B0604030504040204" pitchFamily="34" charset="0"/>
+                <a:ea typeface="Tahoma" panose="020B0604030504040204" pitchFamily="34" charset="0"/>
+                <a:cs typeface="Tahoma" panose="020B0604030504040204" pitchFamily="34" charset="0"/>
+              </a:rPr>
+              <a:t>Fit a model with all features</a:t>
+            </a:r>
+          </a:p>
+          <a:p>
+            <a:pPr marL="457200" indent="-457200" algn="l">
+              <a:buAutoNum type="arabicParenR"/>
+            </a:pPr>
+            <a:r>
+              <a:rPr lang="en-US" sz="1800" dirty="0">
+                <a:latin typeface="Tahoma" panose="020B0604030504040204" pitchFamily="34" charset="0"/>
+                <a:ea typeface="Tahoma" panose="020B0604030504040204" pitchFamily="34" charset="0"/>
+                <a:cs typeface="Tahoma" panose="020B0604030504040204" pitchFamily="34" charset="0"/>
+              </a:rPr>
+              <a:t>Identify feature importance (or significance)</a:t>
+            </a:r>
+          </a:p>
+          <a:p>
+            <a:pPr marL="457200" indent="-457200" algn="l">
+              <a:buAutoNum type="arabicParenR"/>
+            </a:pPr>
+            <a:r>
+              <a:rPr lang="en-US" sz="1800" dirty="0">
+                <a:latin typeface="Tahoma" panose="020B0604030504040204" pitchFamily="34" charset="0"/>
+                <a:ea typeface="Tahoma" panose="020B0604030504040204" pitchFamily="34" charset="0"/>
+                <a:cs typeface="Tahoma" panose="020B0604030504040204" pitchFamily="34" charset="0"/>
+              </a:rPr>
+              <a:t>Remove “noise features”</a:t>
+            </a:r>
+          </a:p>
+          <a:p>
+            <a:pPr marL="457200" indent="-457200" algn="l">
+              <a:buAutoNum type="arabicParenR"/>
+            </a:pPr>
+            <a:r>
+              <a:rPr lang="en-US" sz="1800" dirty="0">
+                <a:latin typeface="Tahoma" panose="020B0604030504040204" pitchFamily="34" charset="0"/>
+                <a:ea typeface="Tahoma" panose="020B0604030504040204" pitchFamily="34" charset="0"/>
+                <a:cs typeface="Tahoma" panose="020B0604030504040204" pitchFamily="34" charset="0"/>
+              </a:rPr>
+              <a:t>Re-fit model and assess value</a:t>
+            </a:r>
+          </a:p>
+        </p:txBody>
+      </p:sp>
+      <p:pic>
+        <p:nvPicPr>
+          <p:cNvPr id="8" name="Picture 7" descr="A table of numbers and symbols&#10;&#10;Description automatically generated">
+            <a:extLst>
+              <a:ext uri="{FF2B5EF4-FFF2-40B4-BE49-F238E27FC236}">
+                <a16:creationId xmlns:a16="http://schemas.microsoft.com/office/drawing/2014/main" id="{25186C3A-5207-5253-50C2-CF83DC31000F}"/>
+              </a:ext>
+            </a:extLst>
+          </p:cNvPr>
+          <p:cNvPicPr>
+            <a:picLocks noChangeAspect="1"/>
+          </p:cNvPicPr>
+          <p:nvPr/>
+        </p:nvPicPr>
+        <p:blipFill>
+          <a:blip r:embed="rId3"/>
+          <a:stretch>
+            <a:fillRect/>
+          </a:stretch>
+        </p:blipFill>
+        <p:spPr>
+          <a:xfrm>
+            <a:off x="111305" y="3074189"/>
+            <a:ext cx="4720533" cy="2384456"/>
+          </a:xfrm>
+          <a:prstGeom prst="rect">
+            <a:avLst/>
+          </a:prstGeom>
+        </p:spPr>
+      </p:pic>
+      <p:sp>
+        <p:nvSpPr>
+          <p:cNvPr id="9" name="TextBox 8">
+            <a:extLst>
+              <a:ext uri="{FF2B5EF4-FFF2-40B4-BE49-F238E27FC236}">
+                <a16:creationId xmlns:a16="http://schemas.microsoft.com/office/drawing/2014/main" id="{C9B38CE9-8696-86BC-E6D7-33365A94C85B}"/>
+              </a:ext>
+            </a:extLst>
+          </p:cNvPr>
+          <p:cNvSpPr txBox="1"/>
+          <p:nvPr/>
+        </p:nvSpPr>
+        <p:spPr>
+          <a:xfrm>
+            <a:off x="111305" y="3105428"/>
+            <a:ext cx="1463093" cy="400110"/>
+          </a:xfrm>
+          <a:prstGeom prst="rect">
+            <a:avLst/>
+          </a:prstGeom>
+          <a:noFill/>
+        </p:spPr>
+        <p:txBody>
+          <a:bodyPr wrap="none" rtlCol="0">
+            <a:spAutoFit/>
+          </a:bodyPr>
+          <a:lstStyle/>
+          <a:p>
+            <a:pPr marL="0" indent="0" algn="l">
+              <a:buNone/>
+            </a:pPr>
+            <a:r>
+              <a:rPr lang="en-US" sz="2000" dirty="0">
+                <a:latin typeface="Tahoma" panose="020B0604030504040204" pitchFamily="34" charset="0"/>
+                <a:ea typeface="Tahoma" panose="020B0604030504040204" pitchFamily="34" charset="0"/>
+                <a:cs typeface="Tahoma" panose="020B0604030504040204" pitchFamily="34" charset="0"/>
+              </a:rPr>
+              <a:t>Credit Data</a:t>
+            </a:r>
+          </a:p>
+        </p:txBody>
+      </p:sp>
+      <p:sp>
+        <p:nvSpPr>
+          <p:cNvPr id="10" name="TextBox 9">
+            <a:extLst>
+              <a:ext uri="{FF2B5EF4-FFF2-40B4-BE49-F238E27FC236}">
+                <a16:creationId xmlns:a16="http://schemas.microsoft.com/office/drawing/2014/main" id="{A8870C74-46F6-2868-5556-050E7A138DAF}"/>
+              </a:ext>
+            </a:extLst>
+          </p:cNvPr>
+          <p:cNvSpPr txBox="1"/>
+          <p:nvPr/>
+        </p:nvSpPr>
+        <p:spPr>
+          <a:xfrm>
+            <a:off x="1113617" y="5845115"/>
+            <a:ext cx="6881499" cy="400110"/>
+          </a:xfrm>
+          <a:prstGeom prst="rect">
+            <a:avLst/>
+          </a:prstGeom>
+          <a:noFill/>
+        </p:spPr>
+        <p:txBody>
+          <a:bodyPr wrap="none" rtlCol="0">
+            <a:spAutoFit/>
+          </a:bodyPr>
+          <a:lstStyle/>
+          <a:p>
+            <a:pPr marL="0" indent="0" algn="l">
+              <a:buNone/>
+            </a:pPr>
+            <a:r>
+              <a:rPr lang="en-US" sz="2000" dirty="0">
+                <a:latin typeface="Tahoma" panose="020B0604030504040204" pitchFamily="34" charset="0"/>
+                <a:ea typeface="Tahoma" panose="020B0604030504040204" pitchFamily="34" charset="0"/>
+                <a:cs typeface="Tahoma" panose="020B0604030504040204" pitchFamily="34" charset="0"/>
+              </a:rPr>
+              <a:t>Iterative removal is a bit more “careful” than block removal</a:t>
+            </a:r>
+          </a:p>
+        </p:txBody>
+      </p:sp>
     </p:spTree>
     <p:extLst>
       <p:ext uri="{BB962C8B-B14F-4D97-AF65-F5344CB8AC3E}">
-        <p14:creationId xmlns:p14="http://schemas.microsoft.com/office/powerpoint/2010/main" val="3278681372"/>
+        <p14:creationId xmlns:p14="http://schemas.microsoft.com/office/powerpoint/2010/main" val="47478125"/>
       </p:ext>
     </p:extLst>
   </p:cSld>
@@ -12846,7 +13259,7 @@
                                           </p:stCondLst>
                                         </p:cTn>
                                         <p:tgtEl>
-                                          <p:spTgt spid="3">
+                                          <p:spTgt spid="5">
                                             <p:txEl>
                                               <p:pRg st="0" end="0"/>
                                             </p:txEl>
@@ -12895,7 +13308,7 @@
                                           </p:stCondLst>
                                         </p:cTn>
                                         <p:tgtEl>
-                                          <p:spTgt spid="3">
+                                          <p:spTgt spid="5">
                                             <p:txEl>
                                               <p:pRg st="1" end="1"/>
                                             </p:txEl>
@@ -12944,7 +13357,7 @@
                                           </p:stCondLst>
                                         </p:cTn>
                                         <p:tgtEl>
-                                          <p:spTgt spid="3">
+                                          <p:spTgt spid="5">
                                             <p:txEl>
                                               <p:pRg st="2" end="2"/>
                                             </p:txEl>
@@ -12993,7 +13406,7 @@
                                           </p:stCondLst>
                                         </p:cTn>
                                         <p:tgtEl>
-                                          <p:spTgt spid="3">
+                                          <p:spTgt spid="5">
                                             <p:txEl>
                                               <p:pRg st="3" end="3"/>
                                             </p:txEl>
@@ -13037,795 +13450,6 @@
                                     <p:set>
                                       <p:cBhvr>
                                         <p:cTn id="22" dur="1" fill="hold">
-                                          <p:stCondLst>
-                                            <p:cond delay="0"/>
-                                          </p:stCondLst>
-                                        </p:cTn>
-                                        <p:tgtEl>
-                                          <p:spTgt spid="3">
-                                            <p:txEl>
-                                              <p:pRg st="4" end="4"/>
-                                            </p:txEl>
-                                          </p:spTgt>
-                                        </p:tgtEl>
-                                        <p:attrNameLst>
-                                          <p:attrName>style.visibility</p:attrName>
-                                        </p:attrNameLst>
-                                      </p:cBhvr>
-                                      <p:to>
-                                        <p:strVal val="visible"/>
-                                      </p:to>
-                                    </p:set>
-                                  </p:childTnLst>
-                                </p:cTn>
-                              </p:par>
-                            </p:childTnLst>
-                          </p:cTn>
-                        </p:par>
-                      </p:childTnLst>
-                    </p:cTn>
-                  </p:par>
-                  <p:par>
-                    <p:cTn id="23" fill="hold">
-                      <p:stCondLst>
-                        <p:cond delay="indefinite"/>
-                      </p:stCondLst>
-                      <p:childTnLst>
-                        <p:par>
-                          <p:cTn id="24" fill="hold">
-                            <p:stCondLst>
-                              <p:cond delay="0"/>
-                            </p:stCondLst>
-                            <p:childTnLst>
-                              <p:par>
-                                <p:cTn id="25" presetID="1" presetClass="entr" presetSubtype="0" fill="hold" grpId="0" nodeType="clickEffect">
-                                  <p:stCondLst>
-                                    <p:cond delay="0"/>
-                                  </p:stCondLst>
-                                  <p:childTnLst>
-                                    <p:set>
-                                      <p:cBhvr>
-                                        <p:cTn id="26" dur="1" fill="hold">
-                                          <p:stCondLst>
-                                            <p:cond delay="0"/>
-                                          </p:stCondLst>
-                                        </p:cTn>
-                                        <p:tgtEl>
-                                          <p:spTgt spid="3">
-                                            <p:txEl>
-                                              <p:pRg st="6" end="6"/>
-                                            </p:txEl>
-                                          </p:spTgt>
-                                        </p:tgtEl>
-                                        <p:attrNameLst>
-                                          <p:attrName>style.visibility</p:attrName>
-                                        </p:attrNameLst>
-                                      </p:cBhvr>
-                                      <p:to>
-                                        <p:strVal val="visible"/>
-                                      </p:to>
-                                    </p:set>
-                                  </p:childTnLst>
-                                </p:cTn>
-                              </p:par>
-                            </p:childTnLst>
-                          </p:cTn>
-                        </p:par>
-                      </p:childTnLst>
-                    </p:cTn>
-                  </p:par>
-                  <p:par>
-                    <p:cTn id="27" fill="hold">
-                      <p:stCondLst>
-                        <p:cond delay="indefinite"/>
-                      </p:stCondLst>
-                      <p:childTnLst>
-                        <p:par>
-                          <p:cTn id="28" fill="hold">
-                            <p:stCondLst>
-                              <p:cond delay="0"/>
-                            </p:stCondLst>
-                            <p:childTnLst>
-                              <p:par>
-                                <p:cTn id="29" presetID="1" presetClass="entr" presetSubtype="0" fill="hold" grpId="0" nodeType="clickEffect">
-                                  <p:stCondLst>
-                                    <p:cond delay="0"/>
-                                  </p:stCondLst>
-                                  <p:childTnLst>
-                                    <p:set>
-                                      <p:cBhvr>
-                                        <p:cTn id="30" dur="1" fill="hold">
-                                          <p:stCondLst>
-                                            <p:cond delay="0"/>
-                                          </p:stCondLst>
-                                        </p:cTn>
-                                        <p:tgtEl>
-                                          <p:spTgt spid="3">
-                                            <p:txEl>
-                                              <p:pRg st="9" end="9"/>
-                                            </p:txEl>
-                                          </p:spTgt>
-                                        </p:tgtEl>
-                                        <p:attrNameLst>
-                                          <p:attrName>style.visibility</p:attrName>
-                                        </p:attrNameLst>
-                                      </p:cBhvr>
-                                      <p:to>
-                                        <p:strVal val="visible"/>
-                                      </p:to>
-                                    </p:set>
-                                  </p:childTnLst>
-                                </p:cTn>
-                              </p:par>
-                            </p:childTnLst>
-                          </p:cTn>
-                        </p:par>
-                      </p:childTnLst>
-                    </p:cTn>
-                  </p:par>
-                </p:childTnLst>
-              </p:cTn>
-              <p:prevCondLst>
-                <p:cond evt="onPrev" delay="0">
-                  <p:tgtEl>
-                    <p:sldTgt/>
-                  </p:tgtEl>
-                </p:cond>
-              </p:prevCondLst>
-              <p:nextCondLst>
-                <p:cond evt="onNext" delay="0">
-                  <p:tgtEl>
-                    <p:sldTgt/>
-                  </p:tgtEl>
-                </p:cond>
-              </p:nextCondLst>
-            </p:seq>
-          </p:childTnLst>
-        </p:cTn>
-      </p:par>
-    </p:tnLst>
-    <p:bldLst>
-      <p:bldP spid="3" grpId="0" build="p"/>
-    </p:bldLst>
-  </p:timing>
-</p:sld>
-</file>
-
-<file path=ppt/slides/slide15.xml><?xml version="1.0" encoding="utf-8"?>
-<p:sld xmlns:a="http://schemas.openxmlformats.org/drawingml/2006/main" xmlns:r="http://schemas.openxmlformats.org/officeDocument/2006/relationships" xmlns:p="http://schemas.openxmlformats.org/presentationml/2006/main">
-  <p:cSld>
-    <p:spTree>
-      <p:nvGrpSpPr>
-        <p:cNvPr id="1" name=""/>
-        <p:cNvGrpSpPr/>
-        <p:nvPr/>
-      </p:nvGrpSpPr>
-      <p:grpSpPr>
-        <a:xfrm>
-          <a:off x="0" y="0"/>
-          <a:ext cx="0" cy="0"/>
-          <a:chOff x="0" y="0"/>
-          <a:chExt cx="0" cy="0"/>
-        </a:xfrm>
-      </p:grpSpPr>
-      <p:sp>
-        <p:nvSpPr>
-          <p:cNvPr id="2" name="Title 1">
-            <a:extLst>
-              <a:ext uri="{FF2B5EF4-FFF2-40B4-BE49-F238E27FC236}">
-                <a16:creationId xmlns:a16="http://schemas.microsoft.com/office/drawing/2014/main" id="{CC014158-2EC3-31AC-17DD-5A8D276D7D37}"/>
-              </a:ext>
-            </a:extLst>
-          </p:cNvPr>
-          <p:cNvSpPr>
-            <a:spLocks noGrp="1"/>
-          </p:cNvSpPr>
-          <p:nvPr>
-            <p:ph type="title"/>
-          </p:nvPr>
-        </p:nvSpPr>
-        <p:spPr>
-          <a:xfrm>
-            <a:off x="0" y="0"/>
-            <a:ext cx="7943850" cy="729214"/>
-          </a:xfrm>
-        </p:spPr>
-        <p:txBody>
-          <a:bodyPr/>
-          <a:lstStyle/>
-          <a:p>
-            <a:r>
-              <a:rPr lang="en-US" dirty="0"/>
-              <a:t>Iterative Feature Selection by Subtraction</a:t>
-            </a:r>
-          </a:p>
-        </p:txBody>
-      </p:sp>
-      <p:sp>
-        <p:nvSpPr>
-          <p:cNvPr id="4" name="Slide Number Placeholder 3">
-            <a:extLst>
-              <a:ext uri="{FF2B5EF4-FFF2-40B4-BE49-F238E27FC236}">
-                <a16:creationId xmlns:a16="http://schemas.microsoft.com/office/drawing/2014/main" id="{EED1363C-C614-08A9-E4D8-3260AE702A2D}"/>
-              </a:ext>
-            </a:extLst>
-          </p:cNvPr>
-          <p:cNvSpPr>
-            <a:spLocks noGrp="1"/>
-          </p:cNvSpPr>
-          <p:nvPr>
-            <p:ph type="sldNum" sz="quarter" idx="10"/>
-          </p:nvPr>
-        </p:nvSpPr>
-        <p:spPr/>
-        <p:txBody>
-          <a:bodyPr/>
-          <a:lstStyle/>
-          <a:p>
-            <a:fld id="{ABBEE3BA-F264-1746-880E-39AD601DF2B1}" type="slidenum">
-              <a:rPr lang="en-US" smtClean="0"/>
-              <a:t>15</a:t>
-            </a:fld>
-            <a:endParaRPr lang="en-US"/>
-          </a:p>
-        </p:txBody>
-      </p:sp>
-      <mc:AlternateContent xmlns:mc="http://schemas.openxmlformats.org/markup-compatibility/2006" xmlns:a14="http://schemas.microsoft.com/office/drawing/2010/main">
-        <mc:Choice Requires="a14">
-          <p:sp>
-            <p:nvSpPr>
-              <p:cNvPr id="5" name="Content Placeholder 4">
-                <a:extLst>
-                  <a:ext uri="{FF2B5EF4-FFF2-40B4-BE49-F238E27FC236}">
-                    <a16:creationId xmlns:a16="http://schemas.microsoft.com/office/drawing/2014/main" id="{F1B93E3C-A660-38D3-ABE6-B754AC66AC4E}"/>
-                  </a:ext>
-                </a:extLst>
-              </p:cNvPr>
-              <p:cNvSpPr txBox="1">
-                <a:spLocks noGrp="1"/>
-              </p:cNvSpPr>
-              <p:nvPr>
-                <p:ph idx="1"/>
-              </p:nvPr>
-            </p:nvSpPr>
-            <p:spPr>
-              <a:xfrm>
-                <a:off x="203200" y="3480900"/>
-                <a:ext cx="8229600" cy="2006768"/>
-              </a:xfrm>
-              <a:prstGeom prst="rect">
-                <a:avLst/>
-              </a:prstGeom>
-              <a:noFill/>
-            </p:spPr>
-            <p:txBody>
-              <a:bodyPr wrap="square" rtlCol="0">
-                <a:spAutoFit/>
-              </a:bodyPr>
-              <a:lstStyle/>
-              <a:p>
-                <a:pPr marL="0" indent="0" algn="l">
-                  <a:buNone/>
-                </a:pPr>
-                <a:r>
-                  <a:rPr lang="en-US" sz="1800" i="1" dirty="0">
-                    <a:latin typeface="Tahoma" panose="020B0604030504040204" pitchFamily="34" charset="0"/>
-                    <a:ea typeface="Tahoma" panose="020B0604030504040204" pitchFamily="34" charset="0"/>
-                    <a:cs typeface="Tahoma" panose="020B0604030504040204" pitchFamily="34" charset="0"/>
-                  </a:rPr>
-                  <a:t>Backward elimination (Regression) </a:t>
-                </a:r>
-                <a:r>
-                  <a:rPr lang="en-US" sz="1800" dirty="0">
-                    <a:latin typeface="Tahoma" panose="020B0604030504040204" pitchFamily="34" charset="0"/>
-                    <a:ea typeface="Tahoma" panose="020B0604030504040204" pitchFamily="34" charset="0"/>
-                    <a:cs typeface="Tahoma" panose="020B0604030504040204" pitchFamily="34" charset="0"/>
-                  </a:rPr>
-                  <a:t>: Start with a model built on all data:</a:t>
-                </a:r>
-                <a:endParaRPr lang="en-US" sz="1800" baseline="30000" dirty="0">
-                  <a:latin typeface="Tahoma" panose="020B0604030504040204" pitchFamily="34" charset="0"/>
-                  <a:ea typeface="Tahoma" panose="020B0604030504040204" pitchFamily="34" charset="0"/>
-                  <a:cs typeface="Tahoma" panose="020B0604030504040204" pitchFamily="34" charset="0"/>
-                </a:endParaRPr>
-              </a:p>
-              <a:p>
-                <a:pPr marL="342900" indent="-342900"/>
-                <a:r>
-                  <a:rPr lang="en-US" sz="1800" dirty="0">
-                    <a:latin typeface="Tahoma" panose="020B0604030504040204" pitchFamily="34" charset="0"/>
-                    <a:ea typeface="Tahoma" panose="020B0604030504040204" pitchFamily="34" charset="0"/>
-                    <a:cs typeface="Tahoma" panose="020B0604030504040204" pitchFamily="34" charset="0"/>
-                  </a:rPr>
-                  <a:t>Strategy: eliminate one variable at each step that leads to the largest improvement in adjusted R</a:t>
-                </a:r>
-                <a:r>
-                  <a:rPr lang="en-US" sz="1800" baseline="30000" dirty="0">
-                    <a:latin typeface="Tahoma" panose="020B0604030504040204" pitchFamily="34" charset="0"/>
-                    <a:ea typeface="Tahoma" panose="020B0604030504040204" pitchFamily="34" charset="0"/>
-                    <a:cs typeface="Tahoma" panose="020B0604030504040204" pitchFamily="34" charset="0"/>
-                  </a:rPr>
-                  <a:t>2</a:t>
-                </a:r>
-                <a:endParaRPr lang="en-US" sz="1600" baseline="30000" dirty="0">
-                  <a:latin typeface="Tahoma" panose="020B0604030504040204" pitchFamily="34" charset="0"/>
-                  <a:ea typeface="Tahoma" panose="020B0604030504040204" pitchFamily="34" charset="0"/>
-                  <a:cs typeface="Tahoma" panose="020B0604030504040204" pitchFamily="34" charset="0"/>
-                </a:endParaRPr>
-              </a:p>
-              <a:p>
-                <a:pPr marL="342900" indent="-342900"/>
-                <a:r>
-                  <a:rPr lang="en-US" sz="1800" dirty="0">
-                    <a:latin typeface="Tahoma" panose="020B0604030504040204" pitchFamily="34" charset="0"/>
-                    <a:ea typeface="Tahoma" panose="020B0604030504040204" pitchFamily="34" charset="0"/>
-                    <a:cs typeface="Tahoma" panose="020B0604030504040204" pitchFamily="34" charset="0"/>
-                  </a:rPr>
-                  <a:t>Typically remove all levels of a categorical at the same time</a:t>
-                </a:r>
-              </a:p>
-              <a:p>
-                <a:pPr marL="342900" indent="-342900"/>
-                <a:r>
-                  <a:rPr lang="en-US" sz="1800" dirty="0">
-                    <a:latin typeface="Tahoma" panose="020B0604030504040204" pitchFamily="34" charset="0"/>
-                    <a:ea typeface="Tahoma" panose="020B0604030504040204" pitchFamily="34" charset="0"/>
-                    <a:cs typeface="Tahoma" panose="020B0604030504040204" pitchFamily="34" charset="0"/>
-                  </a:rPr>
-                  <a:t>Rinse/repeat:</a:t>
-                </a:r>
-              </a:p>
-              <a:p>
-                <a:pPr marL="800100" lvl="1" indent="-342900"/>
-                <a:r>
-                  <a:rPr lang="en-US" sz="1800" dirty="0">
-                    <a:latin typeface="Tahoma" panose="020B0604030504040204" pitchFamily="34" charset="0"/>
-                    <a:ea typeface="Tahoma" panose="020B0604030504040204" pitchFamily="34" charset="0"/>
-                    <a:cs typeface="Tahoma" panose="020B0604030504040204" pitchFamily="34" charset="0"/>
-                  </a:rPr>
-                  <a:t>Until none of the remaining variables when removed increase </a:t>
-                </a:r>
-                <a14:m>
-                  <m:oMath xmlns:m="http://schemas.openxmlformats.org/officeDocument/2006/math">
-                    <m:sSub>
-                      <m:sSubPr>
-                        <m:ctrlPr>
-                          <a:rPr lang="en-US" sz="1800" i="1" dirty="0" smtClean="0">
-                            <a:latin typeface="Cambria Math" panose="02040503050406030204" pitchFamily="18" charset="0"/>
-                            <a:ea typeface="Tahoma" panose="020B0604030504040204" pitchFamily="34" charset="0"/>
-                            <a:cs typeface="Tahoma" panose="020B0604030504040204" pitchFamily="34" charset="0"/>
-                          </a:rPr>
-                        </m:ctrlPr>
-                      </m:sSubPr>
-                      <m:e>
-                        <m:r>
-                          <m:rPr>
-                            <m:nor/>
-                          </m:rPr>
-                          <a:rPr lang="en-US" sz="1800" dirty="0">
-                            <a:latin typeface="Tahoma" panose="020B0604030504040204" pitchFamily="34" charset="0"/>
-                            <a:ea typeface="Tahoma" panose="020B0604030504040204" pitchFamily="34" charset="0"/>
-                            <a:cs typeface="Tahoma" panose="020B0604030504040204" pitchFamily="34" charset="0"/>
-                          </a:rPr>
-                          <m:t>R</m:t>
-                        </m:r>
-                        <m:r>
-                          <m:rPr>
-                            <m:nor/>
-                          </m:rPr>
-                          <a:rPr lang="en-US" sz="1800" baseline="30000" dirty="0">
-                            <a:latin typeface="Tahoma" panose="020B0604030504040204" pitchFamily="34" charset="0"/>
-                            <a:ea typeface="Tahoma" panose="020B0604030504040204" pitchFamily="34" charset="0"/>
-                            <a:cs typeface="Tahoma" panose="020B0604030504040204" pitchFamily="34" charset="0"/>
-                          </a:rPr>
-                          <m:t>2</m:t>
-                        </m:r>
-                      </m:e>
-                      <m:sub>
-                        <m:r>
-                          <m:rPr>
-                            <m:sty m:val="p"/>
-                          </m:rPr>
-                          <a:rPr lang="en-US" sz="1800" b="0" i="0" dirty="0" smtClean="0">
-                            <a:latin typeface="Cambria Math" panose="02040503050406030204" pitchFamily="18" charset="0"/>
-                            <a:ea typeface="Tahoma" panose="020B0604030504040204" pitchFamily="34" charset="0"/>
-                            <a:cs typeface="Tahoma" panose="020B0604030504040204" pitchFamily="34" charset="0"/>
-                          </a:rPr>
-                          <m:t>adj</m:t>
-                        </m:r>
-                      </m:sub>
-                    </m:sSub>
-                  </m:oMath>
-                </a14:m>
-                <a:endParaRPr lang="en-US" sz="1800" i="1" dirty="0">
-                  <a:latin typeface="Tahoma" panose="020B0604030504040204" pitchFamily="34" charset="0"/>
-                  <a:ea typeface="Tahoma" panose="020B0604030504040204" pitchFamily="34" charset="0"/>
-                  <a:cs typeface="Tahoma" panose="020B0604030504040204" pitchFamily="34" charset="0"/>
-                </a:endParaRPr>
-              </a:p>
-            </p:txBody>
-          </p:sp>
-        </mc:Choice>
-        <mc:Fallback xmlns="">
-          <p:sp>
-            <p:nvSpPr>
-              <p:cNvPr id="5" name="Content Placeholder 4">
-                <a:extLst>
-                  <a:ext uri="{FF2B5EF4-FFF2-40B4-BE49-F238E27FC236}">
-                    <a16:creationId xmlns:a16="http://schemas.microsoft.com/office/drawing/2014/main" id="{F1B93E3C-A660-38D3-ABE6-B754AC66AC4E}"/>
-                  </a:ext>
-                </a:extLst>
-              </p:cNvPr>
-              <p:cNvSpPr txBox="1">
-                <a:spLocks noGrp="1" noRot="1" noChangeAspect="1" noMove="1" noResize="1" noEditPoints="1" noAdjustHandles="1" noChangeArrowheads="1" noChangeShapeType="1" noTextEdit="1"/>
-              </p:cNvSpPr>
-              <p:nvPr>
-                <p:ph idx="1"/>
-              </p:nvPr>
-            </p:nvSpPr>
-            <p:spPr>
-              <a:xfrm>
-                <a:off x="203200" y="3480900"/>
-                <a:ext cx="8229600" cy="2006768"/>
-              </a:xfrm>
-              <a:prstGeom prst="rect">
-                <a:avLst/>
-              </a:prstGeom>
-              <a:blipFill>
-                <a:blip r:embed="rId3"/>
-                <a:stretch>
-                  <a:fillRect l="-462" t="-1258" b="-1887"/>
-                </a:stretch>
-              </a:blipFill>
-            </p:spPr>
-            <p:txBody>
-              <a:bodyPr/>
-              <a:lstStyle/>
-              <a:p>
-                <a:r>
-                  <a:rPr lang="en-US">
-                    <a:noFill/>
-                  </a:rPr>
-                  <a:t> </a:t>
-                </a:r>
-              </a:p>
-            </p:txBody>
-          </p:sp>
-        </mc:Fallback>
-      </mc:AlternateContent>
-      <p:pic>
-        <p:nvPicPr>
-          <p:cNvPr id="6" name="Content Placeholder 4" descr="A table with numbers and text&#10;&#10;Description automatically generated">
-            <a:extLst>
-              <a:ext uri="{FF2B5EF4-FFF2-40B4-BE49-F238E27FC236}">
-                <a16:creationId xmlns:a16="http://schemas.microsoft.com/office/drawing/2014/main" id="{58852CC7-7ECE-4DAD-60B1-CC366F95C72E}"/>
-              </a:ext>
-            </a:extLst>
-          </p:cNvPr>
-          <p:cNvPicPr>
-            <a:picLocks noChangeAspect="1"/>
-          </p:cNvPicPr>
-          <p:nvPr/>
-        </p:nvPicPr>
-        <p:blipFill>
-          <a:blip r:embed="rId4"/>
-          <a:stretch>
-            <a:fillRect/>
-          </a:stretch>
-        </p:blipFill>
-        <p:spPr bwMode="auto">
-          <a:xfrm>
-            <a:off x="3778664" y="729214"/>
-            <a:ext cx="4999576" cy="2394902"/>
-          </a:xfrm>
-          <a:prstGeom prst="rect">
-            <a:avLst/>
-          </a:prstGeom>
-          <a:noFill/>
-          <a:ln>
-            <a:noFill/>
-          </a:ln>
-          <a:extLst>
-            <a:ext uri="{909E8E84-426E-40DD-AFC4-6F175D3DCCD1}">
-              <a14:hiddenFill xmlns:a14="http://schemas.microsoft.com/office/drawing/2010/main">
-                <a:solidFill>
-                  <a:srgbClr val="FFFFFF"/>
-                </a:solidFill>
-              </a14:hiddenFill>
-            </a:ext>
-            <a:ext uri="{91240B29-F687-4F45-9708-019B960494DF}">
-              <a14:hiddenLine xmlns:a14="http://schemas.microsoft.com/office/drawing/2010/main" w="9525">
-                <a:solidFill>
-                  <a:srgbClr val="000000"/>
-                </a:solidFill>
-                <a:miter lim="800000"/>
-                <a:headEnd/>
-                <a:tailEnd/>
-              </a14:hiddenLine>
-            </a:ext>
-          </a:extLst>
-        </p:spPr>
-      </p:pic>
-    </p:spTree>
-    <p:extLst>
-      <p:ext uri="{BB962C8B-B14F-4D97-AF65-F5344CB8AC3E}">
-        <p14:creationId xmlns:p14="http://schemas.microsoft.com/office/powerpoint/2010/main" val="47478125"/>
-      </p:ext>
-    </p:extLst>
-  </p:cSld>
-  <p:clrMapOvr>
-    <a:masterClrMapping/>
-  </p:clrMapOvr>
-  <p:timing>
-    <p:tnLst>
-      <p:par>
-        <p:cTn id="1" dur="indefinite" restart="never" nodeType="tmRoot">
-          <p:childTnLst>
-            <p:seq concurrent="1" nextAc="seek">
-              <p:cTn id="2" dur="indefinite" nodeType="mainSeq">
-                <p:childTnLst>
-                  <p:par>
-                    <p:cTn id="3" fill="hold">
-                      <p:stCondLst>
-                        <p:cond delay="indefinite"/>
-                      </p:stCondLst>
-                      <p:childTnLst>
-                        <p:par>
-                          <p:cTn id="4" fill="hold">
-                            <p:stCondLst>
-                              <p:cond delay="0"/>
-                            </p:stCondLst>
-                            <p:childTnLst>
-                              <p:par>
-                                <p:cTn id="5" presetID="1" presetClass="entr" presetSubtype="0" fill="hold" nodeType="clickEffect">
-                                  <p:stCondLst>
-                                    <p:cond delay="0"/>
-                                  </p:stCondLst>
-                                  <p:childTnLst>
-                                    <p:set>
-                                      <p:cBhvr>
-                                        <p:cTn id="6" dur="1" fill="hold">
-                                          <p:stCondLst>
-                                            <p:cond delay="0"/>
-                                          </p:stCondLst>
-                                        </p:cTn>
-                                        <p:tgtEl>
-                                          <p:spTgt spid="6"/>
-                                        </p:tgtEl>
-                                        <p:attrNameLst>
-                                          <p:attrName>style.visibility</p:attrName>
-                                        </p:attrNameLst>
-                                      </p:cBhvr>
-                                      <p:to>
-                                        <p:strVal val="visible"/>
-                                      </p:to>
-                                    </p:set>
-                                  </p:childTnLst>
-                                </p:cTn>
-                              </p:par>
-                            </p:childTnLst>
-                          </p:cTn>
-                        </p:par>
-                      </p:childTnLst>
-                    </p:cTn>
-                  </p:par>
-                  <p:par>
-                    <p:cTn id="7" fill="hold">
-                      <p:stCondLst>
-                        <p:cond delay="indefinite"/>
-                      </p:stCondLst>
-                      <p:childTnLst>
-                        <p:par>
-                          <p:cTn id="8" fill="hold">
-                            <p:stCondLst>
-                              <p:cond delay="0"/>
-                            </p:stCondLst>
-                            <p:childTnLst>
-                              <p:par>
-                                <p:cTn id="9" presetID="1" presetClass="entr" presetSubtype="0" fill="hold" grpId="0" nodeType="clickEffect">
-                                  <p:stCondLst>
-                                    <p:cond delay="0"/>
-                                  </p:stCondLst>
-                                  <p:childTnLst>
-                                    <p:set>
-                                      <p:cBhvr>
-                                        <p:cTn id="10" dur="1" fill="hold">
-                                          <p:stCondLst>
-                                            <p:cond delay="0"/>
-                                          </p:stCondLst>
-                                        </p:cTn>
-                                        <p:tgtEl>
-                                          <p:spTgt spid="5">
-                                            <p:txEl>
-                                              <p:pRg st="0" end="0"/>
-                                            </p:txEl>
-                                          </p:spTgt>
-                                        </p:tgtEl>
-                                        <p:attrNameLst>
-                                          <p:attrName>style.visibility</p:attrName>
-                                        </p:attrNameLst>
-                                      </p:cBhvr>
-                                      <p:to>
-                                        <p:strVal val="visible"/>
-                                      </p:to>
-                                    </p:set>
-                                  </p:childTnLst>
-                                </p:cTn>
-                              </p:par>
-                            </p:childTnLst>
-                          </p:cTn>
-                        </p:par>
-                      </p:childTnLst>
-                    </p:cTn>
-                  </p:par>
-                  <p:par>
-                    <p:cTn id="11" fill="hold">
-                      <p:stCondLst>
-                        <p:cond delay="indefinite"/>
-                      </p:stCondLst>
-                      <p:childTnLst>
-                        <p:par>
-                          <p:cTn id="12" fill="hold">
-                            <p:stCondLst>
-                              <p:cond delay="0"/>
-                            </p:stCondLst>
-                            <p:childTnLst>
-                              <p:par>
-                                <p:cTn id="13" presetID="1" presetClass="entr" presetSubtype="0" fill="hold" grpId="0" nodeType="clickEffect">
-                                  <p:stCondLst>
-                                    <p:cond delay="0"/>
-                                  </p:stCondLst>
-                                  <p:childTnLst>
-                                    <p:set>
-                                      <p:cBhvr>
-                                        <p:cTn id="14" dur="1" fill="hold">
-                                          <p:stCondLst>
-                                            <p:cond delay="0"/>
-                                          </p:stCondLst>
-                                        </p:cTn>
-                                        <p:tgtEl>
-                                          <p:spTgt spid="5">
-                                            <p:txEl>
-                                              <p:pRg st="1" end="1"/>
-                                            </p:txEl>
-                                          </p:spTgt>
-                                        </p:tgtEl>
-                                        <p:attrNameLst>
-                                          <p:attrName>style.visibility</p:attrName>
-                                        </p:attrNameLst>
-                                      </p:cBhvr>
-                                      <p:to>
-                                        <p:strVal val="visible"/>
-                                      </p:to>
-                                    </p:set>
-                                  </p:childTnLst>
-                                </p:cTn>
-                              </p:par>
-                            </p:childTnLst>
-                          </p:cTn>
-                        </p:par>
-                      </p:childTnLst>
-                    </p:cTn>
-                  </p:par>
-                  <p:par>
-                    <p:cTn id="15" fill="hold">
-                      <p:stCondLst>
-                        <p:cond delay="indefinite"/>
-                      </p:stCondLst>
-                      <p:childTnLst>
-                        <p:par>
-                          <p:cTn id="16" fill="hold">
-                            <p:stCondLst>
-                              <p:cond delay="0"/>
-                            </p:stCondLst>
-                            <p:childTnLst>
-                              <p:par>
-                                <p:cTn id="17" presetID="1" presetClass="entr" presetSubtype="0" fill="hold" grpId="0" nodeType="clickEffect">
-                                  <p:stCondLst>
-                                    <p:cond delay="0"/>
-                                  </p:stCondLst>
-                                  <p:childTnLst>
-                                    <p:set>
-                                      <p:cBhvr>
-                                        <p:cTn id="18" dur="1" fill="hold">
-                                          <p:stCondLst>
-                                            <p:cond delay="0"/>
-                                          </p:stCondLst>
-                                        </p:cTn>
-                                        <p:tgtEl>
-                                          <p:spTgt spid="5">
-                                            <p:txEl>
-                                              <p:pRg st="2" end="2"/>
-                                            </p:txEl>
-                                          </p:spTgt>
-                                        </p:tgtEl>
-                                        <p:attrNameLst>
-                                          <p:attrName>style.visibility</p:attrName>
-                                        </p:attrNameLst>
-                                      </p:cBhvr>
-                                      <p:to>
-                                        <p:strVal val="visible"/>
-                                      </p:to>
-                                    </p:set>
-                                  </p:childTnLst>
-                                </p:cTn>
-                              </p:par>
-                            </p:childTnLst>
-                          </p:cTn>
-                        </p:par>
-                      </p:childTnLst>
-                    </p:cTn>
-                  </p:par>
-                  <p:par>
-                    <p:cTn id="19" fill="hold">
-                      <p:stCondLst>
-                        <p:cond delay="indefinite"/>
-                      </p:stCondLst>
-                      <p:childTnLst>
-                        <p:par>
-                          <p:cTn id="20" fill="hold">
-                            <p:stCondLst>
-                              <p:cond delay="0"/>
-                            </p:stCondLst>
-                            <p:childTnLst>
-                              <p:par>
-                                <p:cTn id="21" presetID="1" presetClass="entr" presetSubtype="0" fill="hold" grpId="0" nodeType="clickEffect">
-                                  <p:stCondLst>
-                                    <p:cond delay="0"/>
-                                  </p:stCondLst>
-                                  <p:childTnLst>
-                                    <p:set>
-                                      <p:cBhvr>
-                                        <p:cTn id="22" dur="1" fill="hold">
-                                          <p:stCondLst>
-                                            <p:cond delay="0"/>
-                                          </p:stCondLst>
-                                        </p:cTn>
-                                        <p:tgtEl>
-                                          <p:spTgt spid="5">
-                                            <p:txEl>
-                                              <p:pRg st="3" end="3"/>
-                                            </p:txEl>
-                                          </p:spTgt>
-                                        </p:tgtEl>
-                                        <p:attrNameLst>
-                                          <p:attrName>style.visibility</p:attrName>
-                                        </p:attrNameLst>
-                                      </p:cBhvr>
-                                      <p:to>
-                                        <p:strVal val="visible"/>
-                                      </p:to>
-                                    </p:set>
-                                  </p:childTnLst>
-                                </p:cTn>
-                              </p:par>
-                            </p:childTnLst>
-                          </p:cTn>
-                        </p:par>
-                      </p:childTnLst>
-                    </p:cTn>
-                  </p:par>
-                  <p:par>
-                    <p:cTn id="23" fill="hold">
-                      <p:stCondLst>
-                        <p:cond delay="indefinite"/>
-                      </p:stCondLst>
-                      <p:childTnLst>
-                        <p:par>
-                          <p:cTn id="24" fill="hold">
-                            <p:stCondLst>
-                              <p:cond delay="0"/>
-                            </p:stCondLst>
-                            <p:childTnLst>
-                              <p:par>
-                                <p:cTn id="25" presetID="1" presetClass="entr" presetSubtype="0" fill="hold" grpId="0" nodeType="clickEffect">
-                                  <p:stCondLst>
-                                    <p:cond delay="0"/>
-                                  </p:stCondLst>
-                                  <p:childTnLst>
-                                    <p:set>
-                                      <p:cBhvr>
-                                        <p:cTn id="26" dur="1" fill="hold">
                                           <p:stCondLst>
                                             <p:cond delay="0"/>
                                           </p:stCondLst>
@@ -13882,7 +13506,7 @@
 </p:sld>
 </file>
 
-<file path=ppt/slides/slide16.xml><?xml version="1.0" encoding="utf-8"?>
+<file path=ppt/slides/slide15.xml><?xml version="1.0" encoding="utf-8"?>
 <p:sld xmlns:a="http://schemas.openxmlformats.org/drawingml/2006/main" xmlns:r="http://schemas.openxmlformats.org/officeDocument/2006/relationships" xmlns:p="http://schemas.openxmlformats.org/presentationml/2006/main">
   <p:cSld>
     <p:spTree>
@@ -13996,7 +13620,7 @@
           <a:p>
             <a:fld id="{ABBEE3BA-F264-1746-880E-39AD601DF2B1}" type="slidenum">
               <a:rPr lang="en-US" smtClean="0"/>
-              <a:t>16</a:t>
+              <a:t>15</a:t>
             </a:fld>
             <a:endParaRPr lang="en-US"/>
           </a:p>
@@ -14004,10 +13628,10 @@
       </p:sp>
       <p:pic>
         <p:nvPicPr>
-          <p:cNvPr id="8" name="Picture 7" descr="A screenshot of a computer code&#10;&#10;Description automatically generated">
+          <p:cNvPr id="7" name="Picture 6" descr="A screenshot of a computer&#10;&#10;Description automatically generated">
             <a:extLst>
               <a:ext uri="{FF2B5EF4-FFF2-40B4-BE49-F238E27FC236}">
-                <a16:creationId xmlns:a16="http://schemas.microsoft.com/office/drawing/2014/main" id="{11ED223E-A4CE-C14F-EC2C-CCA0AD3CA2C5}"/>
+                <a16:creationId xmlns:a16="http://schemas.microsoft.com/office/drawing/2014/main" id="{8FC65FD4-24AE-01D5-20E7-62A149BC31D8}"/>
               </a:ext>
             </a:extLst>
           </p:cNvPr>
@@ -14024,8 +13648,8 @@
         </p:blipFill>
         <p:spPr>
           <a:xfrm>
-            <a:off x="5566410" y="2626380"/>
-            <a:ext cx="2769870" cy="3856970"/>
+            <a:off x="1650340" y="3079399"/>
+            <a:ext cx="6311900" cy="3403600"/>
           </a:xfrm>
           <a:prstGeom prst="rect">
             <a:avLst/>
@@ -14042,86 +13666,11 @@
   <p:clrMapOvr>
     <a:masterClrMapping/>
   </p:clrMapOvr>
-  <p:timing>
-    <p:tnLst>
-      <p:par>
-        <p:cTn id="1" dur="indefinite" restart="never" nodeType="tmRoot">
-          <p:childTnLst>
-            <p:seq concurrent="1" nextAc="seek">
-              <p:cTn id="2" dur="indefinite" nodeType="mainSeq">
-                <p:childTnLst>
-                  <p:par>
-                    <p:cTn id="3" fill="hold">
-                      <p:stCondLst>
-                        <p:cond delay="indefinite"/>
-                      </p:stCondLst>
-                      <p:childTnLst>
-                        <p:par>
-                          <p:cTn id="4" fill="hold">
-                            <p:stCondLst>
-                              <p:cond delay="0"/>
-                            </p:stCondLst>
-                            <p:childTnLst>
-                              <p:par>
-                                <p:cTn id="5" presetID="1" presetClass="entr" presetSubtype="0" fill="hold" nodeType="clickEffect">
-                                  <p:stCondLst>
-                                    <p:cond delay="0"/>
-                                  </p:stCondLst>
-                                  <p:childTnLst>
-                                    <p:set>
-                                      <p:cBhvr>
-                                        <p:cTn id="6" dur="1" fill="hold">
-                                          <p:stCondLst>
-                                            <p:cond delay="0"/>
-                                          </p:stCondLst>
-                                        </p:cTn>
-                                        <p:tgtEl>
-                                          <p:spTgt spid="8"/>
-                                        </p:tgtEl>
-                                        <p:attrNameLst>
-                                          <p:attrName>style.visibility</p:attrName>
-                                        </p:attrNameLst>
-                                      </p:cBhvr>
-                                      <p:to>
-                                        <p:strVal val="visible"/>
-                                      </p:to>
-                                    </p:set>
-                                  </p:childTnLst>
-                                </p:cTn>
-                              </p:par>
-                            </p:childTnLst>
-                          </p:cTn>
-                        </p:par>
-                      </p:childTnLst>
-                    </p:cTn>
-                  </p:par>
-                </p:childTnLst>
-              </p:cTn>
-              <p:prevCondLst>
-                <p:cond evt="onPrev" delay="0">
-                  <p:tgtEl>
-                    <p:sldTgt/>
-                  </p:tgtEl>
-                </p:cond>
-              </p:prevCondLst>
-              <p:nextCondLst>
-                <p:cond evt="onNext" delay="0">
-                  <p:tgtEl>
-                    <p:sldTgt/>
-                  </p:tgtEl>
-                </p:cond>
-              </p:nextCondLst>
-            </p:seq>
-          </p:childTnLst>
-        </p:cTn>
-      </p:par>
-    </p:tnLst>
-  </p:timing>
 </p:sld>
 </file>
 
-<file path=ppt/slides/slide17.xml><?xml version="1.0" encoding="utf-8"?>
-<p:sld xmlns:a="http://schemas.openxmlformats.org/drawingml/2006/main" xmlns:r="http://schemas.openxmlformats.org/officeDocument/2006/relationships" xmlns:p="http://schemas.openxmlformats.org/presentationml/2006/main">
+<file path=ppt/slides/slide16.xml><?xml version="1.0" encoding="utf-8"?>
+<p:sld xmlns:a="http://schemas.openxmlformats.org/drawingml/2006/main" xmlns:r="http://schemas.openxmlformats.org/officeDocument/2006/relationships" xmlns:p="http://schemas.openxmlformats.org/presentationml/2006/main" show="0">
   <p:cSld>
     <p:spTree>
       <p:nvGrpSpPr>
@@ -15384,14 +14933,14 @@
           </a:ln>
           <a:extLst>
             <a:ext uri="{909E8E84-426E-40dd-AFC4-6F175D3DCCD1}">
-              <a14:hiddenFill xmlns:a14="http://schemas.microsoft.com/office/drawing/2010/main" xmlns="">
+              <a14:hiddenFill xmlns="" xmlns:a14="http://schemas.microsoft.com/office/drawing/2010/main">
                 <a:solidFill>
                   <a:schemeClr val="accent1"/>
                 </a:solidFill>
               </a14:hiddenFill>
             </a:ext>
             <a:ext uri="{91240B29-F687-4f45-9708-019B960494DF}">
-              <a14:hiddenLine xmlns:a14="http://schemas.microsoft.com/office/drawing/2010/main" xmlns="" w="9525">
+              <a14:hiddenLine xmlns="" xmlns:a14="http://schemas.microsoft.com/office/drawing/2010/main" w="9525">
                 <a:solidFill>
                   <a:schemeClr val="tx1"/>
                 </a:solidFill>
@@ -16984,8 +16533,8 @@
 </p:sld>
 </file>
 
-<file path=ppt/slides/slide18.xml><?xml version="1.0" encoding="utf-8"?>
-<p:sld xmlns:a="http://schemas.openxmlformats.org/drawingml/2006/main" xmlns:r="http://schemas.openxmlformats.org/officeDocument/2006/relationships" xmlns:p="http://schemas.openxmlformats.org/presentationml/2006/main">
+<file path=ppt/slides/slide17.xml><?xml version="1.0" encoding="utf-8"?>
+<p:sld xmlns:a="http://schemas.openxmlformats.org/drawingml/2006/main" xmlns:r="http://schemas.openxmlformats.org/officeDocument/2006/relationships" xmlns:p="http://schemas.openxmlformats.org/presentationml/2006/main" show="0">
   <p:cSld>
     <p:spTree>
       <p:nvGrpSpPr>
@@ -17063,14 +16612,14 @@
           </a:ln>
           <a:extLst>
             <a:ext uri="{909E8E84-426E-40dd-AFC4-6F175D3DCCD1}">
-              <a14:hiddenFill xmlns:a14="http://schemas.microsoft.com/office/drawing/2010/main" xmlns="">
+              <a14:hiddenFill xmlns="" xmlns:a14="http://schemas.microsoft.com/office/drawing/2010/main">
                 <a:solidFill>
                   <a:schemeClr val="accent1"/>
                 </a:solidFill>
               </a14:hiddenFill>
             </a:ext>
             <a:ext uri="{91240B29-F687-4f45-9708-019B960494DF}">
-              <a14:hiddenLine xmlns:a14="http://schemas.microsoft.com/office/drawing/2010/main" xmlns="" w="9525">
+              <a14:hiddenLine xmlns="" xmlns:a14="http://schemas.microsoft.com/office/drawing/2010/main" w="9525">
                 <a:solidFill>
                   <a:schemeClr val="tx1"/>
                 </a:solidFill>
@@ -17308,7 +16857,7 @@
 </p:sld>
 </file>
 
-<file path=ppt/slides/slide19.xml><?xml version="1.0" encoding="utf-8"?>
+<file path=ppt/slides/slide18.xml><?xml version="1.0" encoding="utf-8"?>
 <p:sld xmlns:a="http://schemas.openxmlformats.org/drawingml/2006/main" xmlns:r="http://schemas.openxmlformats.org/officeDocument/2006/relationships" xmlns:p="http://schemas.openxmlformats.org/presentationml/2006/main" show="0">
   <p:cSld>
     <p:spTree>
@@ -19680,6 +19229,206 @@
 </p:sld>
 </file>
 
+<file path=ppt/slides/slide19.xml><?xml version="1.0" encoding="utf-8"?>
+<p:sld xmlns:a="http://schemas.openxmlformats.org/drawingml/2006/main" xmlns:r="http://schemas.openxmlformats.org/officeDocument/2006/relationships" xmlns:p="http://schemas.openxmlformats.org/presentationml/2006/main" show="0">
+  <p:cSld>
+    <p:spTree>
+      <p:nvGrpSpPr>
+        <p:cNvPr id="1" name=""/>
+        <p:cNvGrpSpPr/>
+        <p:nvPr/>
+      </p:nvGrpSpPr>
+      <p:grpSpPr>
+        <a:xfrm>
+          <a:off x="0" y="0"/>
+          <a:ext cx="0" cy="0"/>
+          <a:chOff x="0" y="0"/>
+          <a:chExt cx="0" cy="0"/>
+        </a:xfrm>
+      </p:grpSpPr>
+      <p:sp>
+        <p:nvSpPr>
+          <p:cNvPr id="2" name="Title 1">
+            <a:extLst>
+              <a:ext uri="{FF2B5EF4-FFF2-40B4-BE49-F238E27FC236}">
+                <a16:creationId xmlns:a16="http://schemas.microsoft.com/office/drawing/2014/main" id="{B05146B3-98CB-8907-EBFC-3323364C825F}"/>
+              </a:ext>
+            </a:extLst>
+          </p:cNvPr>
+          <p:cNvSpPr>
+            <a:spLocks noGrp="1"/>
+          </p:cNvSpPr>
+          <p:nvPr>
+            <p:ph type="title"/>
+          </p:nvPr>
+        </p:nvSpPr>
+        <p:spPr/>
+        <p:txBody>
+          <a:bodyPr/>
+          <a:lstStyle/>
+          <a:p>
+            <a:r>
+              <a:rPr lang="en-US" dirty="0"/>
+              <a:t>Real world issues</a:t>
+            </a:r>
+          </a:p>
+        </p:txBody>
+      </p:sp>
+      <p:sp>
+        <p:nvSpPr>
+          <p:cNvPr id="3" name="Content Placeholder 2">
+            <a:extLst>
+              <a:ext uri="{FF2B5EF4-FFF2-40B4-BE49-F238E27FC236}">
+                <a16:creationId xmlns:a16="http://schemas.microsoft.com/office/drawing/2014/main" id="{5AA05B67-AB41-F5F8-831D-2BE562F83435}"/>
+              </a:ext>
+            </a:extLst>
+          </p:cNvPr>
+          <p:cNvSpPr>
+            <a:spLocks noGrp="1"/>
+          </p:cNvSpPr>
+          <p:nvPr>
+            <p:ph idx="1"/>
+          </p:nvPr>
+        </p:nvSpPr>
+        <p:spPr/>
+        <p:txBody>
+          <a:bodyPr/>
+          <a:lstStyle/>
+          <a:p>
+            <a:r>
+              <a:rPr lang="en-US" dirty="0"/>
+              <a:t>Cold Start – how to model cases where we don’t have data yet to train on? </a:t>
+            </a:r>
+          </a:p>
+          <a:p>
+            <a:endParaRPr lang="en-US" dirty="0"/>
+          </a:p>
+          <a:p>
+            <a:r>
+              <a:rPr lang="en-US" dirty="0"/>
+              <a:t>Rare events – what do we do if there are very few positive examples? </a:t>
+            </a:r>
+          </a:p>
+          <a:p>
+            <a:endParaRPr lang="en-US" dirty="0"/>
+          </a:p>
+          <a:p>
+            <a:r>
+              <a:rPr lang="en-US" dirty="0"/>
+              <a:t>How do we think about reducing attribute space?</a:t>
+            </a:r>
+          </a:p>
+          <a:p>
+            <a:endParaRPr lang="en-US" dirty="0"/>
+          </a:p>
+          <a:p>
+            <a:r>
+              <a:rPr lang="en-US" dirty="0"/>
+              <a:t>Do we need to engineer features? </a:t>
+            </a:r>
+          </a:p>
+        </p:txBody>
+      </p:sp>
+      <p:sp>
+        <p:nvSpPr>
+          <p:cNvPr id="4" name="Slide Number Placeholder 3">
+            <a:extLst>
+              <a:ext uri="{FF2B5EF4-FFF2-40B4-BE49-F238E27FC236}">
+                <a16:creationId xmlns:a16="http://schemas.microsoft.com/office/drawing/2014/main" id="{1D0AEE53-8670-A398-5EE0-7E0341999204}"/>
+              </a:ext>
+            </a:extLst>
+          </p:cNvPr>
+          <p:cNvSpPr>
+            <a:spLocks noGrp="1"/>
+          </p:cNvSpPr>
+          <p:nvPr>
+            <p:ph type="sldNum" sz="quarter" idx="10"/>
+          </p:nvPr>
+        </p:nvSpPr>
+        <p:spPr/>
+        <p:txBody>
+          <a:bodyPr/>
+          <a:lstStyle/>
+          <a:p>
+            <a:fld id="{ABBEE3BA-F264-1746-880E-39AD601DF2B1}" type="slidenum">
+              <a:rPr lang="en-US" smtClean="0"/>
+              <a:t>19</a:t>
+            </a:fld>
+            <a:endParaRPr lang="en-US"/>
+          </a:p>
+        </p:txBody>
+      </p:sp>
+      <p:pic>
+        <p:nvPicPr>
+          <p:cNvPr id="6" name="Picture 2">
+            <a:extLst>
+              <a:ext uri="{FF2B5EF4-FFF2-40B4-BE49-F238E27FC236}">
+                <a16:creationId xmlns:a16="http://schemas.microsoft.com/office/drawing/2014/main" id="{10649200-79FC-6028-9BF8-4144EF37CC4D}"/>
+              </a:ext>
+            </a:extLst>
+          </p:cNvPr>
+          <p:cNvPicPr>
+            <a:picLocks noChangeAspect="1" noChangeArrowheads="1"/>
+          </p:cNvPicPr>
+          <p:nvPr/>
+        </p:nvPicPr>
+        <p:blipFill rotWithShape="1">
+          <a:blip r:embed="rId2" cstate="screen">
+            <a:extLst>
+              <a:ext uri="{28A0092B-C50C-407E-A947-70E740481C1C}">
+                <a14:useLocalDpi xmlns:a14="http://schemas.microsoft.com/office/drawing/2010/main"/>
+              </a:ext>
+            </a:extLst>
+          </a:blip>
+          <a:srcRect/>
+          <a:stretch/>
+        </p:blipFill>
+        <p:spPr bwMode="auto">
+          <a:xfrm>
+            <a:off x="4997591" y="3965483"/>
+            <a:ext cx="3689209" cy="2075180"/>
+          </a:xfrm>
+          <a:prstGeom prst="rect">
+            <a:avLst/>
+          </a:prstGeom>
+          <a:noFill/>
+          <a:ln>
+            <a:noFill/>
+          </a:ln>
+          <a:extLst>
+            <a:ext uri="{909E8E84-426E-40dd-AFC4-6F175D3DCCD1}">
+              <a14:hiddenFill xmlns="" xmlns:a14="http://schemas.microsoft.com/office/drawing/2010/main">
+                <a:solidFill>
+                  <a:schemeClr val="accent1"/>
+                </a:solidFill>
+              </a14:hiddenFill>
+            </a:ext>
+            <a:ext uri="{91240B29-F687-4f45-9708-019B960494DF}">
+              <a14:hiddenLine xmlns="" xmlns:a14="http://schemas.microsoft.com/office/drawing/2010/main" w="9525">
+                <a:solidFill>
+                  <a:schemeClr val="tx1"/>
+                </a:solidFill>
+                <a:miter lim="800000"/>
+                <a:headEnd/>
+                <a:tailEnd/>
+              </a14:hiddenLine>
+            </a:ext>
+          </a:extLst>
+        </p:spPr>
+      </p:pic>
+    </p:spTree>
+    <p:extLst>
+      <p:ext uri="{BB962C8B-B14F-4D97-AF65-F5344CB8AC3E}">
+        <p14:creationId xmlns:p14="http://schemas.microsoft.com/office/powerpoint/2010/main" val="3510015486"/>
+      </p:ext>
+    </p:extLst>
+  </p:cSld>
+  <p:clrMapOvr>
+    <a:masterClrMapping/>
+  </p:clrMapOvr>
+</p:sld>
+</file>
+
 <file path=ppt/slides/slide2.xml><?xml version="1.0" encoding="utf-8"?>
 <p:sld xmlns:a="http://schemas.openxmlformats.org/drawingml/2006/main" xmlns:r="http://schemas.openxmlformats.org/officeDocument/2006/relationships" xmlns:p="http://schemas.openxmlformats.org/presentationml/2006/main">
   <p:cSld>
@@ -19899,7 +19648,7 @@
           <p:nvPr/>
         </p:nvPicPr>
         <p:blipFill>
-          <a:blip r:embed="rId2"/>
+          <a:blip r:embed="rId3"/>
           <a:stretch>
             <a:fillRect/>
           </a:stretch>
@@ -20331,207 +20080,7 @@
 </file>
 
 <file path=ppt/slides/slide20.xml><?xml version="1.0" encoding="utf-8"?>
-<p:sld xmlns:a="http://schemas.openxmlformats.org/drawingml/2006/main" xmlns:r="http://schemas.openxmlformats.org/officeDocument/2006/relationships" xmlns:p="http://schemas.openxmlformats.org/presentationml/2006/main">
-  <p:cSld>
-    <p:spTree>
-      <p:nvGrpSpPr>
-        <p:cNvPr id="1" name=""/>
-        <p:cNvGrpSpPr/>
-        <p:nvPr/>
-      </p:nvGrpSpPr>
-      <p:grpSpPr>
-        <a:xfrm>
-          <a:off x="0" y="0"/>
-          <a:ext cx="0" cy="0"/>
-          <a:chOff x="0" y="0"/>
-          <a:chExt cx="0" cy="0"/>
-        </a:xfrm>
-      </p:grpSpPr>
-      <p:sp>
-        <p:nvSpPr>
-          <p:cNvPr id="2" name="Title 1">
-            <a:extLst>
-              <a:ext uri="{FF2B5EF4-FFF2-40B4-BE49-F238E27FC236}">
-                <a16:creationId xmlns:a16="http://schemas.microsoft.com/office/drawing/2014/main" id="{B05146B3-98CB-8907-EBFC-3323364C825F}"/>
-              </a:ext>
-            </a:extLst>
-          </p:cNvPr>
-          <p:cNvSpPr>
-            <a:spLocks noGrp="1"/>
-          </p:cNvSpPr>
-          <p:nvPr>
-            <p:ph type="title"/>
-          </p:nvPr>
-        </p:nvSpPr>
-        <p:spPr/>
-        <p:txBody>
-          <a:bodyPr/>
-          <a:lstStyle/>
-          <a:p>
-            <a:r>
-              <a:rPr lang="en-US" dirty="0"/>
-              <a:t>Real world issues</a:t>
-            </a:r>
-          </a:p>
-        </p:txBody>
-      </p:sp>
-      <p:sp>
-        <p:nvSpPr>
-          <p:cNvPr id="3" name="Content Placeholder 2">
-            <a:extLst>
-              <a:ext uri="{FF2B5EF4-FFF2-40B4-BE49-F238E27FC236}">
-                <a16:creationId xmlns:a16="http://schemas.microsoft.com/office/drawing/2014/main" id="{5AA05B67-AB41-F5F8-831D-2BE562F83435}"/>
-              </a:ext>
-            </a:extLst>
-          </p:cNvPr>
-          <p:cNvSpPr>
-            <a:spLocks noGrp="1"/>
-          </p:cNvSpPr>
-          <p:nvPr>
-            <p:ph idx="1"/>
-          </p:nvPr>
-        </p:nvSpPr>
-        <p:spPr/>
-        <p:txBody>
-          <a:bodyPr/>
-          <a:lstStyle/>
-          <a:p>
-            <a:r>
-              <a:rPr lang="en-US" dirty="0"/>
-              <a:t>Cold Start – how to model cases where we don’t have data yet to train on? </a:t>
-            </a:r>
-          </a:p>
-          <a:p>
-            <a:endParaRPr lang="en-US" dirty="0"/>
-          </a:p>
-          <a:p>
-            <a:r>
-              <a:rPr lang="en-US" dirty="0"/>
-              <a:t>Rare events – what do we do if there are very few positive examples? </a:t>
-            </a:r>
-          </a:p>
-          <a:p>
-            <a:endParaRPr lang="en-US" dirty="0"/>
-          </a:p>
-          <a:p>
-            <a:r>
-              <a:rPr lang="en-US" dirty="0"/>
-              <a:t>How do we think about reducing attribute space?</a:t>
-            </a:r>
-          </a:p>
-          <a:p>
-            <a:endParaRPr lang="en-US" dirty="0"/>
-          </a:p>
-          <a:p>
-            <a:r>
-              <a:rPr lang="en-US" dirty="0"/>
-              <a:t>Do we need to engineer features? </a:t>
-            </a:r>
-          </a:p>
-        </p:txBody>
-      </p:sp>
-      <p:sp>
-        <p:nvSpPr>
-          <p:cNvPr id="4" name="Slide Number Placeholder 3">
-            <a:extLst>
-              <a:ext uri="{FF2B5EF4-FFF2-40B4-BE49-F238E27FC236}">
-                <a16:creationId xmlns:a16="http://schemas.microsoft.com/office/drawing/2014/main" id="{1D0AEE53-8670-A398-5EE0-7E0341999204}"/>
-              </a:ext>
-            </a:extLst>
-          </p:cNvPr>
-          <p:cNvSpPr>
-            <a:spLocks noGrp="1"/>
-          </p:cNvSpPr>
-          <p:nvPr>
-            <p:ph type="sldNum" sz="quarter" idx="10"/>
-          </p:nvPr>
-        </p:nvSpPr>
-        <p:spPr/>
-        <p:txBody>
-          <a:bodyPr/>
-          <a:lstStyle/>
-          <a:p>
-            <a:fld id="{ABBEE3BA-F264-1746-880E-39AD601DF2B1}" type="slidenum">
-              <a:rPr lang="en-US" smtClean="0"/>
-              <a:t>20</a:t>
-            </a:fld>
-            <a:endParaRPr lang="en-US"/>
-          </a:p>
-        </p:txBody>
-      </p:sp>
-      <p:pic>
-        <p:nvPicPr>
-          <p:cNvPr id="6" name="Picture 2">
-            <a:extLst>
-              <a:ext uri="{FF2B5EF4-FFF2-40B4-BE49-F238E27FC236}">
-                <a16:creationId xmlns:a16="http://schemas.microsoft.com/office/drawing/2014/main" id="{10649200-79FC-6028-9BF8-4144EF37CC4D}"/>
-              </a:ext>
-            </a:extLst>
-          </p:cNvPr>
-          <p:cNvPicPr>
-            <a:picLocks noChangeAspect="1" noChangeArrowheads="1"/>
-          </p:cNvPicPr>
-          <p:nvPr/>
-        </p:nvPicPr>
-        <p:blipFill rotWithShape="1">
-          <a:blip r:embed="rId2" cstate="screen">
-            <a:extLst>
-              <a:ext uri="{28A0092B-C50C-407E-A947-70E740481C1C}">
-                <a14:useLocalDpi xmlns:a14="http://schemas.microsoft.com/office/drawing/2010/main"/>
-              </a:ext>
-            </a:extLst>
-          </a:blip>
-          <a:srcRect/>
-          <a:stretch/>
-        </p:blipFill>
-        <p:spPr bwMode="auto">
-          <a:xfrm>
-            <a:off x="4997591" y="3965483"/>
-            <a:ext cx="3689209" cy="2075180"/>
-          </a:xfrm>
-          <a:prstGeom prst="rect">
-            <a:avLst/>
-          </a:prstGeom>
-          <a:noFill/>
-          <a:ln>
-            <a:noFill/>
-          </a:ln>
-          <a:extLst>
-            <a:ext uri="{909E8E84-426E-40dd-AFC4-6F175D3DCCD1}">
-              <a14:hiddenFill xmlns:a14="http://schemas.microsoft.com/office/drawing/2010/main" xmlns="">
-                <a:solidFill>
-                  <a:schemeClr val="accent1"/>
-                </a:solidFill>
-              </a14:hiddenFill>
-            </a:ext>
-            <a:ext uri="{91240B29-F687-4f45-9708-019B960494DF}">
-              <a14:hiddenLine xmlns:a14="http://schemas.microsoft.com/office/drawing/2010/main" xmlns="" w="9525">
-                <a:solidFill>
-                  <a:schemeClr val="tx1"/>
-                </a:solidFill>
-                <a:miter lim="800000"/>
-                <a:headEnd/>
-                <a:tailEnd/>
-              </a14:hiddenLine>
-            </a:ext>
-          </a:extLst>
-        </p:spPr>
-      </p:pic>
-    </p:spTree>
-    <p:extLst>
-      <p:ext uri="{BB962C8B-B14F-4D97-AF65-F5344CB8AC3E}">
-        <p14:creationId xmlns:p14="http://schemas.microsoft.com/office/powerpoint/2010/main" val="3510015486"/>
-      </p:ext>
-    </p:extLst>
-  </p:cSld>
-  <p:clrMapOvr>
-    <a:masterClrMapping/>
-  </p:clrMapOvr>
-</p:sld>
-</file>
-
-<file path=ppt/slides/slide21.xml><?xml version="1.0" encoding="utf-8"?>
-<p:sld xmlns:a="http://schemas.openxmlformats.org/drawingml/2006/main" xmlns:r="http://schemas.openxmlformats.org/officeDocument/2006/relationships" xmlns:p="http://schemas.openxmlformats.org/presentationml/2006/main">
+<p:sld xmlns:a="http://schemas.openxmlformats.org/drawingml/2006/main" xmlns:r="http://schemas.openxmlformats.org/officeDocument/2006/relationships" xmlns:p="http://schemas.openxmlformats.org/presentationml/2006/main" show="0">
   <p:cSld>
     <p:spTree>
       <p:nvGrpSpPr>
@@ -20662,7 +20211,7 @@
           <a:p>
             <a:fld id="{ABBEE3BA-F264-1746-880E-39AD601DF2B1}" type="slidenum">
               <a:rPr lang="en-US" smtClean="0"/>
-              <a:t>21</a:t>
+              <a:t>20</a:t>
             </a:fld>
             <a:endParaRPr lang="en-US"/>
           </a:p>
@@ -20804,7 +20353,7 @@
 </p:sld>
 </file>
 
-<file path=ppt/slides/slide22.xml><?xml version="1.0" encoding="utf-8"?>
+<file path=ppt/slides/slide21.xml><?xml version="1.0" encoding="utf-8"?>
 <p:sld xmlns:a="http://schemas.openxmlformats.org/drawingml/2006/main" xmlns:r="http://schemas.openxmlformats.org/officeDocument/2006/relationships" xmlns:p="http://schemas.openxmlformats.org/presentationml/2006/main">
   <p:cSld>
     <p:spTree>
@@ -20884,7 +20433,7 @@
             <a:pPr lvl="1"/>
             <a:r>
               <a:rPr lang="en-US" dirty="0"/>
-              <a:t>One other possibility for dimension reduction when you have a lot of variables </a:t>
+              <a:t>One other possibility for dimension reduction when you have a lot of features </a:t>
             </a:r>
           </a:p>
           <a:p>
@@ -20918,7 +20467,7 @@
           <a:p>
             <a:fld id="{ABBEE3BA-F264-1746-880E-39AD601DF2B1}" type="slidenum">
               <a:rPr lang="en-US" smtClean="0"/>
-              <a:t>22</a:t>
+              <a:t>21</a:t>
             </a:fld>
             <a:endParaRPr lang="en-US"/>
           </a:p>
@@ -21082,6 +20631,53 @@
           </a:p>
         </p:txBody>
       </p:sp>
+      <p:pic>
+        <p:nvPicPr>
+          <p:cNvPr id="1026" name="Picture 2" descr="Pov you fall asleep in class and wake up to the teacher yapping about something you don't know about. - meme">
+            <a:extLst>
+              <a:ext uri="{FF2B5EF4-FFF2-40B4-BE49-F238E27FC236}">
+                <a16:creationId xmlns:a16="http://schemas.microsoft.com/office/drawing/2014/main" id="{EFCF8350-032B-D5DF-F72F-DD1B6F60BD5D}"/>
+              </a:ext>
+            </a:extLst>
+          </p:cNvPr>
+          <p:cNvPicPr>
+            <a:picLocks noChangeAspect="1" noChangeArrowheads="1"/>
+          </p:cNvPicPr>
+          <p:nvPr/>
+        </p:nvPicPr>
+        <p:blipFill>
+          <a:blip r:embed="rId4">
+            <a:extLst>
+              <a:ext uri="{28A0092B-C50C-407E-A947-70E740481C1C}">
+                <a14:useLocalDpi xmlns:a14="http://schemas.microsoft.com/office/drawing/2010/main" val="0"/>
+              </a:ext>
+            </a:extLst>
+          </a:blip>
+          <a:srcRect/>
+          <a:stretch>
+            <a:fillRect/>
+          </a:stretch>
+        </p:blipFill>
+        <p:spPr bwMode="auto">
+          <a:xfrm>
+            <a:off x="5405122" y="5495432"/>
+            <a:ext cx="1783543" cy="989113"/>
+          </a:xfrm>
+          <a:prstGeom prst="rect">
+            <a:avLst/>
+          </a:prstGeom>
+          <a:noFill/>
+          <a:extLst>
+            <a:ext uri="{909E8E84-426E-40DD-AFC4-6F175D3DCCD1}">
+              <a14:hiddenFill xmlns:a14="http://schemas.microsoft.com/office/drawing/2010/main">
+                <a:solidFill>
+                  <a:srgbClr val="FFFFFF"/>
+                </a:solidFill>
+              </a14:hiddenFill>
+            </a:ext>
+          </a:extLst>
+        </p:spPr>
+      </p:pic>
     </p:spTree>
     <p:extLst>
       <p:ext uri="{BB962C8B-B14F-4D97-AF65-F5344CB8AC3E}">
@@ -21092,6 +20688,546 @@
   <p:clrMapOvr>
     <a:masterClrMapping/>
   </p:clrMapOvr>
+</p:sld>
+</file>
+
+<file path=ppt/slides/slide22.xml><?xml version="1.0" encoding="utf-8"?>
+<p:sld xmlns:a="http://schemas.openxmlformats.org/drawingml/2006/main" xmlns:r="http://schemas.openxmlformats.org/officeDocument/2006/relationships" xmlns:p="http://schemas.openxmlformats.org/presentationml/2006/main">
+  <p:cSld>
+    <p:spTree>
+      <p:nvGrpSpPr>
+        <p:cNvPr id="1" name=""/>
+        <p:cNvGrpSpPr/>
+        <p:nvPr/>
+      </p:nvGrpSpPr>
+      <p:grpSpPr>
+        <a:xfrm>
+          <a:off x="0" y="0"/>
+          <a:ext cx="0" cy="0"/>
+          <a:chOff x="0" y="0"/>
+          <a:chExt cx="0" cy="0"/>
+        </a:xfrm>
+      </p:grpSpPr>
+      <p:sp>
+        <p:nvSpPr>
+          <p:cNvPr id="2" name="Title 1">
+            <a:extLst>
+              <a:ext uri="{FF2B5EF4-FFF2-40B4-BE49-F238E27FC236}">
+                <a16:creationId xmlns:a16="http://schemas.microsoft.com/office/drawing/2014/main" id="{77E348A3-B068-1F04-96B1-20A3EE49505A}"/>
+              </a:ext>
+            </a:extLst>
+          </p:cNvPr>
+          <p:cNvSpPr>
+            <a:spLocks noGrp="1"/>
+          </p:cNvSpPr>
+          <p:nvPr>
+            <p:ph type="title"/>
+          </p:nvPr>
+        </p:nvSpPr>
+        <p:spPr/>
+        <p:txBody>
+          <a:bodyPr/>
+          <a:lstStyle/>
+          <a:p>
+            <a:r>
+              <a:rPr lang="en-US" dirty="0"/>
+              <a:t>Principal Components Analysis</a:t>
+            </a:r>
+          </a:p>
+        </p:txBody>
+      </p:sp>
+      <p:sp>
+        <p:nvSpPr>
+          <p:cNvPr id="3" name="Content Placeholder 2">
+            <a:extLst>
+              <a:ext uri="{FF2B5EF4-FFF2-40B4-BE49-F238E27FC236}">
+                <a16:creationId xmlns:a16="http://schemas.microsoft.com/office/drawing/2014/main" id="{DA79855B-12E8-025F-9B4F-7E26AB7A363C}"/>
+              </a:ext>
+            </a:extLst>
+          </p:cNvPr>
+          <p:cNvSpPr>
+            <a:spLocks noGrp="1"/>
+          </p:cNvSpPr>
+          <p:nvPr>
+            <p:ph idx="1"/>
+          </p:nvPr>
+        </p:nvSpPr>
+        <p:spPr/>
+        <p:txBody>
+          <a:bodyPr/>
+          <a:lstStyle/>
+          <a:p>
+            <a:r>
+              <a:rPr lang="en-US" sz="1800" dirty="0"/>
+              <a:t>PCA </a:t>
+            </a:r>
+            <a:r>
+              <a:rPr lang="en-US" sz="1800" dirty="0">
+                <a:solidFill>
+                  <a:srgbClr val="444444"/>
+                </a:solidFill>
+                <a:effectLst/>
+              </a:rPr>
+              <a:t>is a method to create a new set of features from the original ones</a:t>
+            </a:r>
+          </a:p>
+          <a:p>
+            <a:pPr lvl="1"/>
+            <a:r>
+              <a:rPr lang="en-US" sz="1600" dirty="0">
+                <a:solidFill>
+                  <a:srgbClr val="444444"/>
+                </a:solidFill>
+              </a:rPr>
+              <a:t>There are many less of them</a:t>
+            </a:r>
+          </a:p>
+          <a:p>
+            <a:pPr lvl="1"/>
+            <a:r>
+              <a:rPr lang="en-US" sz="1600" dirty="0">
+                <a:solidFill>
+                  <a:srgbClr val="444444"/>
+                </a:solidFill>
+                <a:effectLst/>
+              </a:rPr>
+              <a:t>They are a linear combinations of the original features</a:t>
+            </a:r>
+          </a:p>
+          <a:p>
+            <a:pPr lvl="1"/>
+            <a:r>
+              <a:rPr lang="en-US" sz="1600" dirty="0">
+                <a:solidFill>
+                  <a:srgbClr val="444444"/>
+                </a:solidFill>
+              </a:rPr>
+              <a:t>And, they</a:t>
+            </a:r>
+            <a:r>
+              <a:rPr lang="en-US" sz="1600" dirty="0">
+                <a:solidFill>
+                  <a:srgbClr val="444444"/>
+                </a:solidFill>
+                <a:effectLst/>
+              </a:rPr>
+              <a:t> capture the `maximum amount' of variance in the observed data.</a:t>
+            </a:r>
+          </a:p>
+          <a:p>
+            <a:pPr lvl="1"/>
+            <a:r>
+              <a:rPr lang="en-US" sz="1600" dirty="0"/>
+              <a:t>For features that have multicollinearity, a linear combination can provide most of the information while reducing the data set</a:t>
+            </a:r>
+            <a:endParaRPr lang="en-US" sz="1600" dirty="0">
+              <a:effectLst/>
+            </a:endParaRPr>
+          </a:p>
+          <a:p>
+            <a:endParaRPr lang="en-US" sz="1800" dirty="0"/>
+          </a:p>
+        </p:txBody>
+      </p:sp>
+      <p:sp>
+        <p:nvSpPr>
+          <p:cNvPr id="4" name="Slide Number Placeholder 3">
+            <a:extLst>
+              <a:ext uri="{FF2B5EF4-FFF2-40B4-BE49-F238E27FC236}">
+                <a16:creationId xmlns:a16="http://schemas.microsoft.com/office/drawing/2014/main" id="{09E6A74F-C2BB-65FF-947C-AA7B422E7AB8}"/>
+              </a:ext>
+            </a:extLst>
+          </p:cNvPr>
+          <p:cNvSpPr>
+            <a:spLocks noGrp="1"/>
+          </p:cNvSpPr>
+          <p:nvPr>
+            <p:ph type="sldNum" sz="quarter" idx="10"/>
+          </p:nvPr>
+        </p:nvSpPr>
+        <p:spPr/>
+        <p:txBody>
+          <a:bodyPr/>
+          <a:lstStyle/>
+          <a:p>
+            <a:fld id="{ABBEE3BA-F264-1746-880E-39AD601DF2B1}" type="slidenum">
+              <a:rPr lang="en-US" smtClean="0"/>
+              <a:t>22</a:t>
+            </a:fld>
+            <a:endParaRPr lang="en-US"/>
+          </a:p>
+        </p:txBody>
+      </p:sp>
+      <p:pic>
+        <p:nvPicPr>
+          <p:cNvPr id="5" name="Picture 4">
+            <a:extLst>
+              <a:ext uri="{FF2B5EF4-FFF2-40B4-BE49-F238E27FC236}">
+                <a16:creationId xmlns:a16="http://schemas.microsoft.com/office/drawing/2014/main" id="{B0BFF767-F65B-CCFD-9026-49286FAFD784}"/>
+              </a:ext>
+            </a:extLst>
+          </p:cNvPr>
+          <p:cNvPicPr>
+            <a:picLocks noChangeAspect="1"/>
+          </p:cNvPicPr>
+          <p:nvPr/>
+        </p:nvPicPr>
+        <p:blipFill>
+          <a:blip r:embed="rId3"/>
+          <a:stretch>
+            <a:fillRect/>
+          </a:stretch>
+        </p:blipFill>
+        <p:spPr>
+          <a:xfrm>
+            <a:off x="2439384" y="2780675"/>
+            <a:ext cx="3458527" cy="3351286"/>
+          </a:xfrm>
+          <a:prstGeom prst="rect">
+            <a:avLst/>
+          </a:prstGeom>
+        </p:spPr>
+      </p:pic>
+      <p:cxnSp>
+        <p:nvCxnSpPr>
+          <p:cNvPr id="6" name="Google Shape;283;p56">
+            <a:extLst>
+              <a:ext uri="{FF2B5EF4-FFF2-40B4-BE49-F238E27FC236}">
+                <a16:creationId xmlns:a16="http://schemas.microsoft.com/office/drawing/2014/main" id="{49BF5B89-05A7-4A0B-EB92-F96BBB19D1AD}"/>
+              </a:ext>
+            </a:extLst>
+          </p:cNvPr>
+          <p:cNvCxnSpPr>
+            <a:cxnSpLocks/>
+          </p:cNvCxnSpPr>
+          <p:nvPr/>
+        </p:nvCxnSpPr>
+        <p:spPr>
+          <a:xfrm flipV="1">
+            <a:off x="3429000" y="4075318"/>
+            <a:ext cx="1387347" cy="826882"/>
+          </a:xfrm>
+          <a:prstGeom prst="straightConnector1">
+            <a:avLst/>
+          </a:prstGeom>
+          <a:noFill/>
+          <a:ln w="50800" cap="flat" cmpd="sng">
+            <a:solidFill>
+              <a:schemeClr val="dk2"/>
+            </a:solidFill>
+            <a:prstDash val="solid"/>
+            <a:round/>
+            <a:headEnd type="none" w="med" len="med"/>
+            <a:tailEnd type="triangle" w="med" len="med"/>
+          </a:ln>
+        </p:spPr>
+      </p:cxnSp>
+    </p:spTree>
+    <p:extLst>
+      <p:ext uri="{BB962C8B-B14F-4D97-AF65-F5344CB8AC3E}">
+        <p14:creationId xmlns:p14="http://schemas.microsoft.com/office/powerpoint/2010/main" val="393730285"/>
+      </p:ext>
+    </p:extLst>
+  </p:cSld>
+  <p:clrMapOvr>
+    <a:masterClrMapping/>
+  </p:clrMapOvr>
+  <p:timing>
+    <p:tnLst>
+      <p:par>
+        <p:cTn id="1" dur="indefinite" restart="never" nodeType="tmRoot">
+          <p:childTnLst>
+            <p:seq concurrent="1" nextAc="seek">
+              <p:cTn id="2" dur="indefinite" nodeType="mainSeq">
+                <p:childTnLst>
+                  <p:par>
+                    <p:cTn id="3" fill="hold">
+                      <p:stCondLst>
+                        <p:cond delay="indefinite"/>
+                      </p:stCondLst>
+                      <p:childTnLst>
+                        <p:par>
+                          <p:cTn id="4" fill="hold">
+                            <p:stCondLst>
+                              <p:cond delay="0"/>
+                            </p:stCondLst>
+                            <p:childTnLst>
+                              <p:par>
+                                <p:cTn id="5" presetID="1" presetClass="entr" presetSubtype="0" fill="hold" grpId="0" nodeType="clickEffect">
+                                  <p:stCondLst>
+                                    <p:cond delay="0"/>
+                                  </p:stCondLst>
+                                  <p:childTnLst>
+                                    <p:set>
+                                      <p:cBhvr>
+                                        <p:cTn id="6" dur="1" fill="hold">
+                                          <p:stCondLst>
+                                            <p:cond delay="0"/>
+                                          </p:stCondLst>
+                                        </p:cTn>
+                                        <p:tgtEl>
+                                          <p:spTgt spid="3">
+                                            <p:txEl>
+                                              <p:pRg st="0" end="0"/>
+                                            </p:txEl>
+                                          </p:spTgt>
+                                        </p:tgtEl>
+                                        <p:attrNameLst>
+                                          <p:attrName>style.visibility</p:attrName>
+                                        </p:attrNameLst>
+                                      </p:cBhvr>
+                                      <p:to>
+                                        <p:strVal val="visible"/>
+                                      </p:to>
+                                    </p:set>
+                                  </p:childTnLst>
+                                </p:cTn>
+                              </p:par>
+                              <p:par>
+                                <p:cTn id="7" presetID="1" presetClass="entr" presetSubtype="0" fill="hold" grpId="0" nodeType="withEffect">
+                                  <p:stCondLst>
+                                    <p:cond delay="0"/>
+                                  </p:stCondLst>
+                                  <p:childTnLst>
+                                    <p:set>
+                                      <p:cBhvr>
+                                        <p:cTn id="8" dur="1" fill="hold">
+                                          <p:stCondLst>
+                                            <p:cond delay="0"/>
+                                          </p:stCondLst>
+                                        </p:cTn>
+                                        <p:tgtEl>
+                                          <p:spTgt spid="3">
+                                            <p:txEl>
+                                              <p:pRg st="1" end="1"/>
+                                            </p:txEl>
+                                          </p:spTgt>
+                                        </p:tgtEl>
+                                        <p:attrNameLst>
+                                          <p:attrName>style.visibility</p:attrName>
+                                        </p:attrNameLst>
+                                      </p:cBhvr>
+                                      <p:to>
+                                        <p:strVal val="visible"/>
+                                      </p:to>
+                                    </p:set>
+                                  </p:childTnLst>
+                                </p:cTn>
+                              </p:par>
+                              <p:par>
+                                <p:cTn id="9" presetID="1" presetClass="entr" presetSubtype="0" fill="hold" grpId="0" nodeType="withEffect">
+                                  <p:stCondLst>
+                                    <p:cond delay="0"/>
+                                  </p:stCondLst>
+                                  <p:childTnLst>
+                                    <p:set>
+                                      <p:cBhvr>
+                                        <p:cTn id="10" dur="1" fill="hold">
+                                          <p:stCondLst>
+                                            <p:cond delay="0"/>
+                                          </p:stCondLst>
+                                        </p:cTn>
+                                        <p:tgtEl>
+                                          <p:spTgt spid="3">
+                                            <p:txEl>
+                                              <p:pRg st="2" end="2"/>
+                                            </p:txEl>
+                                          </p:spTgt>
+                                        </p:tgtEl>
+                                        <p:attrNameLst>
+                                          <p:attrName>style.visibility</p:attrName>
+                                        </p:attrNameLst>
+                                      </p:cBhvr>
+                                      <p:to>
+                                        <p:strVal val="visible"/>
+                                      </p:to>
+                                    </p:set>
+                                  </p:childTnLst>
+                                </p:cTn>
+                              </p:par>
+                              <p:par>
+                                <p:cTn id="11" presetID="1" presetClass="entr" presetSubtype="0" fill="hold" grpId="0" nodeType="withEffect">
+                                  <p:stCondLst>
+                                    <p:cond delay="0"/>
+                                  </p:stCondLst>
+                                  <p:childTnLst>
+                                    <p:set>
+                                      <p:cBhvr>
+                                        <p:cTn id="12" dur="1" fill="hold">
+                                          <p:stCondLst>
+                                            <p:cond delay="0"/>
+                                          </p:stCondLst>
+                                        </p:cTn>
+                                        <p:tgtEl>
+                                          <p:spTgt spid="3">
+                                            <p:txEl>
+                                              <p:pRg st="3" end="3"/>
+                                            </p:txEl>
+                                          </p:spTgt>
+                                        </p:tgtEl>
+                                        <p:attrNameLst>
+                                          <p:attrName>style.visibility</p:attrName>
+                                        </p:attrNameLst>
+                                      </p:cBhvr>
+                                      <p:to>
+                                        <p:strVal val="visible"/>
+                                      </p:to>
+                                    </p:set>
+                                  </p:childTnLst>
+                                </p:cTn>
+                              </p:par>
+                              <p:par>
+                                <p:cTn id="13" presetID="1" presetClass="entr" presetSubtype="0" fill="hold" grpId="0" nodeType="withEffect">
+                                  <p:stCondLst>
+                                    <p:cond delay="0"/>
+                                  </p:stCondLst>
+                                  <p:childTnLst>
+                                    <p:set>
+                                      <p:cBhvr>
+                                        <p:cTn id="14" dur="1" fill="hold">
+                                          <p:stCondLst>
+                                            <p:cond delay="0"/>
+                                          </p:stCondLst>
+                                        </p:cTn>
+                                        <p:tgtEl>
+                                          <p:spTgt spid="3">
+                                            <p:txEl>
+                                              <p:pRg st="4" end="4"/>
+                                            </p:txEl>
+                                          </p:spTgt>
+                                        </p:tgtEl>
+                                        <p:attrNameLst>
+                                          <p:attrName>style.visibility</p:attrName>
+                                        </p:attrNameLst>
+                                      </p:cBhvr>
+                                      <p:to>
+                                        <p:strVal val="visible"/>
+                                      </p:to>
+                                    </p:set>
+                                  </p:childTnLst>
+                                </p:cTn>
+                              </p:par>
+                            </p:childTnLst>
+                          </p:cTn>
+                        </p:par>
+                      </p:childTnLst>
+                    </p:cTn>
+                  </p:par>
+                  <p:par>
+                    <p:cTn id="15" fill="hold">
+                      <p:stCondLst>
+                        <p:cond delay="indefinite"/>
+                      </p:stCondLst>
+                      <p:childTnLst>
+                        <p:par>
+                          <p:cTn id="16" fill="hold">
+                            <p:stCondLst>
+                              <p:cond delay="0"/>
+                            </p:stCondLst>
+                            <p:childTnLst>
+                              <p:par>
+                                <p:cTn id="17" presetID="1" presetClass="entr" presetSubtype="0" fill="hold" nodeType="clickEffect">
+                                  <p:stCondLst>
+                                    <p:cond delay="0"/>
+                                  </p:stCondLst>
+                                  <p:childTnLst>
+                                    <p:set>
+                                      <p:cBhvr>
+                                        <p:cTn id="18" dur="1" fill="hold">
+                                          <p:stCondLst>
+                                            <p:cond delay="0"/>
+                                          </p:stCondLst>
+                                        </p:cTn>
+                                        <p:tgtEl>
+                                          <p:spTgt spid="5"/>
+                                        </p:tgtEl>
+                                        <p:attrNameLst>
+                                          <p:attrName>style.visibility</p:attrName>
+                                        </p:attrNameLst>
+                                      </p:cBhvr>
+                                      <p:to>
+                                        <p:strVal val="visible"/>
+                                      </p:to>
+                                    </p:set>
+                                  </p:childTnLst>
+                                </p:cTn>
+                              </p:par>
+                            </p:childTnLst>
+                          </p:cTn>
+                        </p:par>
+                      </p:childTnLst>
+                    </p:cTn>
+                  </p:par>
+                  <p:par>
+                    <p:cTn id="19" fill="hold">
+                      <p:stCondLst>
+                        <p:cond delay="indefinite"/>
+                      </p:stCondLst>
+                      <p:childTnLst>
+                        <p:par>
+                          <p:cTn id="20" fill="hold">
+                            <p:stCondLst>
+                              <p:cond delay="0"/>
+                            </p:stCondLst>
+                            <p:childTnLst>
+                              <p:par>
+                                <p:cTn id="21" presetID="1" presetClass="entr" presetSubtype="0" fill="hold" nodeType="clickEffect">
+                                  <p:stCondLst>
+                                    <p:cond delay="0"/>
+                                  </p:stCondLst>
+                                  <p:childTnLst>
+                                    <p:set>
+                                      <p:cBhvr>
+                                        <p:cTn id="22" dur="1" fill="hold">
+                                          <p:stCondLst>
+                                            <p:cond delay="0"/>
+                                          </p:stCondLst>
+                                        </p:cTn>
+                                        <p:tgtEl>
+                                          <p:spTgt spid="6"/>
+                                        </p:tgtEl>
+                                        <p:attrNameLst>
+                                          <p:attrName>style.visibility</p:attrName>
+                                        </p:attrNameLst>
+                                      </p:cBhvr>
+                                      <p:to>
+                                        <p:strVal val="visible"/>
+                                      </p:to>
+                                    </p:set>
+                                  </p:childTnLst>
+                                </p:cTn>
+                              </p:par>
+                            </p:childTnLst>
+                          </p:cTn>
+                        </p:par>
+                      </p:childTnLst>
+                    </p:cTn>
+                  </p:par>
+                </p:childTnLst>
+              </p:cTn>
+              <p:prevCondLst>
+                <p:cond evt="onPrev" delay="0">
+                  <p:tgtEl>
+                    <p:sldTgt/>
+                  </p:tgtEl>
+                </p:cond>
+              </p:prevCondLst>
+              <p:nextCondLst>
+                <p:cond evt="onNext" delay="0">
+                  <p:tgtEl>
+                    <p:sldTgt/>
+                  </p:tgtEl>
+                </p:cond>
+              </p:nextCondLst>
+            </p:seq>
+          </p:childTnLst>
+        </p:cTn>
+      </p:par>
+    </p:tnLst>
+    <p:bldLst>
+      <p:bldP spid="3" grpId="0" build="p"/>
+    </p:bldLst>
+  </p:timing>
 </p:sld>
 </file>
 
@@ -21165,23 +21301,17 @@
         </p:nvSpPr>
         <p:spPr>
           <a:xfrm>
-            <a:off x="1561466" y="4081556"/>
-            <a:ext cx="7331074" cy="3094638"/>
+            <a:off x="312103" y="3243274"/>
+            <a:ext cx="8588057" cy="3035606"/>
           </a:xfrm>
         </p:spPr>
         <p:txBody>
           <a:bodyPr>
-            <a:normAutofit/>
+            <a:normAutofit lnSpcReduction="10000"/>
           </a:bodyPr>
           <a:lstStyle/>
           <a:p>
             <a:r>
-              <a:rPr lang="en-US" sz="1800" b="0" dirty="0"/>
-              <a:t>For two variables that are very correlated, a linear combination of them provides most of the information</a:t>
-            </a:r>
-          </a:p>
-          <a:p>
-            <a:r>
               <a:rPr lang="en-US" sz="1800" dirty="0"/>
               <a:t>Expand this to many dimensions </a:t>
             </a:r>
@@ -21196,6 +21326,33 @@
           <a:p>
             <a:r>
               <a:rPr lang="en-US" sz="1800" dirty="0"/>
+              <a:t>Each PCA feature is a linear combination of ALL of the original features</a:t>
+            </a:r>
+          </a:p>
+          <a:p>
+            <a:r>
+              <a:rPr lang="en-US" sz="1800" b="0" dirty="0"/>
+              <a:t>Beware : variables should be standardized (mean=0, </a:t>
+            </a:r>
+            <a:r>
+              <a:rPr lang="en-US" sz="1800" b="0" dirty="0" err="1"/>
+              <a:t>sd</a:t>
+            </a:r>
+            <a:r>
+              <a:rPr lang="en-US" sz="1800" b="0" dirty="0"/>
+              <a:t>=1) </a:t>
+            </a:r>
+            <a:r>
+              <a:rPr lang="en-US" sz="1800" dirty="0"/>
+              <a:t> for PCA</a:t>
+            </a:r>
+          </a:p>
+          <a:p>
+            <a:endParaRPr lang="en-US" sz="1800" b="0" dirty="0"/>
+          </a:p>
+          <a:p>
+            <a:r>
+              <a:rPr lang="en-US" sz="1800" dirty="0"/>
               <a:t>Principal Components Regression</a:t>
             </a:r>
           </a:p>
@@ -21207,22 +21364,18 @@
             </a:r>
           </a:p>
           <a:p>
+            <a:pPr lvl="2"/>
+            <a:r>
+              <a:rPr lang="en-US" sz="1400" dirty="0"/>
+              <a:t>How many?  Can use Cross-validation to figure it out! </a:t>
+            </a:r>
+          </a:p>
+          <a:p>
             <a:pPr lvl="1"/>
             <a:r>
               <a:rPr lang="en-US" sz="1600" dirty="0"/>
-              <a:t>Fit regression on PC in stead of original data</a:t>
-            </a:r>
-          </a:p>
-          <a:p>
-            <a:r>
-              <a:rPr lang="en-US" sz="1800" b="0" dirty="0"/>
-              <a:t>Beware : variables should be normalize</a:t>
-            </a:r>
-            <a:r>
-              <a:rPr lang="en-US" sz="1800" dirty="0"/>
-              <a:t>d for PCA</a:t>
-            </a:r>
-            <a:endParaRPr lang="en-US" sz="1800" b="0" dirty="0"/>
+              <a:t>Fit regression on PC instead of original data</a:t>
+            </a:r>
           </a:p>
         </p:txBody>
       </p:sp>
@@ -21397,70 +21550,6 @@
       </p:sp>
       <p:pic>
         <p:nvPicPr>
-          <p:cNvPr id="5" name="Picture 4">
-            <a:extLst>
-              <a:ext uri="{FF2B5EF4-FFF2-40B4-BE49-F238E27FC236}">
-                <a16:creationId xmlns:a16="http://schemas.microsoft.com/office/drawing/2014/main" id="{AD44D059-3CD5-DA4C-9AA8-83A3FA76D0CE}"/>
-              </a:ext>
-            </a:extLst>
-          </p:cNvPr>
-          <p:cNvPicPr>
-            <a:picLocks noChangeAspect="1"/>
-          </p:cNvPicPr>
-          <p:nvPr/>
-        </p:nvPicPr>
-        <p:blipFill>
-          <a:blip r:embed="rId2"/>
-          <a:stretch>
-            <a:fillRect/>
-          </a:stretch>
-        </p:blipFill>
-        <p:spPr>
-          <a:xfrm>
-            <a:off x="2842736" y="730270"/>
-            <a:ext cx="3458527" cy="3351286"/>
-          </a:xfrm>
-          <a:prstGeom prst="rect">
-            <a:avLst/>
-          </a:prstGeom>
-        </p:spPr>
-      </p:pic>
-      <p:cxnSp>
-        <p:nvCxnSpPr>
-          <p:cNvPr id="6" name="Google Shape;283;p56">
-            <a:extLst>
-              <a:ext uri="{FF2B5EF4-FFF2-40B4-BE49-F238E27FC236}">
-                <a16:creationId xmlns:a16="http://schemas.microsoft.com/office/drawing/2014/main" id="{F5E57000-A340-DB43-B4B7-AB198DEF79CA}"/>
-              </a:ext>
-            </a:extLst>
-          </p:cNvPr>
-          <p:cNvCxnSpPr>
-            <a:cxnSpLocks/>
-          </p:cNvCxnSpPr>
-          <p:nvPr/>
-        </p:nvCxnSpPr>
-        <p:spPr>
-          <a:xfrm flipV="1">
-            <a:off x="3863023" y="2056018"/>
-            <a:ext cx="1295400" cy="762000"/>
-          </a:xfrm>
-          <a:prstGeom prst="straightConnector1">
-            <a:avLst/>
-          </a:prstGeom>
-          <a:noFill/>
-          <a:ln w="50800" cap="flat" cmpd="sng">
-            <a:solidFill>
-              <a:schemeClr val="dk2"/>
-            </a:solidFill>
-            <a:prstDash val="solid"/>
-            <a:round/>
-            <a:headEnd type="none" w="med" len="med"/>
-            <a:tailEnd type="triangle" w="med" len="med"/>
-          </a:ln>
-        </p:spPr>
-      </p:cxnSp>
-      <p:pic>
-        <p:nvPicPr>
           <p:cNvPr id="7" name="Graphic 6">
             <a:extLst>
               <a:ext uri="{FF2B5EF4-FFF2-40B4-BE49-F238E27FC236}">
@@ -21474,10 +21563,10 @@
           <p:nvPr/>
         </p:nvPicPr>
         <p:blipFill>
-          <a:blip r:embed="rId3">
+          <a:blip r:embed="rId2">
             <a:extLst>
               <a:ext uri="{96DAC541-7B7A-43D3-8B79-37D633B846F1}">
-                <asvg:svgBlip xmlns:asvg="http://schemas.microsoft.com/office/drawing/2016/SVG/main" r:embed="rId4"/>
+                <asvg:svgBlip xmlns:asvg="http://schemas.microsoft.com/office/drawing/2016/SVG/main" r:embed="rId3"/>
               </a:ext>
             </a:extLst>
           </a:blip>
@@ -21539,6 +21628,36 @@
           </a:p>
         </p:txBody>
       </p:sp>
+      <p:pic>
+        <p:nvPicPr>
+          <p:cNvPr id="12" name="Picture 11" descr="A graph with a line and arrows&#10;&#10;Description automatically generated">
+            <a:extLst>
+              <a:ext uri="{FF2B5EF4-FFF2-40B4-BE49-F238E27FC236}">
+                <a16:creationId xmlns:a16="http://schemas.microsoft.com/office/drawing/2014/main" id="{EC7D9ADC-6622-05A7-912D-E09C1719EA6B}"/>
+              </a:ext>
+            </a:extLst>
+          </p:cNvPr>
+          <p:cNvPicPr>
+            <a:picLocks noChangeAspect="1"/>
+          </p:cNvPicPr>
+          <p:nvPr/>
+        </p:nvPicPr>
+        <p:blipFill>
+          <a:blip r:embed="rId4"/>
+          <a:stretch>
+            <a:fillRect/>
+          </a:stretch>
+        </p:blipFill>
+        <p:spPr>
+          <a:xfrm>
+            <a:off x="2969451" y="724812"/>
+            <a:ext cx="2590101" cy="2417974"/>
+          </a:xfrm>
+          <a:prstGeom prst="rect">
+            <a:avLst/>
+          </a:prstGeom>
+        </p:spPr>
+      </p:pic>
     </p:spTree>
     <p:extLst>
       <p:ext uri="{BB962C8B-B14F-4D97-AF65-F5344CB8AC3E}">
@@ -21600,33 +21719,15 @@
                                   </p:childTnLst>
                                 </p:cTn>
                               </p:par>
-                            </p:childTnLst>
-                          </p:cTn>
-                        </p:par>
-                      </p:childTnLst>
-                    </p:cTn>
-                  </p:par>
-                  <p:par>
-                    <p:cTn id="7" fill="hold">
-                      <p:stCondLst>
-                        <p:cond delay="indefinite"/>
-                      </p:stCondLst>
-                      <p:childTnLst>
-                        <p:par>
-                          <p:cTn id="8" fill="hold">
-                            <p:stCondLst>
-                              <p:cond delay="0"/>
-                            </p:stCondLst>
-                            <p:childTnLst>
                               <p:par>
-                                <p:cTn id="9" presetID="1" presetClass="entr" presetSubtype="0" fill="hold" grpId="0" nodeType="clickEffect">
+                                <p:cTn id="7" presetID="1" presetClass="entr" presetSubtype="0" fill="hold" grpId="0" nodeType="withEffect">
                                   <p:stCondLst>
                                     <p:cond delay="0"/>
                                   </p:stCondLst>
                                   <p:childTnLst>
                                     <p:set>
                                       <p:cBhvr>
-                                        <p:cTn id="10" dur="1" fill="hold">
+                                        <p:cTn id="8" dur="1" fill="hold">
                                           <p:stCondLst>
                                             <p:cond delay="0"/>
                                           </p:stCondLst>
@@ -21649,8 +21750,26 @@
                                   </p:childTnLst>
                                 </p:cTn>
                               </p:par>
+                            </p:childTnLst>
+                          </p:cTn>
+                        </p:par>
+                      </p:childTnLst>
+                    </p:cTn>
+                  </p:par>
+                  <p:par>
+                    <p:cTn id="9" fill="hold">
+                      <p:stCondLst>
+                        <p:cond delay="indefinite"/>
+                      </p:stCondLst>
+                      <p:childTnLst>
+                        <p:par>
+                          <p:cTn id="10" fill="hold">
+                            <p:stCondLst>
+                              <p:cond delay="0"/>
+                            </p:stCondLst>
+                            <p:childTnLst>
                               <p:par>
-                                <p:cTn id="11" presetID="1" presetClass="entr" presetSubtype="0" fill="hold" grpId="0" nodeType="withEffect">
+                                <p:cTn id="11" presetID="1" presetClass="entr" presetSubtype="0" fill="hold" grpId="0" nodeType="clickEffect">
                                   <p:stCondLst>
                                     <p:cond delay="0"/>
                                   </p:stCondLst>
@@ -21729,39 +21848,26 @@
                                   </p:childTnLst>
                                 </p:cTn>
                               </p:par>
+                            </p:childTnLst>
+                          </p:cTn>
+                        </p:par>
+                      </p:childTnLst>
+                    </p:cTn>
+                  </p:par>
+                  <p:par>
+                    <p:cTn id="17" fill="hold">
+                      <p:stCondLst>
+                        <p:cond delay="indefinite"/>
+                      </p:stCondLst>
+                      <p:childTnLst>
+                        <p:par>
+                          <p:cTn id="18" fill="hold">
+                            <p:stCondLst>
+                              <p:cond delay="0"/>
+                            </p:stCondLst>
+                            <p:childTnLst>
                               <p:par>
-                                <p:cTn id="17" presetID="1" presetClass="entr" presetSubtype="0" fill="hold" grpId="0" nodeType="withEffect">
-                                  <p:stCondLst>
-                                    <p:cond delay="0"/>
-                                  </p:stCondLst>
-                                  <p:childTnLst>
-                                    <p:set>
-                                      <p:cBhvr>
-                                        <p:cTn id="18" dur="1" fill="hold">
-                                          <p:stCondLst>
-                                            <p:cond delay="0"/>
-                                          </p:stCondLst>
-                                        </p:cTn>
-                                        <p:tgtEl>
-                                          <p:spTgt spid="3">
-                                            <p:txEl>
-                                              <p:pRg st="4" end="4"/>
-                                            </p:txEl>
-                                          </p:spTgt>
-                                        </p:tgtEl>
-                                        <p:attrNameLst>
-                                          <p:attrName>style.visibility</p:attrName>
-                                        </p:attrNameLst>
-                                      </p:cBhvr>
-                                      <p:to>
-                                        <p:strVal val="visible"/>
-                                      </p:to>
-                                    </p:set>
-                                  </p:childTnLst>
-                                </p:cTn>
-                              </p:par>
-                              <p:par>
-                                <p:cTn id="19" presetID="1" presetClass="entr" presetSubtype="0" fill="hold" grpId="0" nodeType="withEffect">
+                                <p:cTn id="19" presetID="1" presetClass="entr" presetSubtype="0" fill="hold" grpId="0" nodeType="clickEffect">
                                   <p:stCondLst>
                                     <p:cond delay="0"/>
                                   </p:stCondLst>
@@ -21791,26 +21897,39 @@
                                   </p:childTnLst>
                                 </p:cTn>
                               </p:par>
-                            </p:childTnLst>
-                          </p:cTn>
-                        </p:par>
-                      </p:childTnLst>
-                    </p:cTn>
-                  </p:par>
-                  <p:par>
-                    <p:cTn id="21" fill="hold">
-                      <p:stCondLst>
-                        <p:cond delay="indefinite"/>
-                      </p:stCondLst>
-                      <p:childTnLst>
-                        <p:par>
-                          <p:cTn id="22" fill="hold">
-                            <p:stCondLst>
-                              <p:cond delay="0"/>
-                            </p:stCondLst>
-                            <p:childTnLst>
                               <p:par>
-                                <p:cTn id="23" presetID="1" presetClass="entr" presetSubtype="0" fill="hold" grpId="0" nodeType="clickEffect">
+                                <p:cTn id="21" presetID="1" presetClass="entr" presetSubtype="0" fill="hold" grpId="0" nodeType="withEffect">
+                                  <p:stCondLst>
+                                    <p:cond delay="0"/>
+                                  </p:stCondLst>
+                                  <p:childTnLst>
+                                    <p:set>
+                                      <p:cBhvr>
+                                        <p:cTn id="22" dur="1" fill="hold">
+                                          <p:stCondLst>
+                                            <p:cond delay="0"/>
+                                          </p:stCondLst>
+                                        </p:cTn>
+                                        <p:tgtEl>
+                                          <p:spTgt spid="3">
+                                            <p:txEl>
+                                              <p:pRg st="6" end="6"/>
+                                            </p:txEl>
+                                          </p:spTgt>
+                                        </p:tgtEl>
+                                        <p:attrNameLst>
+                                          <p:attrName>style.visibility</p:attrName>
+                                        </p:attrNameLst>
+                                      </p:cBhvr>
+                                      <p:to>
+                                        <p:strVal val="visible"/>
+                                      </p:to>
+                                    </p:set>
+                                  </p:childTnLst>
+                                </p:cTn>
+                              </p:par>
+                              <p:par>
+                                <p:cTn id="23" presetID="1" presetClass="entr" presetSubtype="0" fill="hold" grpId="0" nodeType="withEffect">
                                   <p:stCondLst>
                                     <p:cond delay="0"/>
                                   </p:stCondLst>
@@ -21825,7 +21944,38 @@
                                         <p:tgtEl>
                                           <p:spTgt spid="3">
                                             <p:txEl>
-                                              <p:pRg st="6" end="6"/>
+                                              <p:pRg st="7" end="7"/>
+                                            </p:txEl>
+                                          </p:spTgt>
+                                        </p:tgtEl>
+                                        <p:attrNameLst>
+                                          <p:attrName>style.visibility</p:attrName>
+                                        </p:attrNameLst>
+                                      </p:cBhvr>
+                                      <p:to>
+                                        <p:strVal val="visible"/>
+                                      </p:to>
+                                    </p:set>
+                                  </p:childTnLst>
+                                </p:cTn>
+                              </p:par>
+                              <p:par>
+                                <p:cTn id="25" presetID="1" presetClass="entr" presetSubtype="0" fill="hold" grpId="0" nodeType="withEffect">
+                                  <p:stCondLst>
+                                    <p:cond delay="0"/>
+                                  </p:stCondLst>
+                                  <p:childTnLst>
+                                    <p:set>
+                                      <p:cBhvr>
+                                        <p:cTn id="26" dur="1" fill="hold">
+                                          <p:stCondLst>
+                                            <p:cond delay="0"/>
+                                          </p:stCondLst>
+                                        </p:cTn>
+                                        <p:tgtEl>
+                                          <p:spTgt spid="3">
+                                            <p:txEl>
+                                              <p:pRg st="8" end="8"/>
                                             </p:txEl>
                                           </p:spTgt>
                                         </p:tgtEl>
@@ -21896,6 +22046,797 @@
           <p:cNvPr id="2" name="Title 1">
             <a:extLst>
               <a:ext uri="{FF2B5EF4-FFF2-40B4-BE49-F238E27FC236}">
+                <a16:creationId xmlns:a16="http://schemas.microsoft.com/office/drawing/2014/main" id="{AE5DBAAF-C6BD-8972-C081-EE1E9E64EB66}"/>
+              </a:ext>
+            </a:extLst>
+          </p:cNvPr>
+          <p:cNvSpPr>
+            <a:spLocks noGrp="1"/>
+          </p:cNvSpPr>
+          <p:nvPr>
+            <p:ph type="title"/>
+          </p:nvPr>
+        </p:nvSpPr>
+        <p:spPr/>
+        <p:txBody>
+          <a:bodyPr/>
+          <a:lstStyle/>
+          <a:p>
+            <a:r>
+              <a:rPr lang="en-US" dirty="0"/>
+              <a:t>PCA – pros and cons</a:t>
+            </a:r>
+          </a:p>
+        </p:txBody>
+      </p:sp>
+      <p:sp>
+        <p:nvSpPr>
+          <p:cNvPr id="3" name="Content Placeholder 2">
+            <a:extLst>
+              <a:ext uri="{FF2B5EF4-FFF2-40B4-BE49-F238E27FC236}">
+                <a16:creationId xmlns:a16="http://schemas.microsoft.com/office/drawing/2014/main" id="{2DE89E38-FD99-BEC5-D3BE-1D7FB2C0BBF6}"/>
+              </a:ext>
+            </a:extLst>
+          </p:cNvPr>
+          <p:cNvSpPr>
+            <a:spLocks noGrp="1"/>
+          </p:cNvSpPr>
+          <p:nvPr>
+            <p:ph idx="1"/>
+          </p:nvPr>
+        </p:nvSpPr>
+        <p:spPr>
+          <a:xfrm>
+            <a:off x="457200" y="1021899"/>
+            <a:ext cx="8442960" cy="5223326"/>
+          </a:xfrm>
+        </p:spPr>
+        <p:txBody>
+          <a:bodyPr/>
+          <a:lstStyle/>
+          <a:p>
+            <a:pPr algn="l"/>
+            <a:r>
+              <a:rPr lang="en-US" b="0" i="0" dirty="0">
+                <a:effectLst/>
+              </a:rPr>
+              <a:t>PCA is </a:t>
+            </a:r>
+            <a:r>
+              <a:rPr lang="en-US" b="1" i="0" dirty="0">
+                <a:effectLst/>
+              </a:rPr>
+              <a:t>great</a:t>
+            </a:r>
+            <a:r>
+              <a:rPr lang="en-US" b="0" i="0" dirty="0">
+                <a:effectLst/>
+              </a:rPr>
+              <a:t> for:</a:t>
+            </a:r>
+          </a:p>
+          <a:p>
+            <a:pPr lvl="1">
+              <a:buFont typeface="+mj-lt"/>
+              <a:buAutoNum type="arabicPeriod"/>
+            </a:pPr>
+            <a:r>
+              <a:rPr lang="en-US" b="0" i="0" dirty="0">
+                <a:effectLst/>
+              </a:rPr>
+              <a:t>Speeding up the training of a model (by reducing it) without significantly decreasing the predictive ability.</a:t>
+            </a:r>
+          </a:p>
+          <a:p>
+            <a:pPr lvl="1">
+              <a:buFont typeface="+mj-lt"/>
+              <a:buAutoNum type="arabicPeriod"/>
+            </a:pPr>
+            <a:r>
+              <a:rPr lang="en-US" b="0" i="0" dirty="0">
+                <a:effectLst/>
+              </a:rPr>
+              <a:t>Reducing multicollinearity, and thus potentially improving the computational stability and time required.</a:t>
+            </a:r>
+          </a:p>
+          <a:p>
+            <a:pPr lvl="1">
+              <a:buFont typeface="+mj-lt"/>
+              <a:buAutoNum type="arabicPeriod"/>
+            </a:pPr>
+            <a:r>
+              <a:rPr lang="en-US" b="0" i="0" dirty="0">
+                <a:effectLst/>
+              </a:rPr>
+              <a:t>Reducing dimensionality in very high dimensional settings.</a:t>
+            </a:r>
+          </a:p>
+          <a:p>
+            <a:pPr lvl="1">
+              <a:buFont typeface="+mj-lt"/>
+              <a:buAutoNum type="arabicPeriod"/>
+            </a:pPr>
+            <a:r>
+              <a:rPr lang="en-US" dirty="0"/>
+              <a:t>When you are predicting multiple targets and don’t want to remove any features</a:t>
+            </a:r>
+          </a:p>
+          <a:p>
+            <a:pPr marL="342900" lvl="1" indent="0">
+              <a:buNone/>
+            </a:pPr>
+            <a:endParaRPr lang="en-US" b="0" i="0" dirty="0">
+              <a:effectLst/>
+            </a:endParaRPr>
+          </a:p>
+          <a:p>
+            <a:pPr algn="l"/>
+            <a:r>
+              <a:rPr lang="en-US" b="0" i="0" dirty="0">
+                <a:effectLst/>
+              </a:rPr>
+              <a:t>PCA is </a:t>
+            </a:r>
+            <a:r>
+              <a:rPr lang="en-US" b="1" i="0" dirty="0">
+                <a:effectLst/>
+              </a:rPr>
+              <a:t>not so good</a:t>
+            </a:r>
+            <a:r>
+              <a:rPr lang="en-US" b="0" i="0" dirty="0">
+                <a:effectLst/>
+              </a:rPr>
+              <a:t> in certain situations because:</a:t>
+            </a:r>
+          </a:p>
+          <a:p>
+            <a:pPr lvl="1">
+              <a:buFont typeface="+mj-lt"/>
+              <a:buAutoNum type="arabicPeriod"/>
+            </a:pPr>
+            <a:r>
+              <a:rPr lang="en-US" b="0" i="0" dirty="0">
+                <a:effectLst/>
+              </a:rPr>
+              <a:t>Interpretation of coefficients in PCA is lost.  Each PCA feature is a linear combination of ALL of the original features</a:t>
+            </a:r>
+          </a:p>
+          <a:p>
+            <a:pPr lvl="1">
+              <a:buFont typeface="+mj-lt"/>
+              <a:buAutoNum type="arabicPeriod"/>
+            </a:pPr>
+            <a:r>
+              <a:rPr lang="en-US" b="0" i="0" dirty="0">
+                <a:effectLst/>
+              </a:rPr>
+              <a:t>Requirement to normalize original features further reduces interpretability.</a:t>
+            </a:r>
+          </a:p>
+          <a:p>
+            <a:pPr lvl="1">
+              <a:buFont typeface="+mj-lt"/>
+              <a:buAutoNum type="arabicPeriod"/>
+            </a:pPr>
+            <a:r>
+              <a:rPr lang="en-US" b="0" i="0" dirty="0">
+                <a:effectLst/>
+              </a:rPr>
+              <a:t>High variance does not indicate high importance.  Sometimes PCA does not improve performance of the model</a:t>
+            </a:r>
+          </a:p>
+        </p:txBody>
+      </p:sp>
+      <p:sp>
+        <p:nvSpPr>
+          <p:cNvPr id="4" name="Slide Number Placeholder 3">
+            <a:extLst>
+              <a:ext uri="{FF2B5EF4-FFF2-40B4-BE49-F238E27FC236}">
+                <a16:creationId xmlns:a16="http://schemas.microsoft.com/office/drawing/2014/main" id="{B63D28A8-D2FA-54DB-563E-D148719DD3A4}"/>
+              </a:ext>
+            </a:extLst>
+          </p:cNvPr>
+          <p:cNvSpPr>
+            <a:spLocks noGrp="1"/>
+          </p:cNvSpPr>
+          <p:nvPr>
+            <p:ph type="sldNum" sz="quarter" idx="10"/>
+          </p:nvPr>
+        </p:nvSpPr>
+        <p:spPr/>
+        <p:txBody>
+          <a:bodyPr/>
+          <a:lstStyle/>
+          <a:p>
+            <a:fld id="{ABBEE3BA-F264-1746-880E-39AD601DF2B1}" type="slidenum">
+              <a:rPr lang="en-US" smtClean="0"/>
+              <a:t>24</a:t>
+            </a:fld>
+            <a:endParaRPr lang="en-US"/>
+          </a:p>
+        </p:txBody>
+      </p:sp>
+    </p:spTree>
+    <p:extLst>
+      <p:ext uri="{BB962C8B-B14F-4D97-AF65-F5344CB8AC3E}">
+        <p14:creationId xmlns:p14="http://schemas.microsoft.com/office/powerpoint/2010/main" val="3260409902"/>
+      </p:ext>
+    </p:extLst>
+  </p:cSld>
+  <p:clrMapOvr>
+    <a:masterClrMapping/>
+  </p:clrMapOvr>
+  <p:timing>
+    <p:tnLst>
+      <p:par>
+        <p:cTn id="1" dur="indefinite" restart="never" nodeType="tmRoot">
+          <p:childTnLst>
+            <p:seq concurrent="1" nextAc="seek">
+              <p:cTn id="2" dur="indefinite" nodeType="mainSeq">
+                <p:childTnLst>
+                  <p:par>
+                    <p:cTn id="3" fill="hold">
+                      <p:stCondLst>
+                        <p:cond delay="indefinite"/>
+                      </p:stCondLst>
+                      <p:childTnLst>
+                        <p:par>
+                          <p:cTn id="4" fill="hold">
+                            <p:stCondLst>
+                              <p:cond delay="0"/>
+                            </p:stCondLst>
+                            <p:childTnLst>
+                              <p:par>
+                                <p:cTn id="5" presetID="1" presetClass="entr" presetSubtype="0" fill="hold" grpId="0" nodeType="clickEffect">
+                                  <p:stCondLst>
+                                    <p:cond delay="0"/>
+                                  </p:stCondLst>
+                                  <p:childTnLst>
+                                    <p:set>
+                                      <p:cBhvr>
+                                        <p:cTn id="6" dur="1" fill="hold">
+                                          <p:stCondLst>
+                                            <p:cond delay="0"/>
+                                          </p:stCondLst>
+                                        </p:cTn>
+                                        <p:tgtEl>
+                                          <p:spTgt spid="3">
+                                            <p:txEl>
+                                              <p:pRg st="0" end="0"/>
+                                            </p:txEl>
+                                          </p:spTgt>
+                                        </p:tgtEl>
+                                        <p:attrNameLst>
+                                          <p:attrName>style.visibility</p:attrName>
+                                        </p:attrNameLst>
+                                      </p:cBhvr>
+                                      <p:to>
+                                        <p:strVal val="visible"/>
+                                      </p:to>
+                                    </p:set>
+                                  </p:childTnLst>
+                                </p:cTn>
+                              </p:par>
+                              <p:par>
+                                <p:cTn id="7" presetID="1" presetClass="entr" presetSubtype="0" fill="hold" grpId="0" nodeType="withEffect">
+                                  <p:stCondLst>
+                                    <p:cond delay="0"/>
+                                  </p:stCondLst>
+                                  <p:childTnLst>
+                                    <p:set>
+                                      <p:cBhvr>
+                                        <p:cTn id="8" dur="1" fill="hold">
+                                          <p:stCondLst>
+                                            <p:cond delay="0"/>
+                                          </p:stCondLst>
+                                        </p:cTn>
+                                        <p:tgtEl>
+                                          <p:spTgt spid="3">
+                                            <p:txEl>
+                                              <p:pRg st="1" end="1"/>
+                                            </p:txEl>
+                                          </p:spTgt>
+                                        </p:tgtEl>
+                                        <p:attrNameLst>
+                                          <p:attrName>style.visibility</p:attrName>
+                                        </p:attrNameLst>
+                                      </p:cBhvr>
+                                      <p:to>
+                                        <p:strVal val="visible"/>
+                                      </p:to>
+                                    </p:set>
+                                  </p:childTnLst>
+                                </p:cTn>
+                              </p:par>
+                              <p:par>
+                                <p:cTn id="9" presetID="1" presetClass="entr" presetSubtype="0" fill="hold" grpId="0" nodeType="withEffect">
+                                  <p:stCondLst>
+                                    <p:cond delay="0"/>
+                                  </p:stCondLst>
+                                  <p:childTnLst>
+                                    <p:set>
+                                      <p:cBhvr>
+                                        <p:cTn id="10" dur="1" fill="hold">
+                                          <p:stCondLst>
+                                            <p:cond delay="0"/>
+                                          </p:stCondLst>
+                                        </p:cTn>
+                                        <p:tgtEl>
+                                          <p:spTgt spid="3">
+                                            <p:txEl>
+                                              <p:pRg st="2" end="2"/>
+                                            </p:txEl>
+                                          </p:spTgt>
+                                        </p:tgtEl>
+                                        <p:attrNameLst>
+                                          <p:attrName>style.visibility</p:attrName>
+                                        </p:attrNameLst>
+                                      </p:cBhvr>
+                                      <p:to>
+                                        <p:strVal val="visible"/>
+                                      </p:to>
+                                    </p:set>
+                                  </p:childTnLst>
+                                </p:cTn>
+                              </p:par>
+                              <p:par>
+                                <p:cTn id="11" presetID="1" presetClass="entr" presetSubtype="0" fill="hold" grpId="0" nodeType="withEffect">
+                                  <p:stCondLst>
+                                    <p:cond delay="0"/>
+                                  </p:stCondLst>
+                                  <p:childTnLst>
+                                    <p:set>
+                                      <p:cBhvr>
+                                        <p:cTn id="12" dur="1" fill="hold">
+                                          <p:stCondLst>
+                                            <p:cond delay="0"/>
+                                          </p:stCondLst>
+                                        </p:cTn>
+                                        <p:tgtEl>
+                                          <p:spTgt spid="3">
+                                            <p:txEl>
+                                              <p:pRg st="3" end="3"/>
+                                            </p:txEl>
+                                          </p:spTgt>
+                                        </p:tgtEl>
+                                        <p:attrNameLst>
+                                          <p:attrName>style.visibility</p:attrName>
+                                        </p:attrNameLst>
+                                      </p:cBhvr>
+                                      <p:to>
+                                        <p:strVal val="visible"/>
+                                      </p:to>
+                                    </p:set>
+                                  </p:childTnLst>
+                                </p:cTn>
+                              </p:par>
+                              <p:par>
+                                <p:cTn id="13" presetID="1" presetClass="entr" presetSubtype="0" fill="hold" grpId="0" nodeType="withEffect">
+                                  <p:stCondLst>
+                                    <p:cond delay="0"/>
+                                  </p:stCondLst>
+                                  <p:childTnLst>
+                                    <p:set>
+                                      <p:cBhvr>
+                                        <p:cTn id="14" dur="1" fill="hold">
+                                          <p:stCondLst>
+                                            <p:cond delay="0"/>
+                                          </p:stCondLst>
+                                        </p:cTn>
+                                        <p:tgtEl>
+                                          <p:spTgt spid="3">
+                                            <p:txEl>
+                                              <p:pRg st="4" end="4"/>
+                                            </p:txEl>
+                                          </p:spTgt>
+                                        </p:tgtEl>
+                                        <p:attrNameLst>
+                                          <p:attrName>style.visibility</p:attrName>
+                                        </p:attrNameLst>
+                                      </p:cBhvr>
+                                      <p:to>
+                                        <p:strVal val="visible"/>
+                                      </p:to>
+                                    </p:set>
+                                  </p:childTnLst>
+                                </p:cTn>
+                              </p:par>
+                            </p:childTnLst>
+                          </p:cTn>
+                        </p:par>
+                      </p:childTnLst>
+                    </p:cTn>
+                  </p:par>
+                  <p:par>
+                    <p:cTn id="15" fill="hold">
+                      <p:stCondLst>
+                        <p:cond delay="indefinite"/>
+                      </p:stCondLst>
+                      <p:childTnLst>
+                        <p:par>
+                          <p:cTn id="16" fill="hold">
+                            <p:stCondLst>
+                              <p:cond delay="0"/>
+                            </p:stCondLst>
+                            <p:childTnLst>
+                              <p:par>
+                                <p:cTn id="17" presetID="1" presetClass="entr" presetSubtype="0" fill="hold" grpId="0" nodeType="clickEffect">
+                                  <p:stCondLst>
+                                    <p:cond delay="0"/>
+                                  </p:stCondLst>
+                                  <p:childTnLst>
+                                    <p:set>
+                                      <p:cBhvr>
+                                        <p:cTn id="18" dur="1" fill="hold">
+                                          <p:stCondLst>
+                                            <p:cond delay="0"/>
+                                          </p:stCondLst>
+                                        </p:cTn>
+                                        <p:tgtEl>
+                                          <p:spTgt spid="3">
+                                            <p:txEl>
+                                              <p:pRg st="6" end="6"/>
+                                            </p:txEl>
+                                          </p:spTgt>
+                                        </p:tgtEl>
+                                        <p:attrNameLst>
+                                          <p:attrName>style.visibility</p:attrName>
+                                        </p:attrNameLst>
+                                      </p:cBhvr>
+                                      <p:to>
+                                        <p:strVal val="visible"/>
+                                      </p:to>
+                                    </p:set>
+                                  </p:childTnLst>
+                                </p:cTn>
+                              </p:par>
+                              <p:par>
+                                <p:cTn id="19" presetID="1" presetClass="entr" presetSubtype="0" fill="hold" grpId="0" nodeType="withEffect">
+                                  <p:stCondLst>
+                                    <p:cond delay="0"/>
+                                  </p:stCondLst>
+                                  <p:childTnLst>
+                                    <p:set>
+                                      <p:cBhvr>
+                                        <p:cTn id="20" dur="1" fill="hold">
+                                          <p:stCondLst>
+                                            <p:cond delay="0"/>
+                                          </p:stCondLst>
+                                        </p:cTn>
+                                        <p:tgtEl>
+                                          <p:spTgt spid="3">
+                                            <p:txEl>
+                                              <p:pRg st="7" end="7"/>
+                                            </p:txEl>
+                                          </p:spTgt>
+                                        </p:tgtEl>
+                                        <p:attrNameLst>
+                                          <p:attrName>style.visibility</p:attrName>
+                                        </p:attrNameLst>
+                                      </p:cBhvr>
+                                      <p:to>
+                                        <p:strVal val="visible"/>
+                                      </p:to>
+                                    </p:set>
+                                  </p:childTnLst>
+                                </p:cTn>
+                              </p:par>
+                              <p:par>
+                                <p:cTn id="21" presetID="1" presetClass="entr" presetSubtype="0" fill="hold" grpId="0" nodeType="withEffect">
+                                  <p:stCondLst>
+                                    <p:cond delay="0"/>
+                                  </p:stCondLst>
+                                  <p:childTnLst>
+                                    <p:set>
+                                      <p:cBhvr>
+                                        <p:cTn id="22" dur="1" fill="hold">
+                                          <p:stCondLst>
+                                            <p:cond delay="0"/>
+                                          </p:stCondLst>
+                                        </p:cTn>
+                                        <p:tgtEl>
+                                          <p:spTgt spid="3">
+                                            <p:txEl>
+                                              <p:pRg st="8" end="8"/>
+                                            </p:txEl>
+                                          </p:spTgt>
+                                        </p:tgtEl>
+                                        <p:attrNameLst>
+                                          <p:attrName>style.visibility</p:attrName>
+                                        </p:attrNameLst>
+                                      </p:cBhvr>
+                                      <p:to>
+                                        <p:strVal val="visible"/>
+                                      </p:to>
+                                    </p:set>
+                                  </p:childTnLst>
+                                </p:cTn>
+                              </p:par>
+                              <p:par>
+                                <p:cTn id="23" presetID="1" presetClass="entr" presetSubtype="0" fill="hold" grpId="0" nodeType="withEffect">
+                                  <p:stCondLst>
+                                    <p:cond delay="0"/>
+                                  </p:stCondLst>
+                                  <p:childTnLst>
+                                    <p:set>
+                                      <p:cBhvr>
+                                        <p:cTn id="24" dur="1" fill="hold">
+                                          <p:stCondLst>
+                                            <p:cond delay="0"/>
+                                          </p:stCondLst>
+                                        </p:cTn>
+                                        <p:tgtEl>
+                                          <p:spTgt spid="3">
+                                            <p:txEl>
+                                              <p:pRg st="9" end="9"/>
+                                            </p:txEl>
+                                          </p:spTgt>
+                                        </p:tgtEl>
+                                        <p:attrNameLst>
+                                          <p:attrName>style.visibility</p:attrName>
+                                        </p:attrNameLst>
+                                      </p:cBhvr>
+                                      <p:to>
+                                        <p:strVal val="visible"/>
+                                      </p:to>
+                                    </p:set>
+                                  </p:childTnLst>
+                                </p:cTn>
+                              </p:par>
+                            </p:childTnLst>
+                          </p:cTn>
+                        </p:par>
+                      </p:childTnLst>
+                    </p:cTn>
+                  </p:par>
+                </p:childTnLst>
+              </p:cTn>
+              <p:prevCondLst>
+                <p:cond evt="onPrev" delay="0">
+                  <p:tgtEl>
+                    <p:sldTgt/>
+                  </p:tgtEl>
+                </p:cond>
+              </p:prevCondLst>
+              <p:nextCondLst>
+                <p:cond evt="onNext" delay="0">
+                  <p:tgtEl>
+                    <p:sldTgt/>
+                  </p:tgtEl>
+                </p:cond>
+              </p:nextCondLst>
+            </p:seq>
+          </p:childTnLst>
+        </p:cTn>
+      </p:par>
+    </p:tnLst>
+    <p:bldLst>
+      <p:bldP spid="3" grpId="0" build="p"/>
+    </p:bldLst>
+  </p:timing>
+</p:sld>
+</file>
+
+<file path=ppt/slides/slide25.xml><?xml version="1.0" encoding="utf-8"?>
+<p:sld xmlns:a="http://schemas.openxmlformats.org/drawingml/2006/main" xmlns:r="http://schemas.openxmlformats.org/officeDocument/2006/relationships" xmlns:p="http://schemas.openxmlformats.org/presentationml/2006/main">
+  <p:cSld>
+    <p:spTree>
+      <p:nvGrpSpPr>
+        <p:cNvPr id="1" name=""/>
+        <p:cNvGrpSpPr/>
+        <p:nvPr/>
+      </p:nvGrpSpPr>
+      <p:grpSpPr>
+        <a:xfrm>
+          <a:off x="0" y="0"/>
+          <a:ext cx="0" cy="0"/>
+          <a:chOff x="0" y="0"/>
+          <a:chExt cx="0" cy="0"/>
+        </a:xfrm>
+      </p:grpSpPr>
+      <p:sp>
+        <p:nvSpPr>
+          <p:cNvPr id="2" name="Title 1">
+            <a:extLst>
+              <a:ext uri="{FF2B5EF4-FFF2-40B4-BE49-F238E27FC236}">
+                <a16:creationId xmlns:a16="http://schemas.microsoft.com/office/drawing/2014/main" id="{CBEF3E39-B0AB-3712-14DA-EF909599EB9F}"/>
+              </a:ext>
+            </a:extLst>
+          </p:cNvPr>
+          <p:cNvSpPr>
+            <a:spLocks noGrp="1"/>
+          </p:cNvSpPr>
+          <p:nvPr>
+            <p:ph type="title"/>
+          </p:nvPr>
+        </p:nvSpPr>
+        <p:spPr/>
+        <p:txBody>
+          <a:bodyPr/>
+          <a:lstStyle/>
+          <a:p>
+            <a:r>
+              <a:rPr lang="en-US" dirty="0"/>
+              <a:t>PCA in action</a:t>
+            </a:r>
+          </a:p>
+        </p:txBody>
+      </p:sp>
+      <p:sp>
+        <p:nvSpPr>
+          <p:cNvPr id="3" name="Content Placeholder 2">
+            <a:extLst>
+              <a:ext uri="{FF2B5EF4-FFF2-40B4-BE49-F238E27FC236}">
+                <a16:creationId xmlns:a16="http://schemas.microsoft.com/office/drawing/2014/main" id="{048629F0-D743-89C1-6157-E01DF46623BB}"/>
+              </a:ext>
+            </a:extLst>
+          </p:cNvPr>
+          <p:cNvSpPr>
+            <a:spLocks noGrp="1"/>
+          </p:cNvSpPr>
+          <p:nvPr>
+            <p:ph idx="1"/>
+          </p:nvPr>
+        </p:nvSpPr>
+        <p:spPr/>
+        <p:txBody>
+          <a:bodyPr/>
+          <a:lstStyle/>
+          <a:p>
+            <a:r>
+              <a:rPr lang="en-US" dirty="0"/>
+              <a:t>PNAS Facebook Paper – </a:t>
+            </a:r>
+            <a:r>
+              <a:rPr lang="en-US" b="1" i="1" dirty="0"/>
+              <a:t>read for next class</a:t>
+            </a:r>
+            <a:endParaRPr lang="en-US" b="1" dirty="0"/>
+          </a:p>
+          <a:p>
+            <a:endParaRPr lang="en-US" dirty="0"/>
+          </a:p>
+        </p:txBody>
+      </p:sp>
+      <p:sp>
+        <p:nvSpPr>
+          <p:cNvPr id="4" name="Slide Number Placeholder 3">
+            <a:extLst>
+              <a:ext uri="{FF2B5EF4-FFF2-40B4-BE49-F238E27FC236}">
+                <a16:creationId xmlns:a16="http://schemas.microsoft.com/office/drawing/2014/main" id="{83BD9B70-67EE-EE45-3956-5919403B94CA}"/>
+              </a:ext>
+            </a:extLst>
+          </p:cNvPr>
+          <p:cNvSpPr>
+            <a:spLocks noGrp="1"/>
+          </p:cNvSpPr>
+          <p:nvPr>
+            <p:ph type="sldNum" sz="quarter" idx="10"/>
+          </p:nvPr>
+        </p:nvSpPr>
+        <p:spPr/>
+        <p:txBody>
+          <a:bodyPr/>
+          <a:lstStyle/>
+          <a:p>
+            <a:fld id="{ABBEE3BA-F264-1746-880E-39AD601DF2B1}" type="slidenum">
+              <a:rPr lang="en-US" smtClean="0"/>
+              <a:t>25</a:t>
+            </a:fld>
+            <a:endParaRPr lang="en-US"/>
+          </a:p>
+        </p:txBody>
+      </p:sp>
+      <p:pic>
+        <p:nvPicPr>
+          <p:cNvPr id="6" name="Picture 5" descr="A diagram of different components&#10;&#10;Description automatically generated">
+            <a:extLst>
+              <a:ext uri="{FF2B5EF4-FFF2-40B4-BE49-F238E27FC236}">
+                <a16:creationId xmlns:a16="http://schemas.microsoft.com/office/drawing/2014/main" id="{25764BF3-0E94-2095-971B-FCAB09510839}"/>
+              </a:ext>
+            </a:extLst>
+          </p:cNvPr>
+          <p:cNvPicPr>
+            <a:picLocks noChangeAspect="1"/>
+          </p:cNvPicPr>
+          <p:nvPr/>
+        </p:nvPicPr>
+        <p:blipFill>
+          <a:blip r:embed="rId3"/>
+          <a:stretch>
+            <a:fillRect/>
+          </a:stretch>
+        </p:blipFill>
+        <p:spPr>
+          <a:xfrm>
+            <a:off x="457201" y="1508506"/>
+            <a:ext cx="7610168" cy="3642267"/>
+          </a:xfrm>
+          <a:prstGeom prst="rect">
+            <a:avLst/>
+          </a:prstGeom>
+        </p:spPr>
+      </p:pic>
+      <p:sp>
+        <p:nvSpPr>
+          <p:cNvPr id="5" name="TextBox 4">
+            <a:extLst>
+              <a:ext uri="{FF2B5EF4-FFF2-40B4-BE49-F238E27FC236}">
+                <a16:creationId xmlns:a16="http://schemas.microsoft.com/office/drawing/2014/main" id="{DD4F0C14-E583-E706-C1A7-F883D8083D4A}"/>
+              </a:ext>
+            </a:extLst>
+          </p:cNvPr>
+          <p:cNvSpPr txBox="1"/>
+          <p:nvPr/>
+        </p:nvSpPr>
+        <p:spPr>
+          <a:xfrm>
+            <a:off x="840659" y="5655625"/>
+            <a:ext cx="7104765" cy="400110"/>
+          </a:xfrm>
+          <a:prstGeom prst="rect">
+            <a:avLst/>
+          </a:prstGeom>
+          <a:solidFill>
+            <a:schemeClr val="accent5"/>
+          </a:solidFill>
+        </p:spPr>
+        <p:txBody>
+          <a:bodyPr wrap="none" rtlCol="0">
+            <a:spAutoFit/>
+          </a:bodyPr>
+          <a:lstStyle/>
+          <a:p>
+            <a:pPr marL="0" indent="0" algn="l">
+              <a:buNone/>
+            </a:pPr>
+            <a:r>
+              <a:rPr lang="en-US" sz="2000" dirty="0">
+                <a:latin typeface="Tahoma" panose="020B0604030504040204" pitchFamily="34" charset="0"/>
+                <a:ea typeface="Tahoma" panose="020B0604030504040204" pitchFamily="34" charset="0"/>
+                <a:cs typeface="Tahoma" panose="020B0604030504040204" pitchFamily="34" charset="0"/>
+              </a:rPr>
+              <a:t>Note : Singular Value Decomposition = Principal Components</a:t>
+            </a:r>
+          </a:p>
+        </p:txBody>
+      </p:sp>
+    </p:spTree>
+    <p:extLst>
+      <p:ext uri="{BB962C8B-B14F-4D97-AF65-F5344CB8AC3E}">
+        <p14:creationId xmlns:p14="http://schemas.microsoft.com/office/powerpoint/2010/main" val="2674616291"/>
+      </p:ext>
+    </p:extLst>
+  </p:cSld>
+  <p:clrMapOvr>
+    <a:masterClrMapping/>
+  </p:clrMapOvr>
+</p:sld>
+</file>
+
+<file path=ppt/slides/slide26.xml><?xml version="1.0" encoding="utf-8"?>
+<p:sld xmlns:a="http://schemas.openxmlformats.org/drawingml/2006/main" xmlns:r="http://schemas.openxmlformats.org/officeDocument/2006/relationships" xmlns:p="http://schemas.openxmlformats.org/presentationml/2006/main" show="0">
+  <p:cSld>
+    <p:spTree>
+      <p:nvGrpSpPr>
+        <p:cNvPr id="1" name=""/>
+        <p:cNvGrpSpPr/>
+        <p:nvPr/>
+      </p:nvGrpSpPr>
+      <p:grpSpPr>
+        <a:xfrm>
+          <a:off x="0" y="0"/>
+          <a:ext cx="0" cy="0"/>
+          <a:chOff x="0" y="0"/>
+          <a:chExt cx="0" cy="0"/>
+        </a:xfrm>
+      </p:grpSpPr>
+      <p:sp>
+        <p:nvSpPr>
+          <p:cNvPr id="2" name="Title 1">
+            <a:extLst>
+              <a:ext uri="{FF2B5EF4-FFF2-40B4-BE49-F238E27FC236}">
                 <a16:creationId xmlns:a16="http://schemas.microsoft.com/office/drawing/2014/main" id="{96FA2F9D-D49C-9CC0-00EE-51E423E79602}"/>
               </a:ext>
             </a:extLst>
@@ -21977,6 +22918,17 @@
             </a:r>
           </a:p>
           <a:p>
+            <a:pPr lvl="2"/>
+            <a:r>
+              <a:rPr lang="en-US" dirty="0" err="1"/>
+              <a:t>Identies</a:t>
+            </a:r>
+            <a:r>
+              <a:rPr lang="en-US" dirty="0"/>
+              <a:t> “latent” dimensions, or features of the data space</a:t>
+            </a:r>
+          </a:p>
+          <a:p>
             <a:pPr lvl="1"/>
             <a:r>
               <a:rPr lang="en-US" dirty="0"/>
@@ -22038,7 +22990,7 @@
           <a:p>
             <a:fld id="{ABBEE3BA-F264-1746-880E-39AD601DF2B1}" type="slidenum">
               <a:rPr lang="en-US" smtClean="0"/>
-              <a:t>24</a:t>
+              <a:t>26</a:t>
             </a:fld>
             <a:endParaRPr lang="en-US"/>
           </a:p>
@@ -22057,7 +23009,7 @@
 </p:sld>
 </file>
 
-<file path=ppt/slides/slide25.xml><?xml version="1.0" encoding="utf-8"?>
+<file path=ppt/slides/slide27.xml><?xml version="1.0" encoding="utf-8"?>
 <p:sld xmlns:a="http://schemas.openxmlformats.org/drawingml/2006/main" xmlns:r="http://schemas.openxmlformats.org/officeDocument/2006/relationships" xmlns:p="http://schemas.openxmlformats.org/presentationml/2006/main">
   <p:cSld>
     <p:spTree>
@@ -22181,7 +23133,7 @@
             <a:pPr lvl="1"/>
             <a:r>
               <a:rPr lang="en-US" dirty="0"/>
-              <a:t>Removal via forward selection or univariate analysis</a:t>
+              <a:t>Removal via backward elimination</a:t>
             </a:r>
           </a:p>
           <a:p>
@@ -22216,7 +23168,7 @@
           <a:p>
             <a:fld id="{ABBEE3BA-F264-1746-880E-39AD601DF2B1}" type="slidenum">
               <a:rPr lang="en-US" smtClean="0"/>
-              <a:t>25</a:t>
+              <a:t>27</a:t>
             </a:fld>
             <a:endParaRPr lang="en-US"/>
           </a:p>
@@ -24776,7 +25728,7 @@
           <a:effectLst/>
           <a:extLst>
             <a:ext uri="{AF507438-7753-43e0-B8FC-AC1667EBCBE1}">
-              <a14:hiddenEffects xmlns="" xmlns:a14="http://schemas.microsoft.com/office/drawing/2010/main">
+              <a14:hiddenEffects xmlns:a14="http://schemas.microsoft.com/office/drawing/2010/main" xmlns="">
                 <a:effectLst>
                   <a:outerShdw blurRad="63500" dist="38099" dir="2700000" algn="ctr" rotWithShape="0">
                     <a:schemeClr val="bg2">
@@ -24835,7 +25787,7 @@
           <a:effectLst/>
           <a:extLst>
             <a:ext uri="{AF507438-7753-43e0-B8FC-AC1667EBCBE1}">
-              <a14:hiddenEffects xmlns="" xmlns:a14="http://schemas.microsoft.com/office/drawing/2010/main">
+              <a14:hiddenEffects xmlns:a14="http://schemas.microsoft.com/office/drawing/2010/main" xmlns="">
                 <a:effectLst>
                   <a:outerShdw blurRad="63500" dist="38099" dir="2700000" algn="ctr" rotWithShape="0">
                     <a:schemeClr val="bg2">
